--- a/Life_Expectancy.pptx
+++ b/Life_Expectancy.pptx
@@ -14,11 +14,10 @@
     <p:sldId id="269" r:id="rId8"/>
     <p:sldId id="263" r:id="rId9"/>
     <p:sldId id="270" r:id="rId10"/>
-    <p:sldId id="265" r:id="rId11"/>
-    <p:sldId id="272" r:id="rId12"/>
+    <p:sldId id="272" r:id="rId11"/>
+    <p:sldId id="265" r:id="rId12"/>
     <p:sldId id="266" r:id="rId13"/>
-    <p:sldId id="271" r:id="rId14"/>
-    <p:sldId id="267" r:id="rId15"/>
+    <p:sldId id="267" r:id="rId14"/>
   </p:sldIdLst>
   <p:sldSz cx="12192000" cy="6858000"/>
   <p:notesSz cx="6858000" cy="9144000"/>
@@ -125,4665 +124,6 @@
 </p:presentation>
 </file>
 
-<file path=ppt/diagrams/colors1.xml><?xml version="1.0" encoding="utf-8"?>
-<dgm:colorsDef xmlns:dgm="http://schemas.openxmlformats.org/drawingml/2006/diagram" xmlns:a="http://schemas.openxmlformats.org/drawingml/2006/main" uniqueId="urn:microsoft.com/office/officeart/2005/8/colors/accent2_2">
-  <dgm:title val=""/>
-  <dgm:desc val=""/>
-  <dgm:catLst>
-    <dgm:cat type="accent2" pri="11200"/>
-  </dgm:catLst>
-  <dgm:styleLbl name="node0">
-    <dgm:fillClrLst meth="repeat">
-      <a:schemeClr val="accent2"/>
-    </dgm:fillClrLst>
-    <dgm:linClrLst meth="repeat">
-      <a:schemeClr val="lt1"/>
-    </dgm:linClrLst>
-    <dgm:effectClrLst/>
-    <dgm:txLinClrLst/>
-    <dgm:txFillClrLst/>
-    <dgm:txEffectClrLst/>
-  </dgm:styleLbl>
-  <dgm:styleLbl name="node1">
-    <dgm:fillClrLst meth="repeat">
-      <a:schemeClr val="accent2"/>
-    </dgm:fillClrLst>
-    <dgm:linClrLst meth="repeat">
-      <a:schemeClr val="lt1"/>
-    </dgm:linClrLst>
-    <dgm:effectClrLst/>
-    <dgm:txLinClrLst/>
-    <dgm:txFillClrLst/>
-    <dgm:txEffectClrLst/>
-  </dgm:styleLbl>
-  <dgm:styleLbl name="alignNode1">
-    <dgm:fillClrLst meth="repeat">
-      <a:schemeClr val="accent2"/>
-    </dgm:fillClrLst>
-    <dgm:linClrLst meth="repeat">
-      <a:schemeClr val="accent2"/>
-    </dgm:linClrLst>
-    <dgm:effectClrLst/>
-    <dgm:txLinClrLst/>
-    <dgm:txFillClrLst/>
-    <dgm:txEffectClrLst/>
-  </dgm:styleLbl>
-  <dgm:styleLbl name="lnNode1">
-    <dgm:fillClrLst meth="repeat">
-      <a:schemeClr val="accent2"/>
-    </dgm:fillClrLst>
-    <dgm:linClrLst meth="repeat">
-      <a:schemeClr val="lt1"/>
-    </dgm:linClrLst>
-    <dgm:effectClrLst/>
-    <dgm:txLinClrLst/>
-    <dgm:txFillClrLst/>
-    <dgm:txEffectClrLst/>
-  </dgm:styleLbl>
-  <dgm:styleLbl name="vennNode1">
-    <dgm:fillClrLst meth="repeat">
-      <a:schemeClr val="accent2">
-        <a:alpha val="50000"/>
-      </a:schemeClr>
-    </dgm:fillClrLst>
-    <dgm:linClrLst meth="repeat">
-      <a:schemeClr val="lt1"/>
-    </dgm:linClrLst>
-    <dgm:effectClrLst/>
-    <dgm:txLinClrLst/>
-    <dgm:txFillClrLst/>
-    <dgm:txEffectClrLst/>
-  </dgm:styleLbl>
-  <dgm:styleLbl name="node2">
-    <dgm:fillClrLst meth="repeat">
-      <a:schemeClr val="accent2"/>
-    </dgm:fillClrLst>
-    <dgm:linClrLst meth="repeat">
-      <a:schemeClr val="lt1"/>
-    </dgm:linClrLst>
-    <dgm:effectClrLst/>
-    <dgm:txLinClrLst/>
-    <dgm:txFillClrLst/>
-    <dgm:txEffectClrLst/>
-  </dgm:styleLbl>
-  <dgm:styleLbl name="node3">
-    <dgm:fillClrLst meth="repeat">
-      <a:schemeClr val="accent2"/>
-    </dgm:fillClrLst>
-    <dgm:linClrLst meth="repeat">
-      <a:schemeClr val="lt1"/>
-    </dgm:linClrLst>
-    <dgm:effectClrLst/>
-    <dgm:txLinClrLst/>
-    <dgm:txFillClrLst/>
-    <dgm:txEffectClrLst/>
-  </dgm:styleLbl>
-  <dgm:styleLbl name="node4">
-    <dgm:fillClrLst meth="repeat">
-      <a:schemeClr val="accent2"/>
-    </dgm:fillClrLst>
-    <dgm:linClrLst meth="repeat">
-      <a:schemeClr val="lt1"/>
-    </dgm:linClrLst>
-    <dgm:effectClrLst/>
-    <dgm:txLinClrLst/>
-    <dgm:txFillClrLst/>
-    <dgm:txEffectClrLst/>
-  </dgm:styleLbl>
-  <dgm:styleLbl name="fgImgPlace1">
-    <dgm:fillClrLst meth="repeat">
-      <a:schemeClr val="accent2">
-        <a:tint val="50000"/>
-      </a:schemeClr>
-    </dgm:fillClrLst>
-    <dgm:linClrLst meth="repeat">
-      <a:schemeClr val="lt1"/>
-    </dgm:linClrLst>
-    <dgm:effectClrLst/>
-    <dgm:txLinClrLst/>
-    <dgm:txFillClrLst meth="repeat">
-      <a:schemeClr val="lt1"/>
-    </dgm:txFillClrLst>
-    <dgm:txEffectClrLst/>
-  </dgm:styleLbl>
-  <dgm:styleLbl name="alignImgPlace1">
-    <dgm:fillClrLst meth="repeat">
-      <a:schemeClr val="accent2">
-        <a:tint val="50000"/>
-      </a:schemeClr>
-    </dgm:fillClrLst>
-    <dgm:linClrLst meth="repeat">
-      <a:schemeClr val="lt1"/>
-    </dgm:linClrLst>
-    <dgm:effectClrLst/>
-    <dgm:txLinClrLst/>
-    <dgm:txFillClrLst meth="repeat">
-      <a:schemeClr val="lt1"/>
-    </dgm:txFillClrLst>
-    <dgm:txEffectClrLst/>
-  </dgm:styleLbl>
-  <dgm:styleLbl name="bgImgPlace1">
-    <dgm:fillClrLst meth="repeat">
-      <a:schemeClr val="accent2">
-        <a:tint val="50000"/>
-      </a:schemeClr>
-    </dgm:fillClrLst>
-    <dgm:linClrLst meth="repeat">
-      <a:schemeClr val="lt1"/>
-    </dgm:linClrLst>
-    <dgm:effectClrLst/>
-    <dgm:txLinClrLst/>
-    <dgm:txFillClrLst meth="repeat">
-      <a:schemeClr val="lt1"/>
-    </dgm:txFillClrLst>
-    <dgm:txEffectClrLst/>
-  </dgm:styleLbl>
-  <dgm:styleLbl name="sibTrans2D1">
-    <dgm:fillClrLst meth="repeat">
-      <a:schemeClr val="accent2">
-        <a:tint val="60000"/>
-      </a:schemeClr>
-    </dgm:fillClrLst>
-    <dgm:linClrLst meth="repeat">
-      <a:schemeClr val="accent2">
-        <a:tint val="60000"/>
-      </a:schemeClr>
-    </dgm:linClrLst>
-    <dgm:effectClrLst/>
-    <dgm:txLinClrLst/>
-    <dgm:txFillClrLst/>
-    <dgm:txEffectClrLst/>
-  </dgm:styleLbl>
-  <dgm:styleLbl name="fgSibTrans2D1">
-    <dgm:fillClrLst meth="repeat">
-      <a:schemeClr val="accent2">
-        <a:tint val="60000"/>
-      </a:schemeClr>
-    </dgm:fillClrLst>
-    <dgm:linClrLst meth="repeat">
-      <a:schemeClr val="accent2">
-        <a:tint val="60000"/>
-      </a:schemeClr>
-    </dgm:linClrLst>
-    <dgm:effectClrLst/>
-    <dgm:txLinClrLst/>
-    <dgm:txFillClrLst/>
-    <dgm:txEffectClrLst/>
-  </dgm:styleLbl>
-  <dgm:styleLbl name="bgSibTrans2D1">
-    <dgm:fillClrLst meth="repeat">
-      <a:schemeClr val="accent2">
-        <a:tint val="60000"/>
-      </a:schemeClr>
-    </dgm:fillClrLst>
-    <dgm:linClrLst meth="repeat">
-      <a:schemeClr val="accent2">
-        <a:tint val="60000"/>
-      </a:schemeClr>
-    </dgm:linClrLst>
-    <dgm:effectClrLst/>
-    <dgm:txLinClrLst/>
-    <dgm:txFillClrLst/>
-    <dgm:txEffectClrLst/>
-  </dgm:styleLbl>
-  <dgm:styleLbl name="sibTrans1D1">
-    <dgm:fillClrLst meth="repeat">
-      <a:schemeClr val="accent2"/>
-    </dgm:fillClrLst>
-    <dgm:linClrLst meth="repeat">
-      <a:schemeClr val="accent2"/>
-    </dgm:linClrLst>
-    <dgm:effectClrLst/>
-    <dgm:txLinClrLst/>
-    <dgm:txFillClrLst meth="repeat">
-      <a:schemeClr val="tx1"/>
-    </dgm:txFillClrLst>
-    <dgm:txEffectClrLst/>
-  </dgm:styleLbl>
-  <dgm:styleLbl name="callout">
-    <dgm:fillClrLst meth="repeat">
-      <a:schemeClr val="accent2"/>
-    </dgm:fillClrLst>
-    <dgm:linClrLst meth="repeat">
-      <a:schemeClr val="accent2">
-        <a:tint val="50000"/>
-      </a:schemeClr>
-    </dgm:linClrLst>
-    <dgm:effectClrLst/>
-    <dgm:txLinClrLst/>
-    <dgm:txFillClrLst meth="repeat">
-      <a:schemeClr val="tx1"/>
-    </dgm:txFillClrLst>
-    <dgm:txEffectClrLst/>
-  </dgm:styleLbl>
-  <dgm:styleLbl name="asst0">
-    <dgm:fillClrLst meth="repeat">
-      <a:schemeClr val="accent2"/>
-    </dgm:fillClrLst>
-    <dgm:linClrLst meth="repeat">
-      <a:schemeClr val="lt1"/>
-    </dgm:linClrLst>
-    <dgm:effectClrLst/>
-    <dgm:txLinClrLst/>
-    <dgm:txFillClrLst/>
-    <dgm:txEffectClrLst/>
-  </dgm:styleLbl>
-  <dgm:styleLbl name="asst1">
-    <dgm:fillClrLst meth="repeat">
-      <a:schemeClr val="accent2"/>
-    </dgm:fillClrLst>
-    <dgm:linClrLst meth="repeat">
-      <a:schemeClr val="lt1"/>
-    </dgm:linClrLst>
-    <dgm:effectClrLst/>
-    <dgm:txLinClrLst/>
-    <dgm:txFillClrLst/>
-    <dgm:txEffectClrLst/>
-  </dgm:styleLbl>
-  <dgm:styleLbl name="asst2">
-    <dgm:fillClrLst meth="repeat">
-      <a:schemeClr val="accent2"/>
-    </dgm:fillClrLst>
-    <dgm:linClrLst meth="repeat">
-      <a:schemeClr val="lt1"/>
-    </dgm:linClrLst>
-    <dgm:effectClrLst/>
-    <dgm:txLinClrLst/>
-    <dgm:txFillClrLst/>
-    <dgm:txEffectClrLst/>
-  </dgm:styleLbl>
-  <dgm:styleLbl name="asst3">
-    <dgm:fillClrLst meth="repeat">
-      <a:schemeClr val="accent2"/>
-    </dgm:fillClrLst>
-    <dgm:linClrLst meth="repeat">
-      <a:schemeClr val="lt1"/>
-    </dgm:linClrLst>
-    <dgm:effectClrLst/>
-    <dgm:txLinClrLst/>
-    <dgm:txFillClrLst/>
-    <dgm:txEffectClrLst/>
-  </dgm:styleLbl>
-  <dgm:styleLbl name="asst4">
-    <dgm:fillClrLst meth="repeat">
-      <a:schemeClr val="accent2"/>
-    </dgm:fillClrLst>
-    <dgm:linClrLst meth="repeat">
-      <a:schemeClr val="lt1"/>
-    </dgm:linClrLst>
-    <dgm:effectClrLst/>
-    <dgm:txLinClrLst/>
-    <dgm:txFillClrLst/>
-    <dgm:txEffectClrLst/>
-  </dgm:styleLbl>
-  <dgm:styleLbl name="parChTrans2D1">
-    <dgm:fillClrLst meth="repeat">
-      <a:schemeClr val="accent2">
-        <a:tint val="60000"/>
-      </a:schemeClr>
-    </dgm:fillClrLst>
-    <dgm:linClrLst meth="repeat">
-      <a:schemeClr val="accent2">
-        <a:tint val="60000"/>
-      </a:schemeClr>
-    </dgm:linClrLst>
-    <dgm:effectClrLst/>
-    <dgm:txLinClrLst/>
-    <dgm:txFillClrLst meth="repeat">
-      <a:schemeClr val="lt1"/>
-    </dgm:txFillClrLst>
-    <dgm:txEffectClrLst/>
-  </dgm:styleLbl>
-  <dgm:styleLbl name="parChTrans2D2">
-    <dgm:fillClrLst meth="repeat">
-      <a:schemeClr val="accent2"/>
-    </dgm:fillClrLst>
-    <dgm:linClrLst meth="repeat">
-      <a:schemeClr val="accent2"/>
-    </dgm:linClrLst>
-    <dgm:effectClrLst/>
-    <dgm:txLinClrLst/>
-    <dgm:txFillClrLst meth="repeat">
-      <a:schemeClr val="lt1"/>
-    </dgm:txFillClrLst>
-    <dgm:txEffectClrLst/>
-  </dgm:styleLbl>
-  <dgm:styleLbl name="parChTrans2D3">
-    <dgm:fillClrLst meth="repeat">
-      <a:schemeClr val="accent2"/>
-    </dgm:fillClrLst>
-    <dgm:linClrLst meth="repeat">
-      <a:schemeClr val="accent2"/>
-    </dgm:linClrLst>
-    <dgm:effectClrLst/>
-    <dgm:txLinClrLst/>
-    <dgm:txFillClrLst meth="repeat">
-      <a:schemeClr val="lt1"/>
-    </dgm:txFillClrLst>
-    <dgm:txEffectClrLst/>
-  </dgm:styleLbl>
-  <dgm:styleLbl name="parChTrans2D4">
-    <dgm:fillClrLst meth="repeat">
-      <a:schemeClr val="accent2"/>
-    </dgm:fillClrLst>
-    <dgm:linClrLst meth="repeat">
-      <a:schemeClr val="accent2"/>
-    </dgm:linClrLst>
-    <dgm:effectClrLst/>
-    <dgm:txLinClrLst/>
-    <dgm:txFillClrLst meth="repeat">
-      <a:schemeClr val="lt1"/>
-    </dgm:txFillClrLst>
-    <dgm:txEffectClrLst/>
-  </dgm:styleLbl>
-  <dgm:styleLbl name="parChTrans1D1">
-    <dgm:fillClrLst meth="repeat">
-      <a:schemeClr val="accent2"/>
-    </dgm:fillClrLst>
-    <dgm:linClrLst meth="repeat">
-      <a:schemeClr val="accent2">
-        <a:shade val="60000"/>
-      </a:schemeClr>
-    </dgm:linClrLst>
-    <dgm:effectClrLst/>
-    <dgm:txLinClrLst/>
-    <dgm:txFillClrLst meth="repeat">
-      <a:schemeClr val="tx1"/>
-    </dgm:txFillClrLst>
-    <dgm:txEffectClrLst/>
-  </dgm:styleLbl>
-  <dgm:styleLbl name="parChTrans1D2">
-    <dgm:fillClrLst meth="repeat">
-      <a:schemeClr val="accent2"/>
-    </dgm:fillClrLst>
-    <dgm:linClrLst meth="repeat">
-      <a:schemeClr val="accent2">
-        <a:shade val="60000"/>
-      </a:schemeClr>
-    </dgm:linClrLst>
-    <dgm:effectClrLst/>
-    <dgm:txLinClrLst/>
-    <dgm:txFillClrLst meth="repeat">
-      <a:schemeClr val="tx1"/>
-    </dgm:txFillClrLst>
-    <dgm:txEffectClrLst/>
-  </dgm:styleLbl>
-  <dgm:styleLbl name="parChTrans1D3">
-    <dgm:fillClrLst meth="repeat">
-      <a:schemeClr val="accent2"/>
-    </dgm:fillClrLst>
-    <dgm:linClrLst meth="repeat">
-      <a:schemeClr val="accent2">
-        <a:shade val="80000"/>
-      </a:schemeClr>
-    </dgm:linClrLst>
-    <dgm:effectClrLst/>
-    <dgm:txLinClrLst/>
-    <dgm:txFillClrLst meth="repeat">
-      <a:schemeClr val="tx1"/>
-    </dgm:txFillClrLst>
-    <dgm:txEffectClrLst/>
-  </dgm:styleLbl>
-  <dgm:styleLbl name="parChTrans1D4">
-    <dgm:fillClrLst meth="repeat">
-      <a:schemeClr val="accent2"/>
-    </dgm:fillClrLst>
-    <dgm:linClrLst meth="repeat">
-      <a:schemeClr val="accent2">
-        <a:shade val="80000"/>
-      </a:schemeClr>
-    </dgm:linClrLst>
-    <dgm:effectClrLst/>
-    <dgm:txLinClrLst/>
-    <dgm:txFillClrLst meth="repeat">
-      <a:schemeClr val="tx1"/>
-    </dgm:txFillClrLst>
-    <dgm:txEffectClrLst/>
-  </dgm:styleLbl>
-  <dgm:styleLbl name="fgAcc1">
-    <dgm:fillClrLst meth="repeat">
-      <a:schemeClr val="lt1">
-        <a:alpha val="90000"/>
-      </a:schemeClr>
-    </dgm:fillClrLst>
-    <dgm:linClrLst meth="repeat">
-      <a:schemeClr val="accent2"/>
-    </dgm:linClrLst>
-    <dgm:effectClrLst/>
-    <dgm:txLinClrLst/>
-    <dgm:txFillClrLst meth="repeat">
-      <a:schemeClr val="dk1"/>
-    </dgm:txFillClrLst>
-    <dgm:txEffectClrLst/>
-  </dgm:styleLbl>
-  <dgm:styleLbl name="conFgAcc1">
-    <dgm:fillClrLst meth="repeat">
-      <a:schemeClr val="lt1">
-        <a:alpha val="90000"/>
-      </a:schemeClr>
-    </dgm:fillClrLst>
-    <dgm:linClrLst meth="repeat">
-      <a:schemeClr val="accent2"/>
-    </dgm:linClrLst>
-    <dgm:effectClrLst/>
-    <dgm:txLinClrLst/>
-    <dgm:txFillClrLst meth="repeat">
-      <a:schemeClr val="dk1"/>
-    </dgm:txFillClrLst>
-    <dgm:txEffectClrLst/>
-  </dgm:styleLbl>
-  <dgm:styleLbl name="alignAcc1">
-    <dgm:fillClrLst meth="repeat">
-      <a:schemeClr val="lt1">
-        <a:alpha val="90000"/>
-      </a:schemeClr>
-    </dgm:fillClrLst>
-    <dgm:linClrLst meth="repeat">
-      <a:schemeClr val="accent2"/>
-    </dgm:linClrLst>
-    <dgm:effectClrLst/>
-    <dgm:txLinClrLst/>
-    <dgm:txFillClrLst meth="repeat">
-      <a:schemeClr val="dk1"/>
-    </dgm:txFillClrLst>
-    <dgm:txEffectClrLst/>
-  </dgm:styleLbl>
-  <dgm:styleLbl name="trAlignAcc1">
-    <dgm:fillClrLst meth="repeat">
-      <a:schemeClr val="lt1">
-        <a:alpha val="40000"/>
-      </a:schemeClr>
-    </dgm:fillClrLst>
-    <dgm:linClrLst meth="repeat">
-      <a:schemeClr val="accent2"/>
-    </dgm:linClrLst>
-    <dgm:effectClrLst/>
-    <dgm:txLinClrLst/>
-    <dgm:txFillClrLst meth="repeat">
-      <a:schemeClr val="dk1"/>
-    </dgm:txFillClrLst>
-    <dgm:txEffectClrLst/>
-  </dgm:styleLbl>
-  <dgm:styleLbl name="bgAcc1">
-    <dgm:fillClrLst meth="repeat">
-      <a:schemeClr val="lt1">
-        <a:alpha val="90000"/>
-      </a:schemeClr>
-    </dgm:fillClrLst>
-    <dgm:linClrLst meth="repeat">
-      <a:schemeClr val="accent2"/>
-    </dgm:linClrLst>
-    <dgm:effectClrLst/>
-    <dgm:txLinClrLst/>
-    <dgm:txFillClrLst meth="repeat">
-      <a:schemeClr val="dk1"/>
-    </dgm:txFillClrLst>
-    <dgm:txEffectClrLst/>
-  </dgm:styleLbl>
-  <dgm:styleLbl name="solidFgAcc1">
-    <dgm:fillClrLst meth="repeat">
-      <a:schemeClr val="lt1"/>
-    </dgm:fillClrLst>
-    <dgm:linClrLst meth="repeat">
-      <a:schemeClr val="accent2"/>
-    </dgm:linClrLst>
-    <dgm:effectClrLst/>
-    <dgm:txLinClrLst/>
-    <dgm:txFillClrLst meth="repeat">
-      <a:schemeClr val="dk1"/>
-    </dgm:txFillClrLst>
-    <dgm:txEffectClrLst/>
-  </dgm:styleLbl>
-  <dgm:styleLbl name="solidAlignAcc1">
-    <dgm:fillClrLst meth="repeat">
-      <a:schemeClr val="lt1"/>
-    </dgm:fillClrLst>
-    <dgm:linClrLst meth="repeat">
-      <a:schemeClr val="accent2"/>
-    </dgm:linClrLst>
-    <dgm:effectClrLst/>
-    <dgm:txLinClrLst/>
-    <dgm:txFillClrLst meth="repeat">
-      <a:schemeClr val="dk1"/>
-    </dgm:txFillClrLst>
-    <dgm:txEffectClrLst/>
-  </dgm:styleLbl>
-  <dgm:styleLbl name="solidBgAcc1">
-    <dgm:fillClrLst meth="repeat">
-      <a:schemeClr val="lt1"/>
-    </dgm:fillClrLst>
-    <dgm:linClrLst meth="repeat">
-      <a:schemeClr val="accent2"/>
-    </dgm:linClrLst>
-    <dgm:effectClrLst/>
-    <dgm:txLinClrLst/>
-    <dgm:txFillClrLst meth="repeat">
-      <a:schemeClr val="dk1"/>
-    </dgm:txFillClrLst>
-    <dgm:txEffectClrLst/>
-  </dgm:styleLbl>
-  <dgm:styleLbl name="fgAccFollowNode1">
-    <dgm:fillClrLst meth="repeat">
-      <a:schemeClr val="accent2">
-        <a:alpha val="90000"/>
-        <a:tint val="40000"/>
-      </a:schemeClr>
-    </dgm:fillClrLst>
-    <dgm:linClrLst meth="repeat">
-      <a:schemeClr val="accent2">
-        <a:alpha val="90000"/>
-        <a:tint val="40000"/>
-      </a:schemeClr>
-    </dgm:linClrLst>
-    <dgm:effectClrLst/>
-    <dgm:txLinClrLst/>
-    <dgm:txFillClrLst meth="repeat">
-      <a:schemeClr val="dk1"/>
-    </dgm:txFillClrLst>
-    <dgm:txEffectClrLst/>
-  </dgm:styleLbl>
-  <dgm:styleLbl name="alignAccFollowNode1">
-    <dgm:fillClrLst meth="repeat">
-      <a:schemeClr val="accent2">
-        <a:alpha val="90000"/>
-        <a:tint val="40000"/>
-      </a:schemeClr>
-    </dgm:fillClrLst>
-    <dgm:linClrLst meth="repeat">
-      <a:schemeClr val="accent2">
-        <a:alpha val="90000"/>
-        <a:tint val="40000"/>
-      </a:schemeClr>
-    </dgm:linClrLst>
-    <dgm:effectClrLst/>
-    <dgm:txLinClrLst/>
-    <dgm:txFillClrLst meth="repeat">
-      <a:schemeClr val="dk1"/>
-    </dgm:txFillClrLst>
-    <dgm:txEffectClrLst/>
-  </dgm:styleLbl>
-  <dgm:styleLbl name="bgAccFollowNode1">
-    <dgm:fillClrLst meth="repeat">
-      <a:schemeClr val="accent2">
-        <a:alpha val="90000"/>
-        <a:tint val="40000"/>
-      </a:schemeClr>
-    </dgm:fillClrLst>
-    <dgm:linClrLst meth="repeat">
-      <a:schemeClr val="accent2">
-        <a:alpha val="90000"/>
-        <a:tint val="40000"/>
-      </a:schemeClr>
-    </dgm:linClrLst>
-    <dgm:effectClrLst/>
-    <dgm:txLinClrLst/>
-    <dgm:txFillClrLst meth="repeat">
-      <a:schemeClr val="dk1"/>
-    </dgm:txFillClrLst>
-    <dgm:txEffectClrLst/>
-  </dgm:styleLbl>
-  <dgm:styleLbl name="fgAcc0">
-    <dgm:fillClrLst meth="repeat">
-      <a:schemeClr val="lt1">
-        <a:alpha val="90000"/>
-      </a:schemeClr>
-    </dgm:fillClrLst>
-    <dgm:linClrLst meth="repeat">
-      <a:schemeClr val="accent2"/>
-    </dgm:linClrLst>
-    <dgm:effectClrLst/>
-    <dgm:txLinClrLst/>
-    <dgm:txFillClrLst meth="repeat">
-      <a:schemeClr val="dk1"/>
-    </dgm:txFillClrLst>
-    <dgm:txEffectClrLst/>
-  </dgm:styleLbl>
-  <dgm:styleLbl name="fgAcc2">
-    <dgm:fillClrLst meth="repeat">
-      <a:schemeClr val="lt1">
-        <a:alpha val="90000"/>
-      </a:schemeClr>
-    </dgm:fillClrLst>
-    <dgm:linClrLst meth="repeat">
-      <a:schemeClr val="accent2"/>
-    </dgm:linClrLst>
-    <dgm:effectClrLst/>
-    <dgm:txLinClrLst/>
-    <dgm:txFillClrLst meth="repeat">
-      <a:schemeClr val="dk1"/>
-    </dgm:txFillClrLst>
-    <dgm:txEffectClrLst/>
-  </dgm:styleLbl>
-  <dgm:styleLbl name="fgAcc3">
-    <dgm:fillClrLst meth="repeat">
-      <a:schemeClr val="lt1">
-        <a:alpha val="90000"/>
-      </a:schemeClr>
-    </dgm:fillClrLst>
-    <dgm:linClrLst meth="repeat">
-      <a:schemeClr val="accent2"/>
-    </dgm:linClrLst>
-    <dgm:effectClrLst/>
-    <dgm:txLinClrLst/>
-    <dgm:txFillClrLst meth="repeat">
-      <a:schemeClr val="dk1"/>
-    </dgm:txFillClrLst>
-    <dgm:txEffectClrLst/>
-  </dgm:styleLbl>
-  <dgm:styleLbl name="fgAcc4">
-    <dgm:fillClrLst meth="repeat">
-      <a:schemeClr val="lt1">
-        <a:alpha val="90000"/>
-      </a:schemeClr>
-    </dgm:fillClrLst>
-    <dgm:linClrLst meth="repeat">
-      <a:schemeClr val="accent2"/>
-    </dgm:linClrLst>
-    <dgm:effectClrLst/>
-    <dgm:txLinClrLst/>
-    <dgm:txFillClrLst meth="repeat">
-      <a:schemeClr val="dk1"/>
-    </dgm:txFillClrLst>
-    <dgm:txEffectClrLst/>
-  </dgm:styleLbl>
-  <dgm:styleLbl name="bgShp">
-    <dgm:fillClrLst meth="repeat">
-      <a:schemeClr val="accent2">
-        <a:tint val="40000"/>
-      </a:schemeClr>
-    </dgm:fillClrLst>
-    <dgm:linClrLst meth="repeat">
-      <a:schemeClr val="accent2"/>
-    </dgm:linClrLst>
-    <dgm:effectClrLst/>
-    <dgm:txLinClrLst/>
-    <dgm:txFillClrLst meth="repeat">
-      <a:schemeClr val="dk1"/>
-    </dgm:txFillClrLst>
-    <dgm:txEffectClrLst/>
-  </dgm:styleLbl>
-  <dgm:styleLbl name="dkBgShp">
-    <dgm:fillClrLst meth="repeat">
-      <a:schemeClr val="accent2">
-        <a:shade val="80000"/>
-      </a:schemeClr>
-    </dgm:fillClrLst>
-    <dgm:linClrLst meth="repeat">
-      <a:schemeClr val="accent2"/>
-    </dgm:linClrLst>
-    <dgm:effectClrLst/>
-    <dgm:txLinClrLst/>
-    <dgm:txFillClrLst meth="repeat">
-      <a:schemeClr val="lt1"/>
-    </dgm:txFillClrLst>
-    <dgm:txEffectClrLst/>
-  </dgm:styleLbl>
-  <dgm:styleLbl name="trBgShp">
-    <dgm:fillClrLst meth="repeat">
-      <a:schemeClr val="accent2">
-        <a:tint val="50000"/>
-        <a:alpha val="40000"/>
-      </a:schemeClr>
-    </dgm:fillClrLst>
-    <dgm:linClrLst meth="repeat">
-      <a:schemeClr val="accent2"/>
-    </dgm:linClrLst>
-    <dgm:effectClrLst/>
-    <dgm:txLinClrLst/>
-    <dgm:txFillClrLst meth="repeat">
-      <a:schemeClr val="lt1"/>
-    </dgm:txFillClrLst>
-    <dgm:txEffectClrLst/>
-  </dgm:styleLbl>
-  <dgm:styleLbl name="fgShp">
-    <dgm:fillClrLst meth="repeat">
-      <a:schemeClr val="accent2">
-        <a:tint val="60000"/>
-      </a:schemeClr>
-    </dgm:fillClrLst>
-    <dgm:linClrLst meth="repeat">
-      <a:schemeClr val="lt1"/>
-    </dgm:linClrLst>
-    <dgm:effectClrLst/>
-    <dgm:txLinClrLst/>
-    <dgm:txFillClrLst meth="repeat">
-      <a:schemeClr val="dk1"/>
-    </dgm:txFillClrLst>
-    <dgm:txEffectClrLst/>
-  </dgm:styleLbl>
-  <dgm:styleLbl name="revTx">
-    <dgm:fillClrLst meth="repeat">
-      <a:schemeClr val="lt1">
-        <a:alpha val="0"/>
-      </a:schemeClr>
-    </dgm:fillClrLst>
-    <dgm:linClrLst meth="repeat">
-      <a:schemeClr val="dk1">
-        <a:alpha val="0"/>
-      </a:schemeClr>
-    </dgm:linClrLst>
-    <dgm:effectClrLst/>
-    <dgm:txLinClrLst/>
-    <dgm:txFillClrLst meth="repeat">
-      <a:schemeClr val="tx1"/>
-    </dgm:txFillClrLst>
-    <dgm:txEffectClrLst/>
-  </dgm:styleLbl>
-</dgm:colorsDef>
-</file>
-
-<file path=ppt/diagrams/data1.xml><?xml version="1.0" encoding="utf-8"?>
-<dgm:dataModel xmlns:dgm="http://schemas.openxmlformats.org/drawingml/2006/diagram" xmlns:a="http://schemas.openxmlformats.org/drawingml/2006/main">
-  <dgm:ptLst>
-    <dgm:pt modelId="{A34A2503-0032-4A42-B0E4-A44745078171}" type="doc">
-      <dgm:prSet loTypeId="urn:microsoft.com/office/officeart/2018/2/layout/IconVerticalSolidList" loCatId="icon" qsTypeId="urn:microsoft.com/office/officeart/2005/8/quickstyle/simple1" qsCatId="simple" csTypeId="urn:microsoft.com/office/officeart/2005/8/colors/accent2_2" csCatId="accent2" phldr="1"/>
-      <dgm:spPr/>
-      <dgm:t>
-        <a:bodyPr/>
-        <a:lstStyle/>
-        <a:p>
-          <a:endParaRPr lang="en-US"/>
-        </a:p>
-      </dgm:t>
-    </dgm:pt>
-    <dgm:pt modelId="{4FDF82FB-EF6E-4917-B9D6-E84C679CC6F1}">
-      <dgm:prSet/>
-      <dgm:spPr/>
-      <dgm:t>
-        <a:bodyPr/>
-        <a:lstStyle/>
-        <a:p>
-          <a:pPr>
-            <a:lnSpc>
-              <a:spcPct val="100000"/>
-            </a:lnSpc>
-          </a:pPr>
-          <a:r>
-            <a:rPr lang="en-US"/>
-            <a:t>Median Household Income</a:t>
-          </a:r>
-        </a:p>
-      </dgm:t>
-    </dgm:pt>
-    <dgm:pt modelId="{D86FE39A-FCB8-4863-9C91-4873CC81F497}" type="parTrans" cxnId="{660485DA-51F8-44B0-91ED-0F8B2A7FD8D5}">
-      <dgm:prSet/>
-      <dgm:spPr/>
-      <dgm:t>
-        <a:bodyPr/>
-        <a:lstStyle/>
-        <a:p>
-          <a:endParaRPr lang="en-US"/>
-        </a:p>
-      </dgm:t>
-    </dgm:pt>
-    <dgm:pt modelId="{8D378DF7-04E9-4756-BBEB-658CF9D9DA10}" type="sibTrans" cxnId="{660485DA-51F8-44B0-91ED-0F8B2A7FD8D5}">
-      <dgm:prSet/>
-      <dgm:spPr/>
-      <dgm:t>
-        <a:bodyPr/>
-        <a:lstStyle/>
-        <a:p>
-          <a:endParaRPr lang="en-US"/>
-        </a:p>
-      </dgm:t>
-    </dgm:pt>
-    <dgm:pt modelId="{6FB699D2-A421-49C0-9CFE-DD13A3CA4FD3}">
-      <dgm:prSet/>
-      <dgm:spPr/>
-      <dgm:t>
-        <a:bodyPr/>
-        <a:lstStyle/>
-        <a:p>
-          <a:pPr>
-            <a:lnSpc>
-              <a:spcPct val="100000"/>
-            </a:lnSpc>
-          </a:pPr>
-          <a:r>
-            <a:rPr lang="en-US" dirty="0"/>
-            <a:t>Positive correlation</a:t>
-          </a:r>
-        </a:p>
-      </dgm:t>
-    </dgm:pt>
-    <dgm:pt modelId="{875268E8-C8EC-4B66-B39E-A4788A1A856B}" type="parTrans" cxnId="{BE915EBC-9CE4-4D8B-8C26-738859975325}">
-      <dgm:prSet/>
-      <dgm:spPr/>
-      <dgm:t>
-        <a:bodyPr/>
-        <a:lstStyle/>
-        <a:p>
-          <a:endParaRPr lang="en-US"/>
-        </a:p>
-      </dgm:t>
-    </dgm:pt>
-    <dgm:pt modelId="{EB2856CB-6F67-49C5-8FC1-7D54415F618A}" type="sibTrans" cxnId="{BE915EBC-9CE4-4D8B-8C26-738859975325}">
-      <dgm:prSet/>
-      <dgm:spPr/>
-      <dgm:t>
-        <a:bodyPr/>
-        <a:lstStyle/>
-        <a:p>
-          <a:endParaRPr lang="en-US"/>
-        </a:p>
-      </dgm:t>
-    </dgm:pt>
-    <dgm:pt modelId="{D09A37F3-19A8-44FB-B017-3F166ADD4CBB}">
-      <dgm:prSet/>
-      <dgm:spPr/>
-      <dgm:t>
-        <a:bodyPr/>
-        <a:lstStyle/>
-        <a:p>
-          <a:pPr>
-            <a:lnSpc>
-              <a:spcPct val="100000"/>
-            </a:lnSpc>
-          </a:pPr>
-          <a:r>
-            <a:rPr lang="en-US"/>
-            <a:t>Population Density</a:t>
-          </a:r>
-        </a:p>
-      </dgm:t>
-    </dgm:pt>
-    <dgm:pt modelId="{5D7A95AE-27D1-4353-87A9-F4F7DFF31C83}" type="parTrans" cxnId="{252EF1BB-4A65-49DD-B935-BB8ABC0E64CF}">
-      <dgm:prSet/>
-      <dgm:spPr/>
-      <dgm:t>
-        <a:bodyPr/>
-        <a:lstStyle/>
-        <a:p>
-          <a:endParaRPr lang="en-US"/>
-        </a:p>
-      </dgm:t>
-    </dgm:pt>
-    <dgm:pt modelId="{31434103-B30B-4B84-9E2B-9275FFBAEC91}" type="sibTrans" cxnId="{252EF1BB-4A65-49DD-B935-BB8ABC0E64CF}">
-      <dgm:prSet/>
-      <dgm:spPr/>
-      <dgm:t>
-        <a:bodyPr/>
-        <a:lstStyle/>
-        <a:p>
-          <a:endParaRPr lang="en-US"/>
-        </a:p>
-      </dgm:t>
-    </dgm:pt>
-    <dgm:pt modelId="{FFA1C8FE-B7FE-420C-BD28-A42D19D9BB39}">
-      <dgm:prSet/>
-      <dgm:spPr/>
-      <dgm:t>
-        <a:bodyPr/>
-        <a:lstStyle/>
-        <a:p>
-          <a:pPr>
-            <a:lnSpc>
-              <a:spcPct val="100000"/>
-            </a:lnSpc>
-          </a:pPr>
-          <a:r>
-            <a:rPr lang="en-US" dirty="0"/>
-            <a:t>Negative correlation</a:t>
-          </a:r>
-        </a:p>
-      </dgm:t>
-    </dgm:pt>
-    <dgm:pt modelId="{6523D7F0-A405-4308-BC2F-6D33D041370A}" type="parTrans" cxnId="{BB3E31B5-D8C3-429E-A914-BBDA6A7E7A0F}">
-      <dgm:prSet/>
-      <dgm:spPr/>
-      <dgm:t>
-        <a:bodyPr/>
-        <a:lstStyle/>
-        <a:p>
-          <a:endParaRPr lang="en-US"/>
-        </a:p>
-      </dgm:t>
-    </dgm:pt>
-    <dgm:pt modelId="{4F6B4F42-7046-45E5-B468-9F9F83A3C01D}" type="sibTrans" cxnId="{BB3E31B5-D8C3-429E-A914-BBDA6A7E7A0F}">
-      <dgm:prSet/>
-      <dgm:spPr/>
-      <dgm:t>
-        <a:bodyPr/>
-        <a:lstStyle/>
-        <a:p>
-          <a:endParaRPr lang="en-US"/>
-        </a:p>
-      </dgm:t>
-    </dgm:pt>
-    <dgm:pt modelId="{98F29296-A5F5-41A8-BA3C-AABAE40F1F35}">
-      <dgm:prSet/>
-      <dgm:spPr/>
-      <dgm:t>
-        <a:bodyPr/>
-        <a:lstStyle/>
-        <a:p>
-          <a:pPr>
-            <a:lnSpc>
-              <a:spcPct val="100000"/>
-            </a:lnSpc>
-          </a:pPr>
-          <a:r>
-            <a:rPr lang="en-US" dirty="0"/>
-            <a:t>Number of Hospitals</a:t>
-          </a:r>
-        </a:p>
-      </dgm:t>
-    </dgm:pt>
-    <dgm:pt modelId="{80FD10C5-D131-4A40-9401-248575C519CA}" type="parTrans" cxnId="{7F3BF579-2434-4B8A-9C6C-477792DC8052}">
-      <dgm:prSet/>
-      <dgm:spPr/>
-      <dgm:t>
-        <a:bodyPr/>
-        <a:lstStyle/>
-        <a:p>
-          <a:endParaRPr lang="en-US"/>
-        </a:p>
-      </dgm:t>
-    </dgm:pt>
-    <dgm:pt modelId="{1D84709E-5553-41DE-9C40-84DFFE8A0CDA}" type="sibTrans" cxnId="{7F3BF579-2434-4B8A-9C6C-477792DC8052}">
-      <dgm:prSet/>
-      <dgm:spPr/>
-      <dgm:t>
-        <a:bodyPr/>
-        <a:lstStyle/>
-        <a:p>
-          <a:endParaRPr lang="en-US"/>
-        </a:p>
-      </dgm:t>
-    </dgm:pt>
-    <dgm:pt modelId="{14A97008-5289-46E2-98B9-ED6D082A695E}">
-      <dgm:prSet/>
-      <dgm:spPr/>
-      <dgm:t>
-        <a:bodyPr/>
-        <a:lstStyle/>
-        <a:p>
-          <a:pPr>
-            <a:lnSpc>
-              <a:spcPct val="100000"/>
-            </a:lnSpc>
-          </a:pPr>
-          <a:r>
-            <a:rPr lang="en-US" dirty="0"/>
-            <a:t>Positive correlation</a:t>
-          </a:r>
-        </a:p>
-      </dgm:t>
-    </dgm:pt>
-    <dgm:pt modelId="{C5EB48FF-8C0F-46D7-A8CE-7BF35BF9292D}" type="parTrans" cxnId="{7ED35E3E-06C5-4953-B734-AD9E5F5D2588}">
-      <dgm:prSet/>
-      <dgm:spPr/>
-      <dgm:t>
-        <a:bodyPr/>
-        <a:lstStyle/>
-        <a:p>
-          <a:endParaRPr lang="en-US"/>
-        </a:p>
-      </dgm:t>
-    </dgm:pt>
-    <dgm:pt modelId="{24E25F8F-08FC-44D5-8FA5-A95B8526C306}" type="sibTrans" cxnId="{7ED35E3E-06C5-4953-B734-AD9E5F5D2588}">
-      <dgm:prSet/>
-      <dgm:spPr/>
-      <dgm:t>
-        <a:bodyPr/>
-        <a:lstStyle/>
-        <a:p>
-          <a:endParaRPr lang="en-US"/>
-        </a:p>
-      </dgm:t>
-    </dgm:pt>
-    <dgm:pt modelId="{46DABB96-35A6-4B3B-86FE-02916B06A642}">
-      <dgm:prSet/>
-      <dgm:spPr/>
-      <dgm:t>
-        <a:bodyPr/>
-        <a:lstStyle/>
-        <a:p>
-          <a:pPr>
-            <a:lnSpc>
-              <a:spcPct val="100000"/>
-            </a:lnSpc>
-          </a:pPr>
-          <a:r>
-            <a:rPr lang="en-US"/>
-            <a:t>Emissions</a:t>
-          </a:r>
-        </a:p>
-      </dgm:t>
-    </dgm:pt>
-    <dgm:pt modelId="{F259DAF5-BD09-48C3-8677-13AB857A0140}" type="parTrans" cxnId="{FF250A4D-A159-4D0F-84E8-D7BFF772AF9B}">
-      <dgm:prSet/>
-      <dgm:spPr/>
-      <dgm:t>
-        <a:bodyPr/>
-        <a:lstStyle/>
-        <a:p>
-          <a:endParaRPr lang="en-US"/>
-        </a:p>
-      </dgm:t>
-    </dgm:pt>
-    <dgm:pt modelId="{41B146FA-E297-4FC0-A8AF-7F11BFA4A40A}" type="sibTrans" cxnId="{FF250A4D-A159-4D0F-84E8-D7BFF772AF9B}">
-      <dgm:prSet/>
-      <dgm:spPr/>
-      <dgm:t>
-        <a:bodyPr/>
-        <a:lstStyle/>
-        <a:p>
-          <a:endParaRPr lang="en-US"/>
-        </a:p>
-      </dgm:t>
-    </dgm:pt>
-    <dgm:pt modelId="{79CDB7E0-A579-4D31-8795-E348E2D370C8}">
-      <dgm:prSet/>
-      <dgm:spPr/>
-      <dgm:t>
-        <a:bodyPr/>
-        <a:lstStyle/>
-        <a:p>
-          <a:pPr>
-            <a:lnSpc>
-              <a:spcPct val="100000"/>
-            </a:lnSpc>
-          </a:pPr>
-          <a:r>
-            <a:rPr lang="en-US" dirty="0"/>
-            <a:t>Negative correlation</a:t>
-          </a:r>
-        </a:p>
-      </dgm:t>
-    </dgm:pt>
-    <dgm:pt modelId="{EDF63883-72AE-46F9-B1C3-19EBF3A19C0D}" type="parTrans" cxnId="{E549861A-AF87-45B9-BBCB-60536B664967}">
-      <dgm:prSet/>
-      <dgm:spPr/>
-      <dgm:t>
-        <a:bodyPr/>
-        <a:lstStyle/>
-        <a:p>
-          <a:endParaRPr lang="en-US"/>
-        </a:p>
-      </dgm:t>
-    </dgm:pt>
-    <dgm:pt modelId="{208D73F3-8252-4B30-BEFD-C6C5B917F60D}" type="sibTrans" cxnId="{E549861A-AF87-45B9-BBCB-60536B664967}">
-      <dgm:prSet/>
-      <dgm:spPr/>
-      <dgm:t>
-        <a:bodyPr/>
-        <a:lstStyle/>
-        <a:p>
-          <a:endParaRPr lang="en-US"/>
-        </a:p>
-      </dgm:t>
-    </dgm:pt>
-    <dgm:pt modelId="{F88E8CC2-DF04-41C6-94CB-BB5C51F559AC}">
-      <dgm:prSet/>
-      <dgm:spPr/>
-      <dgm:t>
-        <a:bodyPr/>
-        <a:lstStyle/>
-        <a:p>
-          <a:pPr>
-            <a:lnSpc>
-              <a:spcPct val="100000"/>
-            </a:lnSpc>
-          </a:pPr>
-          <a:r>
-            <a:rPr lang="en-US"/>
-            <a:t>Unemployment</a:t>
-          </a:r>
-        </a:p>
-      </dgm:t>
-    </dgm:pt>
-    <dgm:pt modelId="{B2282489-911D-4AB2-AA15-69210338E6AC}" type="parTrans" cxnId="{D0AE968A-9F66-4E48-AC41-FCF426C76FEF}">
-      <dgm:prSet/>
-      <dgm:spPr/>
-      <dgm:t>
-        <a:bodyPr/>
-        <a:lstStyle/>
-        <a:p>
-          <a:endParaRPr lang="en-US"/>
-        </a:p>
-      </dgm:t>
-    </dgm:pt>
-    <dgm:pt modelId="{A19328B4-A81C-4B59-8577-89A7CEF07B0D}" type="sibTrans" cxnId="{D0AE968A-9F66-4E48-AC41-FCF426C76FEF}">
-      <dgm:prSet/>
-      <dgm:spPr/>
-      <dgm:t>
-        <a:bodyPr/>
-        <a:lstStyle/>
-        <a:p>
-          <a:endParaRPr lang="en-US"/>
-        </a:p>
-      </dgm:t>
-    </dgm:pt>
-    <dgm:pt modelId="{C48A93F4-EEE0-4FF3-8A36-E320BE3C580E}">
-      <dgm:prSet/>
-      <dgm:spPr/>
-      <dgm:t>
-        <a:bodyPr/>
-        <a:lstStyle/>
-        <a:p>
-          <a:pPr>
-            <a:lnSpc>
-              <a:spcPct val="100000"/>
-            </a:lnSpc>
-          </a:pPr>
-          <a:r>
-            <a:rPr lang="en-US" dirty="0"/>
-            <a:t>Negative correlation</a:t>
-          </a:r>
-        </a:p>
-      </dgm:t>
-    </dgm:pt>
-    <dgm:pt modelId="{629096F1-0700-476E-80EB-BAA0C5CCDA1D}" type="parTrans" cxnId="{7B558687-A7B5-4813-8564-C4476ED52AA8}">
-      <dgm:prSet/>
-      <dgm:spPr/>
-      <dgm:t>
-        <a:bodyPr/>
-        <a:lstStyle/>
-        <a:p>
-          <a:endParaRPr lang="en-US"/>
-        </a:p>
-      </dgm:t>
-    </dgm:pt>
-    <dgm:pt modelId="{C03C779F-B46E-4381-AB10-05967F4CC2FA}" type="sibTrans" cxnId="{7B558687-A7B5-4813-8564-C4476ED52AA8}">
-      <dgm:prSet/>
-      <dgm:spPr/>
-      <dgm:t>
-        <a:bodyPr/>
-        <a:lstStyle/>
-        <a:p>
-          <a:endParaRPr lang="en-US"/>
-        </a:p>
-      </dgm:t>
-    </dgm:pt>
-    <dgm:pt modelId="{C120C136-D8A5-47C6-9E66-FE288A7EE6E7}">
-      <dgm:prSet/>
-      <dgm:spPr/>
-      <dgm:t>
-        <a:bodyPr/>
-        <a:lstStyle/>
-        <a:p>
-          <a:pPr>
-            <a:lnSpc>
-              <a:spcPct val="100000"/>
-            </a:lnSpc>
-          </a:pPr>
-          <a:r>
-            <a:rPr lang="en-US"/>
-            <a:t>Education Level</a:t>
-          </a:r>
-        </a:p>
-      </dgm:t>
-    </dgm:pt>
-    <dgm:pt modelId="{8DDD5C5E-5609-4CCC-ADD4-757CB1A4346F}" type="parTrans" cxnId="{A470DA91-9287-417D-B0C1-313A7D798D4A}">
-      <dgm:prSet/>
-      <dgm:spPr/>
-      <dgm:t>
-        <a:bodyPr/>
-        <a:lstStyle/>
-        <a:p>
-          <a:endParaRPr lang="en-US"/>
-        </a:p>
-      </dgm:t>
-    </dgm:pt>
-    <dgm:pt modelId="{2902AC67-628F-486F-909C-8F9EACF93975}" type="sibTrans" cxnId="{A470DA91-9287-417D-B0C1-313A7D798D4A}">
-      <dgm:prSet/>
-      <dgm:spPr/>
-      <dgm:t>
-        <a:bodyPr/>
-        <a:lstStyle/>
-        <a:p>
-          <a:endParaRPr lang="en-US"/>
-        </a:p>
-      </dgm:t>
-    </dgm:pt>
-    <dgm:pt modelId="{EBC92128-F30B-466D-AF48-DF9867A1FCDF}">
-      <dgm:prSet/>
-      <dgm:spPr/>
-      <dgm:t>
-        <a:bodyPr/>
-        <a:lstStyle/>
-        <a:p>
-          <a:pPr>
-            <a:lnSpc>
-              <a:spcPct val="100000"/>
-            </a:lnSpc>
-          </a:pPr>
-          <a:r>
-            <a:rPr lang="en-US" dirty="0"/>
-            <a:t>Positive correlation</a:t>
-          </a:r>
-        </a:p>
-      </dgm:t>
-    </dgm:pt>
-    <dgm:pt modelId="{D5AF138B-D0FC-49E4-9209-30270CB3BE0F}" type="parTrans" cxnId="{3B459B59-6081-4629-9C25-C805DDC7E167}">
-      <dgm:prSet/>
-      <dgm:spPr/>
-      <dgm:t>
-        <a:bodyPr/>
-        <a:lstStyle/>
-        <a:p>
-          <a:endParaRPr lang="en-US"/>
-        </a:p>
-      </dgm:t>
-    </dgm:pt>
-    <dgm:pt modelId="{05D6BF3A-FD21-4304-8804-3E263298955F}" type="sibTrans" cxnId="{3B459B59-6081-4629-9C25-C805DDC7E167}">
-      <dgm:prSet/>
-      <dgm:spPr/>
-      <dgm:t>
-        <a:bodyPr/>
-        <a:lstStyle/>
-        <a:p>
-          <a:endParaRPr lang="en-US"/>
-        </a:p>
-      </dgm:t>
-    </dgm:pt>
-    <dgm:pt modelId="{D7FE377D-C27A-4DFB-A662-C2AAB38E4DE2}">
-      <dgm:prSet/>
-      <dgm:spPr/>
-      <dgm:t>
-        <a:bodyPr/>
-        <a:lstStyle/>
-        <a:p>
-          <a:pPr>
-            <a:lnSpc>
-              <a:spcPct val="100000"/>
-            </a:lnSpc>
-          </a:pPr>
-          <a:r>
-            <a:rPr lang="en-US" dirty="0"/>
-            <a:t>Positive correlation</a:t>
-          </a:r>
-        </a:p>
-      </dgm:t>
-    </dgm:pt>
-    <dgm:pt modelId="{0351BE7F-C979-4E0B-A22D-7CBA6A7E2674}" type="parTrans" cxnId="{CB02CF85-97A3-4EF1-A265-62CD82EEFDC5}">
-      <dgm:prSet/>
-      <dgm:spPr/>
-      <dgm:t>
-        <a:bodyPr/>
-        <a:lstStyle/>
-        <a:p>
-          <a:endParaRPr lang="en-US"/>
-        </a:p>
-      </dgm:t>
-    </dgm:pt>
-    <dgm:pt modelId="{B90AB8B4-B665-4C44-9A85-29FF48F68CAE}" type="sibTrans" cxnId="{CB02CF85-97A3-4EF1-A265-62CD82EEFDC5}">
-      <dgm:prSet/>
-      <dgm:spPr/>
-      <dgm:t>
-        <a:bodyPr/>
-        <a:lstStyle/>
-        <a:p>
-          <a:endParaRPr lang="en-US"/>
-        </a:p>
-      </dgm:t>
-    </dgm:pt>
-    <dgm:pt modelId="{5BE72D36-1EE3-4A8F-9F21-986C2E36DAD4}">
-      <dgm:prSet/>
-      <dgm:spPr/>
-      <dgm:t>
-        <a:bodyPr/>
-        <a:lstStyle/>
-        <a:p>
-          <a:pPr>
-            <a:lnSpc>
-              <a:spcPct val="100000"/>
-            </a:lnSpc>
-          </a:pPr>
-          <a:r>
-            <a:rPr lang="en-US" dirty="0"/>
-            <a:t>No correlation</a:t>
-          </a:r>
-        </a:p>
-      </dgm:t>
-    </dgm:pt>
-    <dgm:pt modelId="{7328C445-C6B1-4FA5-9B5B-B008265F8271}" type="parTrans" cxnId="{0480941B-99CA-4C85-8DC6-FFE38DE0BA95}">
-      <dgm:prSet/>
-      <dgm:spPr/>
-      <dgm:t>
-        <a:bodyPr/>
-        <a:lstStyle/>
-        <a:p>
-          <a:endParaRPr lang="en-US"/>
-        </a:p>
-      </dgm:t>
-    </dgm:pt>
-    <dgm:pt modelId="{D3EC2952-022A-45CC-AA84-EE0E314B5C45}" type="sibTrans" cxnId="{0480941B-99CA-4C85-8DC6-FFE38DE0BA95}">
-      <dgm:prSet/>
-      <dgm:spPr/>
-      <dgm:t>
-        <a:bodyPr/>
-        <a:lstStyle/>
-        <a:p>
-          <a:endParaRPr lang="en-US"/>
-        </a:p>
-      </dgm:t>
-    </dgm:pt>
-    <dgm:pt modelId="{6F5C0FBA-99AC-4ED5-B18B-5B546445A2DC}">
-      <dgm:prSet/>
-      <dgm:spPr/>
-      <dgm:t>
-        <a:bodyPr/>
-        <a:lstStyle/>
-        <a:p>
-          <a:pPr>
-            <a:lnSpc>
-              <a:spcPct val="100000"/>
-            </a:lnSpc>
-          </a:pPr>
-          <a:r>
-            <a:rPr lang="en-US" dirty="0"/>
-            <a:t>No correlation</a:t>
-          </a:r>
-        </a:p>
-      </dgm:t>
-    </dgm:pt>
-    <dgm:pt modelId="{0D726D8D-3CD9-4D70-B97F-61E8F33B1230}" type="parTrans" cxnId="{F641C133-D77B-432B-A74B-E9BACE0CF5C2}">
-      <dgm:prSet/>
-      <dgm:spPr/>
-      <dgm:t>
-        <a:bodyPr/>
-        <a:lstStyle/>
-        <a:p>
-          <a:endParaRPr lang="en-US"/>
-        </a:p>
-      </dgm:t>
-    </dgm:pt>
-    <dgm:pt modelId="{35DDB7B1-AD96-4561-A642-4FD35F4B4D2B}" type="sibTrans" cxnId="{F641C133-D77B-432B-A74B-E9BACE0CF5C2}">
-      <dgm:prSet/>
-      <dgm:spPr/>
-      <dgm:t>
-        <a:bodyPr/>
-        <a:lstStyle/>
-        <a:p>
-          <a:endParaRPr lang="en-US"/>
-        </a:p>
-      </dgm:t>
-    </dgm:pt>
-    <dgm:pt modelId="{F29A42CD-8C7D-4619-898E-134331169645}">
-      <dgm:prSet/>
-      <dgm:spPr/>
-      <dgm:t>
-        <a:bodyPr/>
-        <a:lstStyle/>
-        <a:p>
-          <a:pPr>
-            <a:lnSpc>
-              <a:spcPct val="100000"/>
-            </a:lnSpc>
-          </a:pPr>
-          <a:r>
-            <a:rPr lang="en-US" dirty="0"/>
-            <a:t>No correlation</a:t>
-          </a:r>
-        </a:p>
-      </dgm:t>
-    </dgm:pt>
-    <dgm:pt modelId="{8F0CC5E2-D0EF-41EA-818E-306E8BCCFB2D}" type="parTrans" cxnId="{2DF61EAC-C5FC-40DD-97FE-2DD5B2798846}">
-      <dgm:prSet/>
-      <dgm:spPr/>
-      <dgm:t>
-        <a:bodyPr/>
-        <a:lstStyle/>
-        <a:p>
-          <a:endParaRPr lang="en-US"/>
-        </a:p>
-      </dgm:t>
-    </dgm:pt>
-    <dgm:pt modelId="{F99E9074-AFE2-485D-ACAF-E70BB125FE17}" type="sibTrans" cxnId="{2DF61EAC-C5FC-40DD-97FE-2DD5B2798846}">
-      <dgm:prSet/>
-      <dgm:spPr/>
-      <dgm:t>
-        <a:bodyPr/>
-        <a:lstStyle/>
-        <a:p>
-          <a:endParaRPr lang="en-US"/>
-        </a:p>
-      </dgm:t>
-    </dgm:pt>
-    <dgm:pt modelId="{F6D43B66-2C4C-43B6-B377-5D9385B766B9}">
-      <dgm:prSet/>
-      <dgm:spPr/>
-      <dgm:t>
-        <a:bodyPr/>
-        <a:lstStyle/>
-        <a:p>
-          <a:pPr>
-            <a:lnSpc>
-              <a:spcPct val="100000"/>
-            </a:lnSpc>
-          </a:pPr>
-          <a:r>
-            <a:rPr lang="en-US" dirty="0"/>
-            <a:t>Negative correlation</a:t>
-          </a:r>
-        </a:p>
-      </dgm:t>
-    </dgm:pt>
-    <dgm:pt modelId="{B9EF0218-A426-4326-8036-51D7F6070C2D}" type="parTrans" cxnId="{F64C6735-D516-49F4-9B59-284262D49FAC}">
-      <dgm:prSet/>
-      <dgm:spPr/>
-      <dgm:t>
-        <a:bodyPr/>
-        <a:lstStyle/>
-        <a:p>
-          <a:endParaRPr lang="en-US"/>
-        </a:p>
-      </dgm:t>
-    </dgm:pt>
-    <dgm:pt modelId="{D122F398-3400-4B3F-9A2E-BE7952C95535}" type="sibTrans" cxnId="{F64C6735-D516-49F4-9B59-284262D49FAC}">
-      <dgm:prSet/>
-      <dgm:spPr/>
-      <dgm:t>
-        <a:bodyPr/>
-        <a:lstStyle/>
-        <a:p>
-          <a:endParaRPr lang="en-US"/>
-        </a:p>
-      </dgm:t>
-    </dgm:pt>
-    <dgm:pt modelId="{CE04897A-26D2-4147-A592-9292B6A2135A}">
-      <dgm:prSet/>
-      <dgm:spPr/>
-      <dgm:t>
-        <a:bodyPr/>
-        <a:lstStyle/>
-        <a:p>
-          <a:pPr>
-            <a:lnSpc>
-              <a:spcPct val="100000"/>
-            </a:lnSpc>
-          </a:pPr>
-          <a:r>
-            <a:rPr lang="en-US" dirty="0"/>
-            <a:t>No correlation</a:t>
-          </a:r>
-        </a:p>
-      </dgm:t>
-    </dgm:pt>
-    <dgm:pt modelId="{57A2E265-99B2-4ADA-BF93-8BFFD243398A}" type="parTrans" cxnId="{A38CAF33-5C31-4E57-82B8-D7F61DF9E639}">
-      <dgm:prSet/>
-      <dgm:spPr/>
-      <dgm:t>
-        <a:bodyPr/>
-        <a:lstStyle/>
-        <a:p>
-          <a:endParaRPr lang="en-US"/>
-        </a:p>
-      </dgm:t>
-    </dgm:pt>
-    <dgm:pt modelId="{E8DB8576-F2EB-43DA-9863-B95C14DDBB81}" type="sibTrans" cxnId="{A38CAF33-5C31-4E57-82B8-D7F61DF9E639}">
-      <dgm:prSet/>
-      <dgm:spPr/>
-      <dgm:t>
-        <a:bodyPr/>
-        <a:lstStyle/>
-        <a:p>
-          <a:endParaRPr lang="en-US"/>
-        </a:p>
-      </dgm:t>
-    </dgm:pt>
-    <dgm:pt modelId="{C587CE67-0FE7-4791-B5A2-3485DEE27C80}" type="pres">
-      <dgm:prSet presAssocID="{A34A2503-0032-4A42-B0E4-A44745078171}" presName="root" presStyleCnt="0">
-        <dgm:presLayoutVars>
-          <dgm:dir/>
-          <dgm:resizeHandles val="exact"/>
-        </dgm:presLayoutVars>
-      </dgm:prSet>
-      <dgm:spPr/>
-    </dgm:pt>
-    <dgm:pt modelId="{03A417E0-E4C0-4B04-B068-54E228F68BAA}" type="pres">
-      <dgm:prSet presAssocID="{4FDF82FB-EF6E-4917-B9D6-E84C679CC6F1}" presName="compNode" presStyleCnt="0"/>
-      <dgm:spPr/>
-    </dgm:pt>
-    <dgm:pt modelId="{5C853D68-55BA-451F-B5CF-669F6EFEE2BF}" type="pres">
-      <dgm:prSet presAssocID="{4FDF82FB-EF6E-4917-B9D6-E84C679CC6F1}" presName="bgRect" presStyleLbl="bgShp" presStyleIdx="0" presStyleCnt="6"/>
-      <dgm:spPr/>
-    </dgm:pt>
-    <dgm:pt modelId="{D6E84A69-A8ED-412B-8DD3-D33D948BA298}" type="pres">
-      <dgm:prSet presAssocID="{4FDF82FB-EF6E-4917-B9D6-E84C679CC6F1}" presName="iconRect" presStyleLbl="node1" presStyleIdx="0" presStyleCnt="6"/>
-      <dgm:spPr>
-        <a:blipFill>
-          <a:blip xmlns:r="http://schemas.openxmlformats.org/officeDocument/2006/relationships" r:embed="rId1">
-            <a:extLst>
-              <a:ext uri="{28A0092B-C50C-407E-A947-70E740481C1C}">
-                <a14:useLocalDpi xmlns:a14="http://schemas.microsoft.com/office/drawing/2010/main" val="0"/>
-              </a:ext>
-              <a:ext uri="{96DAC541-7B7A-43D3-8B79-37D633B846F1}">
-                <asvg:svgBlip xmlns:asvg="http://schemas.microsoft.com/office/drawing/2016/SVG/main" r:embed="rId2"/>
-              </a:ext>
-            </a:extLst>
-          </a:blip>
-          <a:stretch>
-            <a:fillRect/>
-          </a:stretch>
-        </a:blipFill>
-        <a:ln>
-          <a:noFill/>
-        </a:ln>
-      </dgm:spPr>
-      <dgm:extLst>
-        <a:ext uri="{E40237B7-FDA0-4F09-8148-C483321AD2D9}">
-          <dgm14:cNvPr xmlns:dgm14="http://schemas.microsoft.com/office/drawing/2010/diagram" id="0" name="" descr="Money"/>
-        </a:ext>
-      </dgm:extLst>
-    </dgm:pt>
-    <dgm:pt modelId="{8EEC1D78-B8D2-498C-B7D1-3FF592FB9163}" type="pres">
-      <dgm:prSet presAssocID="{4FDF82FB-EF6E-4917-B9D6-E84C679CC6F1}" presName="spaceRect" presStyleCnt="0"/>
-      <dgm:spPr/>
-    </dgm:pt>
-    <dgm:pt modelId="{F8216228-1604-4BC3-8175-A79DBDAE57C4}" type="pres">
-      <dgm:prSet presAssocID="{4FDF82FB-EF6E-4917-B9D6-E84C679CC6F1}" presName="parTx" presStyleLbl="revTx" presStyleIdx="0" presStyleCnt="12">
-        <dgm:presLayoutVars>
-          <dgm:chMax val="0"/>
-          <dgm:chPref val="0"/>
-        </dgm:presLayoutVars>
-      </dgm:prSet>
-      <dgm:spPr/>
-    </dgm:pt>
-    <dgm:pt modelId="{7A3223C3-3B62-4569-9F3B-1296DFF3A6D6}" type="pres">
-      <dgm:prSet presAssocID="{4FDF82FB-EF6E-4917-B9D6-E84C679CC6F1}" presName="desTx" presStyleLbl="revTx" presStyleIdx="1" presStyleCnt="12">
-        <dgm:presLayoutVars/>
-      </dgm:prSet>
-      <dgm:spPr/>
-    </dgm:pt>
-    <dgm:pt modelId="{664D03B4-3A76-4146-B488-FCEDCE649AC1}" type="pres">
-      <dgm:prSet presAssocID="{8D378DF7-04E9-4756-BBEB-658CF9D9DA10}" presName="sibTrans" presStyleCnt="0"/>
-      <dgm:spPr/>
-    </dgm:pt>
-    <dgm:pt modelId="{9B0EF294-44E0-4171-BABC-252F57CDAB86}" type="pres">
-      <dgm:prSet presAssocID="{D09A37F3-19A8-44FB-B017-3F166ADD4CBB}" presName="compNode" presStyleCnt="0"/>
-      <dgm:spPr/>
-    </dgm:pt>
-    <dgm:pt modelId="{AC1B99C6-56A8-451F-85E4-DEE2E6D117CC}" type="pres">
-      <dgm:prSet presAssocID="{D09A37F3-19A8-44FB-B017-3F166ADD4CBB}" presName="bgRect" presStyleLbl="bgShp" presStyleIdx="1" presStyleCnt="6"/>
-      <dgm:spPr/>
-    </dgm:pt>
-    <dgm:pt modelId="{55164E89-F8AB-4A77-A05C-3B05C91ABF52}" type="pres">
-      <dgm:prSet presAssocID="{D09A37F3-19A8-44FB-B017-3F166ADD4CBB}" presName="iconRect" presStyleLbl="node1" presStyleIdx="1" presStyleCnt="6"/>
-      <dgm:spPr>
-        <a:blipFill>
-          <a:blip xmlns:r="http://schemas.openxmlformats.org/officeDocument/2006/relationships" r:embed="rId3">
-            <a:extLst>
-              <a:ext uri="{28A0092B-C50C-407E-A947-70E740481C1C}">
-                <a14:useLocalDpi xmlns:a14="http://schemas.microsoft.com/office/drawing/2010/main" val="0"/>
-              </a:ext>
-              <a:ext uri="{96DAC541-7B7A-43D3-8B79-37D633B846F1}">
-                <asvg:svgBlip xmlns:asvg="http://schemas.microsoft.com/office/drawing/2016/SVG/main" r:embed="rId4"/>
-              </a:ext>
-            </a:extLst>
-          </a:blip>
-          <a:stretch>
-            <a:fillRect/>
-          </a:stretch>
-        </a:blipFill>
-        <a:ln>
-          <a:noFill/>
-        </a:ln>
-      </dgm:spPr>
-      <dgm:extLst>
-        <a:ext uri="{E40237B7-FDA0-4F09-8148-C483321AD2D9}">
-          <dgm14:cNvPr xmlns:dgm14="http://schemas.microsoft.com/office/drawing/2010/diagram" id="0" name="" descr="Team"/>
-        </a:ext>
-      </dgm:extLst>
-    </dgm:pt>
-    <dgm:pt modelId="{96AAE3C4-C70C-43B2-9CFA-174002D67E15}" type="pres">
-      <dgm:prSet presAssocID="{D09A37F3-19A8-44FB-B017-3F166ADD4CBB}" presName="spaceRect" presStyleCnt="0"/>
-      <dgm:spPr/>
-    </dgm:pt>
-    <dgm:pt modelId="{D656D18D-5771-42AE-8601-44895FE34204}" type="pres">
-      <dgm:prSet presAssocID="{D09A37F3-19A8-44FB-B017-3F166ADD4CBB}" presName="parTx" presStyleLbl="revTx" presStyleIdx="2" presStyleCnt="12">
-        <dgm:presLayoutVars>
-          <dgm:chMax val="0"/>
-          <dgm:chPref val="0"/>
-        </dgm:presLayoutVars>
-      </dgm:prSet>
-      <dgm:spPr/>
-    </dgm:pt>
-    <dgm:pt modelId="{A5A956A7-8651-45D5-AFEA-3368B8E09B06}" type="pres">
-      <dgm:prSet presAssocID="{D09A37F3-19A8-44FB-B017-3F166ADD4CBB}" presName="desTx" presStyleLbl="revTx" presStyleIdx="3" presStyleCnt="12">
-        <dgm:presLayoutVars/>
-      </dgm:prSet>
-      <dgm:spPr/>
-    </dgm:pt>
-    <dgm:pt modelId="{51F456AF-E287-4063-B759-A76D038896AF}" type="pres">
-      <dgm:prSet presAssocID="{31434103-B30B-4B84-9E2B-9275FFBAEC91}" presName="sibTrans" presStyleCnt="0"/>
-      <dgm:spPr/>
-    </dgm:pt>
-    <dgm:pt modelId="{8C461C1D-88F0-455F-8BB0-6EF6447F5487}" type="pres">
-      <dgm:prSet presAssocID="{98F29296-A5F5-41A8-BA3C-AABAE40F1F35}" presName="compNode" presStyleCnt="0"/>
-      <dgm:spPr/>
-    </dgm:pt>
-    <dgm:pt modelId="{B45E00EF-F466-48B7-850B-73028796331E}" type="pres">
-      <dgm:prSet presAssocID="{98F29296-A5F5-41A8-BA3C-AABAE40F1F35}" presName="bgRect" presStyleLbl="bgShp" presStyleIdx="2" presStyleCnt="6"/>
-      <dgm:spPr/>
-    </dgm:pt>
-    <dgm:pt modelId="{2EAFCD93-72DD-43C5-A2D7-C6410A2F1529}" type="pres">
-      <dgm:prSet presAssocID="{98F29296-A5F5-41A8-BA3C-AABAE40F1F35}" presName="iconRect" presStyleLbl="node1" presStyleIdx="2" presStyleCnt="6"/>
-      <dgm:spPr>
-        <a:blipFill>
-          <a:blip xmlns:r="http://schemas.openxmlformats.org/officeDocument/2006/relationships" r:embed="rId5">
-            <a:extLst>
-              <a:ext uri="{28A0092B-C50C-407E-A947-70E740481C1C}">
-                <a14:useLocalDpi xmlns:a14="http://schemas.microsoft.com/office/drawing/2010/main" val="0"/>
-              </a:ext>
-              <a:ext uri="{96DAC541-7B7A-43D3-8B79-37D633B846F1}">
-                <asvg:svgBlip xmlns:asvg="http://schemas.microsoft.com/office/drawing/2016/SVG/main" r:embed="rId6"/>
-              </a:ext>
-            </a:extLst>
-          </a:blip>
-          <a:stretch>
-            <a:fillRect/>
-          </a:stretch>
-        </a:blipFill>
-        <a:ln>
-          <a:noFill/>
-        </a:ln>
-      </dgm:spPr>
-      <dgm:extLst>
-        <a:ext uri="{E40237B7-FDA0-4F09-8148-C483321AD2D9}">
-          <dgm14:cNvPr xmlns:dgm14="http://schemas.microsoft.com/office/drawing/2010/diagram" id="0" name="" descr="Medical"/>
-        </a:ext>
-      </dgm:extLst>
-    </dgm:pt>
-    <dgm:pt modelId="{8B67AD10-B4C9-4BF8-8EA5-74C2E5FBABD6}" type="pres">
-      <dgm:prSet presAssocID="{98F29296-A5F5-41A8-BA3C-AABAE40F1F35}" presName="spaceRect" presStyleCnt="0"/>
-      <dgm:spPr/>
-    </dgm:pt>
-    <dgm:pt modelId="{E70D92EC-7C5E-4C77-8D8A-BDB0E44E2D1F}" type="pres">
-      <dgm:prSet presAssocID="{98F29296-A5F5-41A8-BA3C-AABAE40F1F35}" presName="parTx" presStyleLbl="revTx" presStyleIdx="4" presStyleCnt="12">
-        <dgm:presLayoutVars>
-          <dgm:chMax val="0"/>
-          <dgm:chPref val="0"/>
-        </dgm:presLayoutVars>
-      </dgm:prSet>
-      <dgm:spPr/>
-    </dgm:pt>
-    <dgm:pt modelId="{B0779C41-24E5-4E0F-8152-72A55BB35CBE}" type="pres">
-      <dgm:prSet presAssocID="{98F29296-A5F5-41A8-BA3C-AABAE40F1F35}" presName="desTx" presStyleLbl="revTx" presStyleIdx="5" presStyleCnt="12">
-        <dgm:presLayoutVars/>
-      </dgm:prSet>
-      <dgm:spPr/>
-    </dgm:pt>
-    <dgm:pt modelId="{5139FD7F-DFEB-4CC1-A478-5D02714865FD}" type="pres">
-      <dgm:prSet presAssocID="{1D84709E-5553-41DE-9C40-84DFFE8A0CDA}" presName="sibTrans" presStyleCnt="0"/>
-      <dgm:spPr/>
-    </dgm:pt>
-    <dgm:pt modelId="{DFE56961-77E2-4382-9112-C16F52E081CD}" type="pres">
-      <dgm:prSet presAssocID="{46DABB96-35A6-4B3B-86FE-02916B06A642}" presName="compNode" presStyleCnt="0"/>
-      <dgm:spPr/>
-    </dgm:pt>
-    <dgm:pt modelId="{A7945F13-0DCA-4644-BC60-E63FD09A8279}" type="pres">
-      <dgm:prSet presAssocID="{46DABB96-35A6-4B3B-86FE-02916B06A642}" presName="bgRect" presStyleLbl="bgShp" presStyleIdx="3" presStyleCnt="6"/>
-      <dgm:spPr/>
-    </dgm:pt>
-    <dgm:pt modelId="{17A54687-E27A-41D6-9369-1A62CF68F5EC}" type="pres">
-      <dgm:prSet presAssocID="{46DABB96-35A6-4B3B-86FE-02916B06A642}" presName="iconRect" presStyleLbl="node1" presStyleIdx="3" presStyleCnt="6"/>
-      <dgm:spPr>
-        <a:blipFill>
-          <a:blip xmlns:r="http://schemas.openxmlformats.org/officeDocument/2006/relationships" r:embed="rId7">
-            <a:extLst>
-              <a:ext uri="{28A0092B-C50C-407E-A947-70E740481C1C}">
-                <a14:useLocalDpi xmlns:a14="http://schemas.microsoft.com/office/drawing/2010/main" val="0"/>
-              </a:ext>
-              <a:ext uri="{96DAC541-7B7A-43D3-8B79-37D633B846F1}">
-                <asvg:svgBlip xmlns:asvg="http://schemas.microsoft.com/office/drawing/2016/SVG/main" r:embed="rId8"/>
-              </a:ext>
-            </a:extLst>
-          </a:blip>
-          <a:stretch>
-            <a:fillRect/>
-          </a:stretch>
-        </a:blipFill>
-        <a:ln>
-          <a:noFill/>
-        </a:ln>
-      </dgm:spPr>
-      <dgm:extLst>
-        <a:ext uri="{E40237B7-FDA0-4F09-8148-C483321AD2D9}">
-          <dgm14:cNvPr xmlns:dgm14="http://schemas.microsoft.com/office/drawing/2010/diagram" id="0" name="" descr="Car"/>
-        </a:ext>
-      </dgm:extLst>
-    </dgm:pt>
-    <dgm:pt modelId="{9AF7737A-5C50-4D37-ABFE-B15DF8101BC4}" type="pres">
-      <dgm:prSet presAssocID="{46DABB96-35A6-4B3B-86FE-02916B06A642}" presName="spaceRect" presStyleCnt="0"/>
-      <dgm:spPr/>
-    </dgm:pt>
-    <dgm:pt modelId="{0102C000-9C7A-41C3-A0FB-A3872D69AAA8}" type="pres">
-      <dgm:prSet presAssocID="{46DABB96-35A6-4B3B-86FE-02916B06A642}" presName="parTx" presStyleLbl="revTx" presStyleIdx="6" presStyleCnt="12">
-        <dgm:presLayoutVars>
-          <dgm:chMax val="0"/>
-          <dgm:chPref val="0"/>
-        </dgm:presLayoutVars>
-      </dgm:prSet>
-      <dgm:spPr/>
-    </dgm:pt>
-    <dgm:pt modelId="{5C5FE59F-92A1-4935-89F9-16FC907CB63A}" type="pres">
-      <dgm:prSet presAssocID="{46DABB96-35A6-4B3B-86FE-02916B06A642}" presName="desTx" presStyleLbl="revTx" presStyleIdx="7" presStyleCnt="12">
-        <dgm:presLayoutVars/>
-      </dgm:prSet>
-      <dgm:spPr/>
-    </dgm:pt>
-    <dgm:pt modelId="{74B001FB-F198-4BBB-9A11-6F8A2725599E}" type="pres">
-      <dgm:prSet presAssocID="{41B146FA-E297-4FC0-A8AF-7F11BFA4A40A}" presName="sibTrans" presStyleCnt="0"/>
-      <dgm:spPr/>
-    </dgm:pt>
-    <dgm:pt modelId="{9AC04014-BEF3-4D8A-BF3B-21A313C354F4}" type="pres">
-      <dgm:prSet presAssocID="{F88E8CC2-DF04-41C6-94CB-BB5C51F559AC}" presName="compNode" presStyleCnt="0"/>
-      <dgm:spPr/>
-    </dgm:pt>
-    <dgm:pt modelId="{BD60EF17-82E9-465B-B11C-FE2BA2F17C5A}" type="pres">
-      <dgm:prSet presAssocID="{F88E8CC2-DF04-41C6-94CB-BB5C51F559AC}" presName="bgRect" presStyleLbl="bgShp" presStyleIdx="4" presStyleCnt="6"/>
-      <dgm:spPr/>
-    </dgm:pt>
-    <dgm:pt modelId="{E4F6D5A7-31C2-4724-91D8-E51D492A5A4D}" type="pres">
-      <dgm:prSet presAssocID="{F88E8CC2-DF04-41C6-94CB-BB5C51F559AC}" presName="iconRect" presStyleLbl="node1" presStyleIdx="4" presStyleCnt="6"/>
-      <dgm:spPr>
-        <a:blipFill>
-          <a:blip xmlns:r="http://schemas.openxmlformats.org/officeDocument/2006/relationships" r:embed="rId9">
-            <a:extLst>
-              <a:ext uri="{96DAC541-7B7A-43D3-8B79-37D633B846F1}">
-                <asvg:svgBlip xmlns:asvg="http://schemas.microsoft.com/office/drawing/2016/SVG/main" r:embed="rId10"/>
-              </a:ext>
-            </a:extLst>
-          </a:blip>
-          <a:srcRect/>
-          <a:stretch>
-            <a:fillRect/>
-          </a:stretch>
-        </a:blipFill>
-        <a:ln>
-          <a:noFill/>
-        </a:ln>
-      </dgm:spPr>
-      <dgm:extLst>
-        <a:ext uri="{E40237B7-FDA0-4F09-8148-C483321AD2D9}">
-          <dgm14:cNvPr xmlns:dgm14="http://schemas.microsoft.com/office/drawing/2010/diagram" id="0" name="" descr="Briefcase"/>
-        </a:ext>
-      </dgm:extLst>
-    </dgm:pt>
-    <dgm:pt modelId="{FDEF2211-A29D-4FA6-A69C-A3B1E9F96832}" type="pres">
-      <dgm:prSet presAssocID="{F88E8CC2-DF04-41C6-94CB-BB5C51F559AC}" presName="spaceRect" presStyleCnt="0"/>
-      <dgm:spPr/>
-    </dgm:pt>
-    <dgm:pt modelId="{71E1E56B-A287-4DE4-9EC4-9729B6FF9A8D}" type="pres">
-      <dgm:prSet presAssocID="{F88E8CC2-DF04-41C6-94CB-BB5C51F559AC}" presName="parTx" presStyleLbl="revTx" presStyleIdx="8" presStyleCnt="12">
-        <dgm:presLayoutVars>
-          <dgm:chMax val="0"/>
-          <dgm:chPref val="0"/>
-        </dgm:presLayoutVars>
-      </dgm:prSet>
-      <dgm:spPr/>
-    </dgm:pt>
-    <dgm:pt modelId="{B33D5DF6-743D-4FFF-950B-8F78F71FA939}" type="pres">
-      <dgm:prSet presAssocID="{F88E8CC2-DF04-41C6-94CB-BB5C51F559AC}" presName="desTx" presStyleLbl="revTx" presStyleIdx="9" presStyleCnt="12">
-        <dgm:presLayoutVars/>
-      </dgm:prSet>
-      <dgm:spPr/>
-    </dgm:pt>
-    <dgm:pt modelId="{800112F4-8A2E-4A93-A357-2C270223CDB7}" type="pres">
-      <dgm:prSet presAssocID="{A19328B4-A81C-4B59-8577-89A7CEF07B0D}" presName="sibTrans" presStyleCnt="0"/>
-      <dgm:spPr/>
-    </dgm:pt>
-    <dgm:pt modelId="{AF923245-C92D-48DA-AA95-AAAC47B92D54}" type="pres">
-      <dgm:prSet presAssocID="{C120C136-D8A5-47C6-9E66-FE288A7EE6E7}" presName="compNode" presStyleCnt="0"/>
-      <dgm:spPr/>
-    </dgm:pt>
-    <dgm:pt modelId="{40D68D60-78A9-4BE0-9705-07B726BB68B0}" type="pres">
-      <dgm:prSet presAssocID="{C120C136-D8A5-47C6-9E66-FE288A7EE6E7}" presName="bgRect" presStyleLbl="bgShp" presStyleIdx="5" presStyleCnt="6"/>
-      <dgm:spPr/>
-    </dgm:pt>
-    <dgm:pt modelId="{FD312580-A5B8-44CE-9545-6EC7FB4B5972}" type="pres">
-      <dgm:prSet presAssocID="{C120C136-D8A5-47C6-9E66-FE288A7EE6E7}" presName="iconRect" presStyleLbl="node1" presStyleIdx="5" presStyleCnt="6"/>
-      <dgm:spPr>
-        <a:blipFill>
-          <a:blip xmlns:r="http://schemas.openxmlformats.org/officeDocument/2006/relationships" r:embed="rId11">
-            <a:extLst>
-              <a:ext uri="{28A0092B-C50C-407E-A947-70E740481C1C}">
-                <a14:useLocalDpi xmlns:a14="http://schemas.microsoft.com/office/drawing/2010/main" val="0"/>
-              </a:ext>
-              <a:ext uri="{96DAC541-7B7A-43D3-8B79-37D633B846F1}">
-                <asvg:svgBlip xmlns:asvg="http://schemas.microsoft.com/office/drawing/2016/SVG/main" r:embed="rId12"/>
-              </a:ext>
-            </a:extLst>
-          </a:blip>
-          <a:stretch>
-            <a:fillRect/>
-          </a:stretch>
-        </a:blipFill>
-        <a:ln>
-          <a:noFill/>
-        </a:ln>
-      </dgm:spPr>
-      <dgm:extLst>
-        <a:ext uri="{E40237B7-FDA0-4F09-8148-C483321AD2D9}">
-          <dgm14:cNvPr xmlns:dgm14="http://schemas.microsoft.com/office/drawing/2010/diagram" id="0" name="" descr="Books"/>
-        </a:ext>
-      </dgm:extLst>
-    </dgm:pt>
-    <dgm:pt modelId="{32357E46-0321-4650-9D72-20ECB203B150}" type="pres">
-      <dgm:prSet presAssocID="{C120C136-D8A5-47C6-9E66-FE288A7EE6E7}" presName="spaceRect" presStyleCnt="0"/>
-      <dgm:spPr/>
-    </dgm:pt>
-    <dgm:pt modelId="{B984CF20-68B7-4121-BF09-C24325D8E96D}" type="pres">
-      <dgm:prSet presAssocID="{C120C136-D8A5-47C6-9E66-FE288A7EE6E7}" presName="parTx" presStyleLbl="revTx" presStyleIdx="10" presStyleCnt="12">
-        <dgm:presLayoutVars>
-          <dgm:chMax val="0"/>
-          <dgm:chPref val="0"/>
-        </dgm:presLayoutVars>
-      </dgm:prSet>
-      <dgm:spPr/>
-    </dgm:pt>
-    <dgm:pt modelId="{2BFEC139-5925-424C-A1D7-0C1806988DF1}" type="pres">
-      <dgm:prSet presAssocID="{C120C136-D8A5-47C6-9E66-FE288A7EE6E7}" presName="desTx" presStyleLbl="revTx" presStyleIdx="11" presStyleCnt="12">
-        <dgm:presLayoutVars/>
-      </dgm:prSet>
-      <dgm:spPr/>
-    </dgm:pt>
-  </dgm:ptLst>
-  <dgm:cxnLst>
-    <dgm:cxn modelId="{F83AC409-D28C-45B3-A349-9C25CB47AFBD}" type="presOf" srcId="{98F29296-A5F5-41A8-BA3C-AABAE40F1F35}" destId="{E70D92EC-7C5E-4C77-8D8A-BDB0E44E2D1F}" srcOrd="0" destOrd="0" presId="urn:microsoft.com/office/officeart/2018/2/layout/IconVerticalSolidList"/>
-    <dgm:cxn modelId="{752B360E-9EFE-4992-96AA-06E19AAE7C57}" type="presOf" srcId="{6FB699D2-A421-49C0-9CFE-DD13A3CA4FD3}" destId="{7A3223C3-3B62-4569-9F3B-1296DFF3A6D6}" srcOrd="0" destOrd="0" presId="urn:microsoft.com/office/officeart/2018/2/layout/IconVerticalSolidList"/>
-    <dgm:cxn modelId="{E1109F16-F0FC-4A44-9818-D117CC24A608}" type="presOf" srcId="{5BE72D36-1EE3-4A8F-9F21-986C2E36DAD4}" destId="{A5A956A7-8651-45D5-AFEA-3368B8E09B06}" srcOrd="0" destOrd="1" presId="urn:microsoft.com/office/officeart/2018/2/layout/IconVerticalSolidList"/>
-    <dgm:cxn modelId="{E549861A-AF87-45B9-BBCB-60536B664967}" srcId="{46DABB96-35A6-4B3B-86FE-02916B06A642}" destId="{79CDB7E0-A579-4D31-8795-E348E2D370C8}" srcOrd="0" destOrd="0" parTransId="{EDF63883-72AE-46F9-B1C3-19EBF3A19C0D}" sibTransId="{208D73F3-8252-4B30-BEFD-C6C5B917F60D}"/>
-    <dgm:cxn modelId="{0480941B-99CA-4C85-8DC6-FFE38DE0BA95}" srcId="{D09A37F3-19A8-44FB-B017-3F166ADD4CBB}" destId="{5BE72D36-1EE3-4A8F-9F21-986C2E36DAD4}" srcOrd="1" destOrd="0" parTransId="{7328C445-C6B1-4FA5-9B5B-B008265F8271}" sibTransId="{D3EC2952-022A-45CC-AA84-EE0E314B5C45}"/>
-    <dgm:cxn modelId="{9988E320-0135-4E2B-B628-A80109312FF8}" type="presOf" srcId="{79CDB7E0-A579-4D31-8795-E348E2D370C8}" destId="{5C5FE59F-92A1-4935-89F9-16FC907CB63A}" srcOrd="0" destOrd="0" presId="urn:microsoft.com/office/officeart/2018/2/layout/IconVerticalSolidList"/>
-    <dgm:cxn modelId="{7E594A22-CD87-4FCF-B4EC-9943E0854126}" type="presOf" srcId="{CE04897A-26D2-4147-A592-9292B6A2135A}" destId="{2BFEC139-5925-424C-A1D7-0C1806988DF1}" srcOrd="0" destOrd="1" presId="urn:microsoft.com/office/officeart/2018/2/layout/IconVerticalSolidList"/>
-    <dgm:cxn modelId="{A38CAF33-5C31-4E57-82B8-D7F61DF9E639}" srcId="{C120C136-D8A5-47C6-9E66-FE288A7EE6E7}" destId="{CE04897A-26D2-4147-A592-9292B6A2135A}" srcOrd="1" destOrd="0" parTransId="{57A2E265-99B2-4ADA-BF93-8BFFD243398A}" sibTransId="{E8DB8576-F2EB-43DA-9863-B95C14DDBB81}"/>
-    <dgm:cxn modelId="{F641C133-D77B-432B-A74B-E9BACE0CF5C2}" srcId="{98F29296-A5F5-41A8-BA3C-AABAE40F1F35}" destId="{6F5C0FBA-99AC-4ED5-B18B-5B546445A2DC}" srcOrd="1" destOrd="0" parTransId="{0D726D8D-3CD9-4D70-B97F-61E8F33B1230}" sibTransId="{35DDB7B1-AD96-4561-A642-4FD35F4B4D2B}"/>
-    <dgm:cxn modelId="{F64C6735-D516-49F4-9B59-284262D49FAC}" srcId="{F88E8CC2-DF04-41C6-94CB-BB5C51F559AC}" destId="{F6D43B66-2C4C-43B6-B377-5D9385B766B9}" srcOrd="1" destOrd="0" parTransId="{B9EF0218-A426-4326-8036-51D7F6070C2D}" sibTransId="{D122F398-3400-4B3F-9A2E-BE7952C95535}"/>
-    <dgm:cxn modelId="{7ED35E3E-06C5-4953-B734-AD9E5F5D2588}" srcId="{98F29296-A5F5-41A8-BA3C-AABAE40F1F35}" destId="{14A97008-5289-46E2-98B9-ED6D082A695E}" srcOrd="0" destOrd="0" parTransId="{C5EB48FF-8C0F-46D7-A8CE-7BF35BF9292D}" sibTransId="{24E25F8F-08FC-44D5-8FA5-A95B8526C306}"/>
-    <dgm:cxn modelId="{04F5C643-14F6-4632-AD00-39B56A28AC27}" type="presOf" srcId="{F29A42CD-8C7D-4619-898E-134331169645}" destId="{5C5FE59F-92A1-4935-89F9-16FC907CB63A}" srcOrd="0" destOrd="1" presId="urn:microsoft.com/office/officeart/2018/2/layout/IconVerticalSolidList"/>
-    <dgm:cxn modelId="{5FD11D65-6933-450D-A941-5EBC3ABC9734}" type="presOf" srcId="{14A97008-5289-46E2-98B9-ED6D082A695E}" destId="{B0779C41-24E5-4E0F-8152-72A55BB35CBE}" srcOrd="0" destOrd="0" presId="urn:microsoft.com/office/officeart/2018/2/layout/IconVerticalSolidList"/>
-    <dgm:cxn modelId="{FF250A4D-A159-4D0F-84E8-D7BFF772AF9B}" srcId="{A34A2503-0032-4A42-B0E4-A44745078171}" destId="{46DABB96-35A6-4B3B-86FE-02916B06A642}" srcOrd="3" destOrd="0" parTransId="{F259DAF5-BD09-48C3-8677-13AB857A0140}" sibTransId="{41B146FA-E297-4FC0-A8AF-7F11BFA4A40A}"/>
-    <dgm:cxn modelId="{B22F3C57-BF88-4CC6-A480-5EA4A5842A87}" type="presOf" srcId="{46DABB96-35A6-4B3B-86FE-02916B06A642}" destId="{0102C000-9C7A-41C3-A0FB-A3872D69AAA8}" srcOrd="0" destOrd="0" presId="urn:microsoft.com/office/officeart/2018/2/layout/IconVerticalSolidList"/>
-    <dgm:cxn modelId="{3B459B59-6081-4629-9C25-C805DDC7E167}" srcId="{C120C136-D8A5-47C6-9E66-FE288A7EE6E7}" destId="{EBC92128-F30B-466D-AF48-DF9867A1FCDF}" srcOrd="0" destOrd="0" parTransId="{D5AF138B-D0FC-49E4-9209-30270CB3BE0F}" sibTransId="{05D6BF3A-FD21-4304-8804-3E263298955F}"/>
-    <dgm:cxn modelId="{7F3BF579-2434-4B8A-9C6C-477792DC8052}" srcId="{A34A2503-0032-4A42-B0E4-A44745078171}" destId="{98F29296-A5F5-41A8-BA3C-AABAE40F1F35}" srcOrd="2" destOrd="0" parTransId="{80FD10C5-D131-4A40-9401-248575C519CA}" sibTransId="{1D84709E-5553-41DE-9C40-84DFFE8A0CDA}"/>
-    <dgm:cxn modelId="{CB02CF85-97A3-4EF1-A265-62CD82EEFDC5}" srcId="{4FDF82FB-EF6E-4917-B9D6-E84C679CC6F1}" destId="{D7FE377D-C27A-4DFB-A662-C2AAB38E4DE2}" srcOrd="1" destOrd="0" parTransId="{0351BE7F-C979-4E0B-A22D-7CBA6A7E2674}" sibTransId="{B90AB8B4-B665-4C44-9A85-29FF48F68CAE}"/>
-    <dgm:cxn modelId="{7B558687-A7B5-4813-8564-C4476ED52AA8}" srcId="{F88E8CC2-DF04-41C6-94CB-BB5C51F559AC}" destId="{C48A93F4-EEE0-4FF3-8A36-E320BE3C580E}" srcOrd="0" destOrd="0" parTransId="{629096F1-0700-476E-80EB-BAA0C5CCDA1D}" sibTransId="{C03C779F-B46E-4381-AB10-05967F4CC2FA}"/>
-    <dgm:cxn modelId="{83E29289-6523-4D6E-99F6-CA5DEF4CED42}" type="presOf" srcId="{F6D43B66-2C4C-43B6-B377-5D9385B766B9}" destId="{B33D5DF6-743D-4FFF-950B-8F78F71FA939}" srcOrd="0" destOrd="1" presId="urn:microsoft.com/office/officeart/2018/2/layout/IconVerticalSolidList"/>
-    <dgm:cxn modelId="{D0AE968A-9F66-4E48-AC41-FCF426C76FEF}" srcId="{A34A2503-0032-4A42-B0E4-A44745078171}" destId="{F88E8CC2-DF04-41C6-94CB-BB5C51F559AC}" srcOrd="4" destOrd="0" parTransId="{B2282489-911D-4AB2-AA15-69210338E6AC}" sibTransId="{A19328B4-A81C-4B59-8577-89A7CEF07B0D}"/>
-    <dgm:cxn modelId="{142BB78E-2653-48C2-ACCA-AEBACBA61F7A}" type="presOf" srcId="{6F5C0FBA-99AC-4ED5-B18B-5B546445A2DC}" destId="{B0779C41-24E5-4E0F-8152-72A55BB35CBE}" srcOrd="0" destOrd="1" presId="urn:microsoft.com/office/officeart/2018/2/layout/IconVerticalSolidList"/>
-    <dgm:cxn modelId="{A470DA91-9287-417D-B0C1-313A7D798D4A}" srcId="{A34A2503-0032-4A42-B0E4-A44745078171}" destId="{C120C136-D8A5-47C6-9E66-FE288A7EE6E7}" srcOrd="5" destOrd="0" parTransId="{8DDD5C5E-5609-4CCC-ADD4-757CB1A4346F}" sibTransId="{2902AC67-628F-486F-909C-8F9EACF93975}"/>
-    <dgm:cxn modelId="{9DD88C93-CBBA-4DA0-8359-EAE226B46AD9}" type="presOf" srcId="{C120C136-D8A5-47C6-9E66-FE288A7EE6E7}" destId="{B984CF20-68B7-4121-BF09-C24325D8E96D}" srcOrd="0" destOrd="0" presId="urn:microsoft.com/office/officeart/2018/2/layout/IconVerticalSolidList"/>
-    <dgm:cxn modelId="{81C122A1-0414-4A34-B25D-98D16FF6CD01}" type="presOf" srcId="{EBC92128-F30B-466D-AF48-DF9867A1FCDF}" destId="{2BFEC139-5925-424C-A1D7-0C1806988DF1}" srcOrd="0" destOrd="0" presId="urn:microsoft.com/office/officeart/2018/2/layout/IconVerticalSolidList"/>
-    <dgm:cxn modelId="{0CCF32A2-BB12-4671-B743-A44E41DC7B7F}" type="presOf" srcId="{F88E8CC2-DF04-41C6-94CB-BB5C51F559AC}" destId="{71E1E56B-A287-4DE4-9EC4-9729B6FF9A8D}" srcOrd="0" destOrd="0" presId="urn:microsoft.com/office/officeart/2018/2/layout/IconVerticalSolidList"/>
-    <dgm:cxn modelId="{2DF61EAC-C5FC-40DD-97FE-2DD5B2798846}" srcId="{46DABB96-35A6-4B3B-86FE-02916B06A642}" destId="{F29A42CD-8C7D-4619-898E-134331169645}" srcOrd="1" destOrd="0" parTransId="{8F0CC5E2-D0EF-41EA-818E-306E8BCCFB2D}" sibTransId="{F99E9074-AFE2-485D-ACAF-E70BB125FE17}"/>
-    <dgm:cxn modelId="{A55E10AF-5071-4FA4-A6D7-724F45C1F417}" type="presOf" srcId="{FFA1C8FE-B7FE-420C-BD28-A42D19D9BB39}" destId="{A5A956A7-8651-45D5-AFEA-3368B8E09B06}" srcOrd="0" destOrd="0" presId="urn:microsoft.com/office/officeart/2018/2/layout/IconVerticalSolidList"/>
-    <dgm:cxn modelId="{BB3E31B5-D8C3-429E-A914-BBDA6A7E7A0F}" srcId="{D09A37F3-19A8-44FB-B017-3F166ADD4CBB}" destId="{FFA1C8FE-B7FE-420C-BD28-A42D19D9BB39}" srcOrd="0" destOrd="0" parTransId="{6523D7F0-A405-4308-BC2F-6D33D041370A}" sibTransId="{4F6B4F42-7046-45E5-B468-9F9F83A3C01D}"/>
-    <dgm:cxn modelId="{252EF1BB-4A65-49DD-B935-BB8ABC0E64CF}" srcId="{A34A2503-0032-4A42-B0E4-A44745078171}" destId="{D09A37F3-19A8-44FB-B017-3F166ADD4CBB}" srcOrd="1" destOrd="0" parTransId="{5D7A95AE-27D1-4353-87A9-F4F7DFF31C83}" sibTransId="{31434103-B30B-4B84-9E2B-9275FFBAEC91}"/>
-    <dgm:cxn modelId="{BE915EBC-9CE4-4D8B-8C26-738859975325}" srcId="{4FDF82FB-EF6E-4917-B9D6-E84C679CC6F1}" destId="{6FB699D2-A421-49C0-9CFE-DD13A3CA4FD3}" srcOrd="0" destOrd="0" parTransId="{875268E8-C8EC-4B66-B39E-A4788A1A856B}" sibTransId="{EB2856CB-6F67-49C5-8FC1-7D54415F618A}"/>
-    <dgm:cxn modelId="{B7EEC8BC-80DC-4FCF-A86E-052FFD5C4332}" type="presOf" srcId="{4FDF82FB-EF6E-4917-B9D6-E84C679CC6F1}" destId="{F8216228-1604-4BC3-8175-A79DBDAE57C4}" srcOrd="0" destOrd="0" presId="urn:microsoft.com/office/officeart/2018/2/layout/IconVerticalSolidList"/>
-    <dgm:cxn modelId="{4A7D00C9-1F4B-4C0A-8B28-149254F56345}" type="presOf" srcId="{D7FE377D-C27A-4DFB-A662-C2AAB38E4DE2}" destId="{7A3223C3-3B62-4569-9F3B-1296DFF3A6D6}" srcOrd="0" destOrd="1" presId="urn:microsoft.com/office/officeart/2018/2/layout/IconVerticalSolidList"/>
-    <dgm:cxn modelId="{CD38C9C9-F502-480B-853B-BD56204E79A2}" type="presOf" srcId="{A34A2503-0032-4A42-B0E4-A44745078171}" destId="{C587CE67-0FE7-4791-B5A2-3485DEE27C80}" srcOrd="0" destOrd="0" presId="urn:microsoft.com/office/officeart/2018/2/layout/IconVerticalSolidList"/>
-    <dgm:cxn modelId="{660485DA-51F8-44B0-91ED-0F8B2A7FD8D5}" srcId="{A34A2503-0032-4A42-B0E4-A44745078171}" destId="{4FDF82FB-EF6E-4917-B9D6-E84C679CC6F1}" srcOrd="0" destOrd="0" parTransId="{D86FE39A-FCB8-4863-9C91-4873CC81F497}" sibTransId="{8D378DF7-04E9-4756-BBEB-658CF9D9DA10}"/>
-    <dgm:cxn modelId="{1E0FC6ED-50F8-421D-9A60-4B69A14F7799}" type="presOf" srcId="{D09A37F3-19A8-44FB-B017-3F166ADD4CBB}" destId="{D656D18D-5771-42AE-8601-44895FE34204}" srcOrd="0" destOrd="0" presId="urn:microsoft.com/office/officeart/2018/2/layout/IconVerticalSolidList"/>
-    <dgm:cxn modelId="{A0950FFA-6198-429B-8C51-E17226794BB9}" type="presOf" srcId="{C48A93F4-EEE0-4FF3-8A36-E320BE3C580E}" destId="{B33D5DF6-743D-4FFF-950B-8F78F71FA939}" srcOrd="0" destOrd="0" presId="urn:microsoft.com/office/officeart/2018/2/layout/IconVerticalSolidList"/>
-    <dgm:cxn modelId="{9FC26CAD-20F1-4331-A28F-454650938F0D}" type="presParOf" srcId="{C587CE67-0FE7-4791-B5A2-3485DEE27C80}" destId="{03A417E0-E4C0-4B04-B068-54E228F68BAA}" srcOrd="0" destOrd="0" presId="urn:microsoft.com/office/officeart/2018/2/layout/IconVerticalSolidList"/>
-    <dgm:cxn modelId="{9FC2EF74-35B8-4EB7-AC6F-A11EAA789061}" type="presParOf" srcId="{03A417E0-E4C0-4B04-B068-54E228F68BAA}" destId="{5C853D68-55BA-451F-B5CF-669F6EFEE2BF}" srcOrd="0" destOrd="0" presId="urn:microsoft.com/office/officeart/2018/2/layout/IconVerticalSolidList"/>
-    <dgm:cxn modelId="{EE4FDAD8-79CF-4190-8AE3-655DF35CFC2C}" type="presParOf" srcId="{03A417E0-E4C0-4B04-B068-54E228F68BAA}" destId="{D6E84A69-A8ED-412B-8DD3-D33D948BA298}" srcOrd="1" destOrd="0" presId="urn:microsoft.com/office/officeart/2018/2/layout/IconVerticalSolidList"/>
-    <dgm:cxn modelId="{12C30848-B6C3-43F2-843E-BE694E3B606D}" type="presParOf" srcId="{03A417E0-E4C0-4B04-B068-54E228F68BAA}" destId="{8EEC1D78-B8D2-498C-B7D1-3FF592FB9163}" srcOrd="2" destOrd="0" presId="urn:microsoft.com/office/officeart/2018/2/layout/IconVerticalSolidList"/>
-    <dgm:cxn modelId="{D32F165A-E618-4273-8A78-A17D3FB18DF2}" type="presParOf" srcId="{03A417E0-E4C0-4B04-B068-54E228F68BAA}" destId="{F8216228-1604-4BC3-8175-A79DBDAE57C4}" srcOrd="3" destOrd="0" presId="urn:microsoft.com/office/officeart/2018/2/layout/IconVerticalSolidList"/>
-    <dgm:cxn modelId="{E8C02653-0E61-449C-8F7E-20D2F851EE79}" type="presParOf" srcId="{03A417E0-E4C0-4B04-B068-54E228F68BAA}" destId="{7A3223C3-3B62-4569-9F3B-1296DFF3A6D6}" srcOrd="4" destOrd="0" presId="urn:microsoft.com/office/officeart/2018/2/layout/IconVerticalSolidList"/>
-    <dgm:cxn modelId="{E94CBFDA-1CB9-40A2-9A7B-A935903EC83D}" type="presParOf" srcId="{C587CE67-0FE7-4791-B5A2-3485DEE27C80}" destId="{664D03B4-3A76-4146-B488-FCEDCE649AC1}" srcOrd="1" destOrd="0" presId="urn:microsoft.com/office/officeart/2018/2/layout/IconVerticalSolidList"/>
-    <dgm:cxn modelId="{6C2851F0-6822-494D-8AF8-D9EE74FDC7F9}" type="presParOf" srcId="{C587CE67-0FE7-4791-B5A2-3485DEE27C80}" destId="{9B0EF294-44E0-4171-BABC-252F57CDAB86}" srcOrd="2" destOrd="0" presId="urn:microsoft.com/office/officeart/2018/2/layout/IconVerticalSolidList"/>
-    <dgm:cxn modelId="{4AF06D30-E802-4CA2-985F-947791568E2B}" type="presParOf" srcId="{9B0EF294-44E0-4171-BABC-252F57CDAB86}" destId="{AC1B99C6-56A8-451F-85E4-DEE2E6D117CC}" srcOrd="0" destOrd="0" presId="urn:microsoft.com/office/officeart/2018/2/layout/IconVerticalSolidList"/>
-    <dgm:cxn modelId="{EC68D1F0-3F47-4134-A22A-47DB0A08B536}" type="presParOf" srcId="{9B0EF294-44E0-4171-BABC-252F57CDAB86}" destId="{55164E89-F8AB-4A77-A05C-3B05C91ABF52}" srcOrd="1" destOrd="0" presId="urn:microsoft.com/office/officeart/2018/2/layout/IconVerticalSolidList"/>
-    <dgm:cxn modelId="{513634E3-D2FB-4914-871A-3CDCA107D8E2}" type="presParOf" srcId="{9B0EF294-44E0-4171-BABC-252F57CDAB86}" destId="{96AAE3C4-C70C-43B2-9CFA-174002D67E15}" srcOrd="2" destOrd="0" presId="urn:microsoft.com/office/officeart/2018/2/layout/IconVerticalSolidList"/>
-    <dgm:cxn modelId="{10F6D1A1-1B93-4F4E-8189-0AB092448AAE}" type="presParOf" srcId="{9B0EF294-44E0-4171-BABC-252F57CDAB86}" destId="{D656D18D-5771-42AE-8601-44895FE34204}" srcOrd="3" destOrd="0" presId="urn:microsoft.com/office/officeart/2018/2/layout/IconVerticalSolidList"/>
-    <dgm:cxn modelId="{98EB7726-73C6-4825-9B94-06186623B0F6}" type="presParOf" srcId="{9B0EF294-44E0-4171-BABC-252F57CDAB86}" destId="{A5A956A7-8651-45D5-AFEA-3368B8E09B06}" srcOrd="4" destOrd="0" presId="urn:microsoft.com/office/officeart/2018/2/layout/IconVerticalSolidList"/>
-    <dgm:cxn modelId="{A5B5CE2E-176D-4DBD-8FF1-4E793DF0FE6A}" type="presParOf" srcId="{C587CE67-0FE7-4791-B5A2-3485DEE27C80}" destId="{51F456AF-E287-4063-B759-A76D038896AF}" srcOrd="3" destOrd="0" presId="urn:microsoft.com/office/officeart/2018/2/layout/IconVerticalSolidList"/>
-    <dgm:cxn modelId="{94C3A9C8-21AD-48B0-9B16-9EDD90A8EEE4}" type="presParOf" srcId="{C587CE67-0FE7-4791-B5A2-3485DEE27C80}" destId="{8C461C1D-88F0-455F-8BB0-6EF6447F5487}" srcOrd="4" destOrd="0" presId="urn:microsoft.com/office/officeart/2018/2/layout/IconVerticalSolidList"/>
-    <dgm:cxn modelId="{E69A4AD2-F25E-4CB2-8D6D-FF0C4719AE4A}" type="presParOf" srcId="{8C461C1D-88F0-455F-8BB0-6EF6447F5487}" destId="{B45E00EF-F466-48B7-850B-73028796331E}" srcOrd="0" destOrd="0" presId="urn:microsoft.com/office/officeart/2018/2/layout/IconVerticalSolidList"/>
-    <dgm:cxn modelId="{4954DDAE-3BB9-4707-8743-7A66F425EF61}" type="presParOf" srcId="{8C461C1D-88F0-455F-8BB0-6EF6447F5487}" destId="{2EAFCD93-72DD-43C5-A2D7-C6410A2F1529}" srcOrd="1" destOrd="0" presId="urn:microsoft.com/office/officeart/2018/2/layout/IconVerticalSolidList"/>
-    <dgm:cxn modelId="{E2753EC8-6F5F-413B-8030-9D8811FC18E9}" type="presParOf" srcId="{8C461C1D-88F0-455F-8BB0-6EF6447F5487}" destId="{8B67AD10-B4C9-4BF8-8EA5-74C2E5FBABD6}" srcOrd="2" destOrd="0" presId="urn:microsoft.com/office/officeart/2018/2/layout/IconVerticalSolidList"/>
-    <dgm:cxn modelId="{A592415B-7B06-48D0-A500-56D3D6570AAA}" type="presParOf" srcId="{8C461C1D-88F0-455F-8BB0-6EF6447F5487}" destId="{E70D92EC-7C5E-4C77-8D8A-BDB0E44E2D1F}" srcOrd="3" destOrd="0" presId="urn:microsoft.com/office/officeart/2018/2/layout/IconVerticalSolidList"/>
-    <dgm:cxn modelId="{31BED4AF-FFC2-4C5B-96B2-B6D55E87BF8E}" type="presParOf" srcId="{8C461C1D-88F0-455F-8BB0-6EF6447F5487}" destId="{B0779C41-24E5-4E0F-8152-72A55BB35CBE}" srcOrd="4" destOrd="0" presId="urn:microsoft.com/office/officeart/2018/2/layout/IconVerticalSolidList"/>
-    <dgm:cxn modelId="{EC77DF24-6E9F-4577-BBD0-9BED4B08DE37}" type="presParOf" srcId="{C587CE67-0FE7-4791-B5A2-3485DEE27C80}" destId="{5139FD7F-DFEB-4CC1-A478-5D02714865FD}" srcOrd="5" destOrd="0" presId="urn:microsoft.com/office/officeart/2018/2/layout/IconVerticalSolidList"/>
-    <dgm:cxn modelId="{D32D03C1-A799-40F3-92F4-468FC050D6C3}" type="presParOf" srcId="{C587CE67-0FE7-4791-B5A2-3485DEE27C80}" destId="{DFE56961-77E2-4382-9112-C16F52E081CD}" srcOrd="6" destOrd="0" presId="urn:microsoft.com/office/officeart/2018/2/layout/IconVerticalSolidList"/>
-    <dgm:cxn modelId="{4BC3DDD0-255B-475C-8C67-E16D97F300C7}" type="presParOf" srcId="{DFE56961-77E2-4382-9112-C16F52E081CD}" destId="{A7945F13-0DCA-4644-BC60-E63FD09A8279}" srcOrd="0" destOrd="0" presId="urn:microsoft.com/office/officeart/2018/2/layout/IconVerticalSolidList"/>
-    <dgm:cxn modelId="{FB0D8434-5C3A-4E1B-BB13-1E321A5254C5}" type="presParOf" srcId="{DFE56961-77E2-4382-9112-C16F52E081CD}" destId="{17A54687-E27A-41D6-9369-1A62CF68F5EC}" srcOrd="1" destOrd="0" presId="urn:microsoft.com/office/officeart/2018/2/layout/IconVerticalSolidList"/>
-    <dgm:cxn modelId="{522781A4-C4D3-4C06-9400-8B23A31D8896}" type="presParOf" srcId="{DFE56961-77E2-4382-9112-C16F52E081CD}" destId="{9AF7737A-5C50-4D37-ABFE-B15DF8101BC4}" srcOrd="2" destOrd="0" presId="urn:microsoft.com/office/officeart/2018/2/layout/IconVerticalSolidList"/>
-    <dgm:cxn modelId="{65DFC11C-B073-461B-A7F6-6EEB21DC4CAD}" type="presParOf" srcId="{DFE56961-77E2-4382-9112-C16F52E081CD}" destId="{0102C000-9C7A-41C3-A0FB-A3872D69AAA8}" srcOrd="3" destOrd="0" presId="urn:microsoft.com/office/officeart/2018/2/layout/IconVerticalSolidList"/>
-    <dgm:cxn modelId="{9BB47DCD-44B9-4617-BAD9-BA9E34AD646E}" type="presParOf" srcId="{DFE56961-77E2-4382-9112-C16F52E081CD}" destId="{5C5FE59F-92A1-4935-89F9-16FC907CB63A}" srcOrd="4" destOrd="0" presId="urn:microsoft.com/office/officeart/2018/2/layout/IconVerticalSolidList"/>
-    <dgm:cxn modelId="{CD9EF199-E0CC-4E93-AF3B-F6782BF34064}" type="presParOf" srcId="{C587CE67-0FE7-4791-B5A2-3485DEE27C80}" destId="{74B001FB-F198-4BBB-9A11-6F8A2725599E}" srcOrd="7" destOrd="0" presId="urn:microsoft.com/office/officeart/2018/2/layout/IconVerticalSolidList"/>
-    <dgm:cxn modelId="{8E8701C1-A931-4FD4-856A-E26F84BE50FE}" type="presParOf" srcId="{C587CE67-0FE7-4791-B5A2-3485DEE27C80}" destId="{9AC04014-BEF3-4D8A-BF3B-21A313C354F4}" srcOrd="8" destOrd="0" presId="urn:microsoft.com/office/officeart/2018/2/layout/IconVerticalSolidList"/>
-    <dgm:cxn modelId="{317C639E-1607-48FF-B450-0B3D8BE46743}" type="presParOf" srcId="{9AC04014-BEF3-4D8A-BF3B-21A313C354F4}" destId="{BD60EF17-82E9-465B-B11C-FE2BA2F17C5A}" srcOrd="0" destOrd="0" presId="urn:microsoft.com/office/officeart/2018/2/layout/IconVerticalSolidList"/>
-    <dgm:cxn modelId="{4384E4E9-F245-4B1F-911D-102FEDD6F176}" type="presParOf" srcId="{9AC04014-BEF3-4D8A-BF3B-21A313C354F4}" destId="{E4F6D5A7-31C2-4724-91D8-E51D492A5A4D}" srcOrd="1" destOrd="0" presId="urn:microsoft.com/office/officeart/2018/2/layout/IconVerticalSolidList"/>
-    <dgm:cxn modelId="{4B5B77AA-1A0E-4B56-9D65-D8C747D28EE3}" type="presParOf" srcId="{9AC04014-BEF3-4D8A-BF3B-21A313C354F4}" destId="{FDEF2211-A29D-4FA6-A69C-A3B1E9F96832}" srcOrd="2" destOrd="0" presId="urn:microsoft.com/office/officeart/2018/2/layout/IconVerticalSolidList"/>
-    <dgm:cxn modelId="{C2A99E69-ABAF-48D0-B4C9-E9A461D160B5}" type="presParOf" srcId="{9AC04014-BEF3-4D8A-BF3B-21A313C354F4}" destId="{71E1E56B-A287-4DE4-9EC4-9729B6FF9A8D}" srcOrd="3" destOrd="0" presId="urn:microsoft.com/office/officeart/2018/2/layout/IconVerticalSolidList"/>
-    <dgm:cxn modelId="{BCD14A99-BB5D-4D3A-9AA0-FB9693F347D4}" type="presParOf" srcId="{9AC04014-BEF3-4D8A-BF3B-21A313C354F4}" destId="{B33D5DF6-743D-4FFF-950B-8F78F71FA939}" srcOrd="4" destOrd="0" presId="urn:microsoft.com/office/officeart/2018/2/layout/IconVerticalSolidList"/>
-    <dgm:cxn modelId="{A69FAE0C-7FFE-496B-A8E0-C1ED1666AAEE}" type="presParOf" srcId="{C587CE67-0FE7-4791-B5A2-3485DEE27C80}" destId="{800112F4-8A2E-4A93-A357-2C270223CDB7}" srcOrd="9" destOrd="0" presId="urn:microsoft.com/office/officeart/2018/2/layout/IconVerticalSolidList"/>
-    <dgm:cxn modelId="{212DAC9D-4717-484C-ACE2-254C9B9862CE}" type="presParOf" srcId="{C587CE67-0FE7-4791-B5A2-3485DEE27C80}" destId="{AF923245-C92D-48DA-AA95-AAAC47B92D54}" srcOrd="10" destOrd="0" presId="urn:microsoft.com/office/officeart/2018/2/layout/IconVerticalSolidList"/>
-    <dgm:cxn modelId="{2AEFFF7E-55CE-4515-A488-EACC5446A871}" type="presParOf" srcId="{AF923245-C92D-48DA-AA95-AAAC47B92D54}" destId="{40D68D60-78A9-4BE0-9705-07B726BB68B0}" srcOrd="0" destOrd="0" presId="urn:microsoft.com/office/officeart/2018/2/layout/IconVerticalSolidList"/>
-    <dgm:cxn modelId="{80750EA6-80FE-4C3F-BAA8-CC54E0842B92}" type="presParOf" srcId="{AF923245-C92D-48DA-AA95-AAAC47B92D54}" destId="{FD312580-A5B8-44CE-9545-6EC7FB4B5972}" srcOrd="1" destOrd="0" presId="urn:microsoft.com/office/officeart/2018/2/layout/IconVerticalSolidList"/>
-    <dgm:cxn modelId="{A50AFE81-1BEF-4462-8746-605540ECF155}" type="presParOf" srcId="{AF923245-C92D-48DA-AA95-AAAC47B92D54}" destId="{32357E46-0321-4650-9D72-20ECB203B150}" srcOrd="2" destOrd="0" presId="urn:microsoft.com/office/officeart/2018/2/layout/IconVerticalSolidList"/>
-    <dgm:cxn modelId="{0C47B21B-0336-4A96-9D77-FA45F1BA5268}" type="presParOf" srcId="{AF923245-C92D-48DA-AA95-AAAC47B92D54}" destId="{B984CF20-68B7-4121-BF09-C24325D8E96D}" srcOrd="3" destOrd="0" presId="urn:microsoft.com/office/officeart/2018/2/layout/IconVerticalSolidList"/>
-    <dgm:cxn modelId="{2E700864-3A50-4BEB-97D1-FCF0BBC9DA53}" type="presParOf" srcId="{AF923245-C92D-48DA-AA95-AAAC47B92D54}" destId="{2BFEC139-5925-424C-A1D7-0C1806988DF1}" srcOrd="4" destOrd="0" presId="urn:microsoft.com/office/officeart/2018/2/layout/IconVerticalSolidList"/>
-  </dgm:cxnLst>
-  <dgm:bg/>
-  <dgm:whole/>
-  <dgm:extLst>
-    <a:ext uri="http://schemas.microsoft.com/office/drawing/2008/diagram">
-      <dsp:dataModelExt xmlns:dsp="http://schemas.microsoft.com/office/drawing/2008/diagram" relId="rId6" minVer="http://schemas.openxmlformats.org/drawingml/2006/diagram"/>
-    </a:ext>
-  </dgm:extLst>
-</dgm:dataModel>
-</file>
-
-<file path=ppt/diagrams/drawing1.xml><?xml version="1.0" encoding="utf-8"?>
-<dsp:drawing xmlns:dgm="http://schemas.openxmlformats.org/drawingml/2006/diagram" xmlns:dsp="http://schemas.microsoft.com/office/drawing/2008/diagram" xmlns:a="http://schemas.openxmlformats.org/drawingml/2006/main">
-  <dsp:spTree>
-    <dsp:nvGrpSpPr>
-      <dsp:cNvPr id="0" name=""/>
-      <dsp:cNvGrpSpPr/>
-    </dsp:nvGrpSpPr>
-    <dsp:grpSpPr/>
-    <dsp:sp modelId="{5C853D68-55BA-451F-B5CF-669F6EFEE2BF}">
-      <dsp:nvSpPr>
-        <dsp:cNvPr id="0" name=""/>
-        <dsp:cNvSpPr/>
-      </dsp:nvSpPr>
-      <dsp:spPr>
-        <a:xfrm>
-          <a:off x="0" y="1216"/>
-          <a:ext cx="10058399" cy="518393"/>
-        </a:xfrm>
-        <a:prstGeom prst="roundRect">
-          <a:avLst>
-            <a:gd name="adj" fmla="val 10000"/>
-          </a:avLst>
-        </a:prstGeom>
-        <a:solidFill>
-          <a:schemeClr val="accent2">
-            <a:tint val="40000"/>
-            <a:hueOff val="0"/>
-            <a:satOff val="0"/>
-            <a:lumOff val="0"/>
-            <a:alphaOff val="0"/>
-          </a:schemeClr>
-        </a:solidFill>
-        <a:ln>
-          <a:noFill/>
-        </a:ln>
-        <a:effectLst/>
-      </dsp:spPr>
-      <dsp:style>
-        <a:lnRef idx="0">
-          <a:scrgbClr r="0" g="0" b="0"/>
-        </a:lnRef>
-        <a:fillRef idx="1">
-          <a:scrgbClr r="0" g="0" b="0"/>
-        </a:fillRef>
-        <a:effectRef idx="0">
-          <a:scrgbClr r="0" g="0" b="0"/>
-        </a:effectRef>
-        <a:fontRef idx="minor"/>
-      </dsp:style>
-    </dsp:sp>
-    <dsp:sp modelId="{D6E84A69-A8ED-412B-8DD3-D33D948BA298}">
-      <dsp:nvSpPr>
-        <dsp:cNvPr id="0" name=""/>
-        <dsp:cNvSpPr/>
-      </dsp:nvSpPr>
-      <dsp:spPr>
-        <a:xfrm>
-          <a:off x="156814" y="117855"/>
-          <a:ext cx="285116" cy="285116"/>
-        </a:xfrm>
-        <a:prstGeom prst="rect">
-          <a:avLst/>
-        </a:prstGeom>
-        <a:blipFill>
-          <a:blip xmlns:r="http://schemas.openxmlformats.org/officeDocument/2006/relationships" r:embed="rId1">
-            <a:extLst>
-              <a:ext uri="{28A0092B-C50C-407E-A947-70E740481C1C}">
-                <a14:useLocalDpi xmlns:a14="http://schemas.microsoft.com/office/drawing/2010/main" val="0"/>
-              </a:ext>
-              <a:ext uri="{96DAC541-7B7A-43D3-8B79-37D633B846F1}">
-                <asvg:svgBlip xmlns:asvg="http://schemas.microsoft.com/office/drawing/2016/SVG/main" r:embed="rId2"/>
-              </a:ext>
-            </a:extLst>
-          </a:blip>
-          <a:stretch>
-            <a:fillRect/>
-          </a:stretch>
-        </a:blipFill>
-        <a:ln w="15875" cap="flat" cmpd="sng" algn="ctr">
-          <a:noFill/>
-          <a:prstDash val="solid"/>
-        </a:ln>
-        <a:effectLst/>
-      </dsp:spPr>
-      <dsp:style>
-        <a:lnRef idx="2">
-          <a:scrgbClr r="0" g="0" b="0"/>
-        </a:lnRef>
-        <a:fillRef idx="1">
-          <a:scrgbClr r="0" g="0" b="0"/>
-        </a:fillRef>
-        <a:effectRef idx="0">
-          <a:scrgbClr r="0" g="0" b="0"/>
-        </a:effectRef>
-        <a:fontRef idx="minor">
-          <a:schemeClr val="lt1"/>
-        </a:fontRef>
-      </dsp:style>
-    </dsp:sp>
-    <dsp:sp modelId="{F8216228-1604-4BC3-8175-A79DBDAE57C4}">
-      <dsp:nvSpPr>
-        <dsp:cNvPr id="0" name=""/>
-        <dsp:cNvSpPr/>
-      </dsp:nvSpPr>
-      <dsp:spPr>
-        <a:xfrm>
-          <a:off x="598744" y="1216"/>
-          <a:ext cx="4526280" cy="518393"/>
-        </a:xfrm>
-        <a:prstGeom prst="rect">
-          <a:avLst/>
-        </a:prstGeom>
-        <a:noFill/>
-        <a:ln>
-          <a:noFill/>
-        </a:ln>
-        <a:effectLst/>
-      </dsp:spPr>
-      <dsp:style>
-        <a:lnRef idx="0">
-          <a:scrgbClr r="0" g="0" b="0"/>
-        </a:lnRef>
-        <a:fillRef idx="0">
-          <a:scrgbClr r="0" g="0" b="0"/>
-        </a:fillRef>
-        <a:effectRef idx="0">
-          <a:scrgbClr r="0" g="0" b="0"/>
-        </a:effectRef>
-        <a:fontRef idx="minor"/>
-      </dsp:style>
-      <dsp:txBody>
-        <a:bodyPr spcFirstLastPara="0" vert="horz" wrap="square" lIns="54863" tIns="54863" rIns="54863" bIns="54863" numCol="1" spcCol="1270" anchor="ctr" anchorCtr="0">
-          <a:noAutofit/>
-        </a:bodyPr>
-        <a:lstStyle/>
-        <a:p>
-          <a:pPr marL="0" lvl="0" indent="0" algn="l" defTabSz="844550">
-            <a:lnSpc>
-              <a:spcPct val="100000"/>
-            </a:lnSpc>
-            <a:spcBef>
-              <a:spcPct val="0"/>
-            </a:spcBef>
-            <a:spcAft>
-              <a:spcPct val="35000"/>
-            </a:spcAft>
-            <a:buNone/>
-          </a:pPr>
-          <a:r>
-            <a:rPr lang="en-US" sz="1900" kern="1200"/>
-            <a:t>Median Household Income</a:t>
-          </a:r>
-        </a:p>
-      </dsp:txBody>
-      <dsp:txXfrm>
-        <a:off x="598744" y="1216"/>
-        <a:ext cx="4526280" cy="518393"/>
-      </dsp:txXfrm>
-    </dsp:sp>
-    <dsp:sp modelId="{7A3223C3-3B62-4569-9F3B-1296DFF3A6D6}">
-      <dsp:nvSpPr>
-        <dsp:cNvPr id="0" name=""/>
-        <dsp:cNvSpPr/>
-      </dsp:nvSpPr>
-      <dsp:spPr>
-        <a:xfrm>
-          <a:off x="5125024" y="1216"/>
-          <a:ext cx="4933375" cy="518393"/>
-        </a:xfrm>
-        <a:prstGeom prst="rect">
-          <a:avLst/>
-        </a:prstGeom>
-        <a:noFill/>
-        <a:ln>
-          <a:noFill/>
-        </a:ln>
-        <a:effectLst/>
-      </dsp:spPr>
-      <dsp:style>
-        <a:lnRef idx="0">
-          <a:scrgbClr r="0" g="0" b="0"/>
-        </a:lnRef>
-        <a:fillRef idx="0">
-          <a:scrgbClr r="0" g="0" b="0"/>
-        </a:fillRef>
-        <a:effectRef idx="0">
-          <a:scrgbClr r="0" g="0" b="0"/>
-        </a:effectRef>
-        <a:fontRef idx="minor"/>
-      </dsp:style>
-      <dsp:txBody>
-        <a:bodyPr spcFirstLastPara="0" vert="horz" wrap="square" lIns="54863" tIns="54863" rIns="54863" bIns="54863" numCol="1" spcCol="1270" anchor="ctr" anchorCtr="0">
-          <a:noAutofit/>
-        </a:bodyPr>
-        <a:lstStyle/>
-        <a:p>
-          <a:pPr marL="0" lvl="0" indent="0" algn="l" defTabSz="533400">
-            <a:lnSpc>
-              <a:spcPct val="100000"/>
-            </a:lnSpc>
-            <a:spcBef>
-              <a:spcPct val="0"/>
-            </a:spcBef>
-            <a:spcAft>
-              <a:spcPct val="35000"/>
-            </a:spcAft>
-            <a:buNone/>
-          </a:pPr>
-          <a:r>
-            <a:rPr lang="en-US" sz="1200" kern="1200" dirty="0"/>
-            <a:t>Positive correlation</a:t>
-          </a:r>
-        </a:p>
-        <a:p>
-          <a:pPr marL="0" lvl="0" indent="0" algn="l" defTabSz="533400">
-            <a:lnSpc>
-              <a:spcPct val="100000"/>
-            </a:lnSpc>
-            <a:spcBef>
-              <a:spcPct val="0"/>
-            </a:spcBef>
-            <a:spcAft>
-              <a:spcPct val="35000"/>
-            </a:spcAft>
-            <a:buNone/>
-          </a:pPr>
-          <a:r>
-            <a:rPr lang="en-US" sz="1200" kern="1200" dirty="0"/>
-            <a:t>Positive correlation</a:t>
-          </a:r>
-        </a:p>
-      </dsp:txBody>
-      <dsp:txXfrm>
-        <a:off x="5125024" y="1216"/>
-        <a:ext cx="4933375" cy="518393"/>
-      </dsp:txXfrm>
-    </dsp:sp>
-    <dsp:sp modelId="{AC1B99C6-56A8-451F-85E4-DEE2E6D117CC}">
-      <dsp:nvSpPr>
-        <dsp:cNvPr id="0" name=""/>
-        <dsp:cNvSpPr/>
-      </dsp:nvSpPr>
-      <dsp:spPr>
-        <a:xfrm>
-          <a:off x="0" y="649208"/>
-          <a:ext cx="10058399" cy="518393"/>
-        </a:xfrm>
-        <a:prstGeom prst="roundRect">
-          <a:avLst>
-            <a:gd name="adj" fmla="val 10000"/>
-          </a:avLst>
-        </a:prstGeom>
-        <a:solidFill>
-          <a:schemeClr val="accent2">
-            <a:tint val="40000"/>
-            <a:hueOff val="0"/>
-            <a:satOff val="0"/>
-            <a:lumOff val="0"/>
-            <a:alphaOff val="0"/>
-          </a:schemeClr>
-        </a:solidFill>
-        <a:ln>
-          <a:noFill/>
-        </a:ln>
-        <a:effectLst/>
-      </dsp:spPr>
-      <dsp:style>
-        <a:lnRef idx="0">
-          <a:scrgbClr r="0" g="0" b="0"/>
-        </a:lnRef>
-        <a:fillRef idx="1">
-          <a:scrgbClr r="0" g="0" b="0"/>
-        </a:fillRef>
-        <a:effectRef idx="0">
-          <a:scrgbClr r="0" g="0" b="0"/>
-        </a:effectRef>
-        <a:fontRef idx="minor"/>
-      </dsp:style>
-    </dsp:sp>
-    <dsp:sp modelId="{55164E89-F8AB-4A77-A05C-3B05C91ABF52}">
-      <dsp:nvSpPr>
-        <dsp:cNvPr id="0" name=""/>
-        <dsp:cNvSpPr/>
-      </dsp:nvSpPr>
-      <dsp:spPr>
-        <a:xfrm>
-          <a:off x="156814" y="765847"/>
-          <a:ext cx="285116" cy="285116"/>
-        </a:xfrm>
-        <a:prstGeom prst="rect">
-          <a:avLst/>
-        </a:prstGeom>
-        <a:blipFill>
-          <a:blip xmlns:r="http://schemas.openxmlformats.org/officeDocument/2006/relationships" r:embed="rId3">
-            <a:extLst>
-              <a:ext uri="{28A0092B-C50C-407E-A947-70E740481C1C}">
-                <a14:useLocalDpi xmlns:a14="http://schemas.microsoft.com/office/drawing/2010/main" val="0"/>
-              </a:ext>
-              <a:ext uri="{96DAC541-7B7A-43D3-8B79-37D633B846F1}">
-                <asvg:svgBlip xmlns:asvg="http://schemas.microsoft.com/office/drawing/2016/SVG/main" r:embed="rId4"/>
-              </a:ext>
-            </a:extLst>
-          </a:blip>
-          <a:stretch>
-            <a:fillRect/>
-          </a:stretch>
-        </a:blipFill>
-        <a:ln w="15875" cap="flat" cmpd="sng" algn="ctr">
-          <a:noFill/>
-          <a:prstDash val="solid"/>
-        </a:ln>
-        <a:effectLst/>
-      </dsp:spPr>
-      <dsp:style>
-        <a:lnRef idx="2">
-          <a:scrgbClr r="0" g="0" b="0"/>
-        </a:lnRef>
-        <a:fillRef idx="1">
-          <a:scrgbClr r="0" g="0" b="0"/>
-        </a:fillRef>
-        <a:effectRef idx="0">
-          <a:scrgbClr r="0" g="0" b="0"/>
-        </a:effectRef>
-        <a:fontRef idx="minor">
-          <a:schemeClr val="lt1"/>
-        </a:fontRef>
-      </dsp:style>
-    </dsp:sp>
-    <dsp:sp modelId="{D656D18D-5771-42AE-8601-44895FE34204}">
-      <dsp:nvSpPr>
-        <dsp:cNvPr id="0" name=""/>
-        <dsp:cNvSpPr/>
-      </dsp:nvSpPr>
-      <dsp:spPr>
-        <a:xfrm>
-          <a:off x="598744" y="649208"/>
-          <a:ext cx="4526280" cy="518393"/>
-        </a:xfrm>
-        <a:prstGeom prst="rect">
-          <a:avLst/>
-        </a:prstGeom>
-        <a:noFill/>
-        <a:ln>
-          <a:noFill/>
-        </a:ln>
-        <a:effectLst/>
-      </dsp:spPr>
-      <dsp:style>
-        <a:lnRef idx="0">
-          <a:scrgbClr r="0" g="0" b="0"/>
-        </a:lnRef>
-        <a:fillRef idx="0">
-          <a:scrgbClr r="0" g="0" b="0"/>
-        </a:fillRef>
-        <a:effectRef idx="0">
-          <a:scrgbClr r="0" g="0" b="0"/>
-        </a:effectRef>
-        <a:fontRef idx="minor"/>
-      </dsp:style>
-      <dsp:txBody>
-        <a:bodyPr spcFirstLastPara="0" vert="horz" wrap="square" lIns="54863" tIns="54863" rIns="54863" bIns="54863" numCol="1" spcCol="1270" anchor="ctr" anchorCtr="0">
-          <a:noAutofit/>
-        </a:bodyPr>
-        <a:lstStyle/>
-        <a:p>
-          <a:pPr marL="0" lvl="0" indent="0" algn="l" defTabSz="844550">
-            <a:lnSpc>
-              <a:spcPct val="100000"/>
-            </a:lnSpc>
-            <a:spcBef>
-              <a:spcPct val="0"/>
-            </a:spcBef>
-            <a:spcAft>
-              <a:spcPct val="35000"/>
-            </a:spcAft>
-            <a:buNone/>
-          </a:pPr>
-          <a:r>
-            <a:rPr lang="en-US" sz="1900" kern="1200"/>
-            <a:t>Population Density</a:t>
-          </a:r>
-        </a:p>
-      </dsp:txBody>
-      <dsp:txXfrm>
-        <a:off x="598744" y="649208"/>
-        <a:ext cx="4526280" cy="518393"/>
-      </dsp:txXfrm>
-    </dsp:sp>
-    <dsp:sp modelId="{A5A956A7-8651-45D5-AFEA-3368B8E09B06}">
-      <dsp:nvSpPr>
-        <dsp:cNvPr id="0" name=""/>
-        <dsp:cNvSpPr/>
-      </dsp:nvSpPr>
-      <dsp:spPr>
-        <a:xfrm>
-          <a:off x="5125024" y="649208"/>
-          <a:ext cx="4933375" cy="518393"/>
-        </a:xfrm>
-        <a:prstGeom prst="rect">
-          <a:avLst/>
-        </a:prstGeom>
-        <a:noFill/>
-        <a:ln>
-          <a:noFill/>
-        </a:ln>
-        <a:effectLst/>
-      </dsp:spPr>
-      <dsp:style>
-        <a:lnRef idx="0">
-          <a:scrgbClr r="0" g="0" b="0"/>
-        </a:lnRef>
-        <a:fillRef idx="0">
-          <a:scrgbClr r="0" g="0" b="0"/>
-        </a:fillRef>
-        <a:effectRef idx="0">
-          <a:scrgbClr r="0" g="0" b="0"/>
-        </a:effectRef>
-        <a:fontRef idx="minor"/>
-      </dsp:style>
-      <dsp:txBody>
-        <a:bodyPr spcFirstLastPara="0" vert="horz" wrap="square" lIns="54863" tIns="54863" rIns="54863" bIns="54863" numCol="1" spcCol="1270" anchor="ctr" anchorCtr="0">
-          <a:noAutofit/>
-        </a:bodyPr>
-        <a:lstStyle/>
-        <a:p>
-          <a:pPr marL="0" lvl="0" indent="0" algn="l" defTabSz="533400">
-            <a:lnSpc>
-              <a:spcPct val="100000"/>
-            </a:lnSpc>
-            <a:spcBef>
-              <a:spcPct val="0"/>
-            </a:spcBef>
-            <a:spcAft>
-              <a:spcPct val="35000"/>
-            </a:spcAft>
-            <a:buNone/>
-          </a:pPr>
-          <a:r>
-            <a:rPr lang="en-US" sz="1200" kern="1200" dirty="0"/>
-            <a:t>Negative correlation</a:t>
-          </a:r>
-        </a:p>
-        <a:p>
-          <a:pPr marL="0" lvl="0" indent="0" algn="l" defTabSz="533400">
-            <a:lnSpc>
-              <a:spcPct val="100000"/>
-            </a:lnSpc>
-            <a:spcBef>
-              <a:spcPct val="0"/>
-            </a:spcBef>
-            <a:spcAft>
-              <a:spcPct val="35000"/>
-            </a:spcAft>
-            <a:buNone/>
-          </a:pPr>
-          <a:r>
-            <a:rPr lang="en-US" sz="1200" kern="1200" dirty="0"/>
-            <a:t>No correlation</a:t>
-          </a:r>
-        </a:p>
-      </dsp:txBody>
-      <dsp:txXfrm>
-        <a:off x="5125024" y="649208"/>
-        <a:ext cx="4933375" cy="518393"/>
-      </dsp:txXfrm>
-    </dsp:sp>
-    <dsp:sp modelId="{B45E00EF-F466-48B7-850B-73028796331E}">
-      <dsp:nvSpPr>
-        <dsp:cNvPr id="0" name=""/>
-        <dsp:cNvSpPr/>
-      </dsp:nvSpPr>
-      <dsp:spPr>
-        <a:xfrm>
-          <a:off x="0" y="1297201"/>
-          <a:ext cx="10058399" cy="518393"/>
-        </a:xfrm>
-        <a:prstGeom prst="roundRect">
-          <a:avLst>
-            <a:gd name="adj" fmla="val 10000"/>
-          </a:avLst>
-        </a:prstGeom>
-        <a:solidFill>
-          <a:schemeClr val="accent2">
-            <a:tint val="40000"/>
-            <a:hueOff val="0"/>
-            <a:satOff val="0"/>
-            <a:lumOff val="0"/>
-            <a:alphaOff val="0"/>
-          </a:schemeClr>
-        </a:solidFill>
-        <a:ln>
-          <a:noFill/>
-        </a:ln>
-        <a:effectLst/>
-      </dsp:spPr>
-      <dsp:style>
-        <a:lnRef idx="0">
-          <a:scrgbClr r="0" g="0" b="0"/>
-        </a:lnRef>
-        <a:fillRef idx="1">
-          <a:scrgbClr r="0" g="0" b="0"/>
-        </a:fillRef>
-        <a:effectRef idx="0">
-          <a:scrgbClr r="0" g="0" b="0"/>
-        </a:effectRef>
-        <a:fontRef idx="minor"/>
-      </dsp:style>
-    </dsp:sp>
-    <dsp:sp modelId="{2EAFCD93-72DD-43C5-A2D7-C6410A2F1529}">
-      <dsp:nvSpPr>
-        <dsp:cNvPr id="0" name=""/>
-        <dsp:cNvSpPr/>
-      </dsp:nvSpPr>
-      <dsp:spPr>
-        <a:xfrm>
-          <a:off x="156814" y="1413839"/>
-          <a:ext cx="285116" cy="285116"/>
-        </a:xfrm>
-        <a:prstGeom prst="rect">
-          <a:avLst/>
-        </a:prstGeom>
-        <a:blipFill>
-          <a:blip xmlns:r="http://schemas.openxmlformats.org/officeDocument/2006/relationships" r:embed="rId5">
-            <a:extLst>
-              <a:ext uri="{28A0092B-C50C-407E-A947-70E740481C1C}">
-                <a14:useLocalDpi xmlns:a14="http://schemas.microsoft.com/office/drawing/2010/main" val="0"/>
-              </a:ext>
-              <a:ext uri="{96DAC541-7B7A-43D3-8B79-37D633B846F1}">
-                <asvg:svgBlip xmlns:asvg="http://schemas.microsoft.com/office/drawing/2016/SVG/main" r:embed="rId6"/>
-              </a:ext>
-            </a:extLst>
-          </a:blip>
-          <a:stretch>
-            <a:fillRect/>
-          </a:stretch>
-        </a:blipFill>
-        <a:ln w="15875" cap="flat" cmpd="sng" algn="ctr">
-          <a:noFill/>
-          <a:prstDash val="solid"/>
-        </a:ln>
-        <a:effectLst/>
-      </dsp:spPr>
-      <dsp:style>
-        <a:lnRef idx="2">
-          <a:scrgbClr r="0" g="0" b="0"/>
-        </a:lnRef>
-        <a:fillRef idx="1">
-          <a:scrgbClr r="0" g="0" b="0"/>
-        </a:fillRef>
-        <a:effectRef idx="0">
-          <a:scrgbClr r="0" g="0" b="0"/>
-        </a:effectRef>
-        <a:fontRef idx="minor">
-          <a:schemeClr val="lt1"/>
-        </a:fontRef>
-      </dsp:style>
-    </dsp:sp>
-    <dsp:sp modelId="{E70D92EC-7C5E-4C77-8D8A-BDB0E44E2D1F}">
-      <dsp:nvSpPr>
-        <dsp:cNvPr id="0" name=""/>
-        <dsp:cNvSpPr/>
-      </dsp:nvSpPr>
-      <dsp:spPr>
-        <a:xfrm>
-          <a:off x="598744" y="1297201"/>
-          <a:ext cx="4526280" cy="518393"/>
-        </a:xfrm>
-        <a:prstGeom prst="rect">
-          <a:avLst/>
-        </a:prstGeom>
-        <a:noFill/>
-        <a:ln>
-          <a:noFill/>
-        </a:ln>
-        <a:effectLst/>
-      </dsp:spPr>
-      <dsp:style>
-        <a:lnRef idx="0">
-          <a:scrgbClr r="0" g="0" b="0"/>
-        </a:lnRef>
-        <a:fillRef idx="0">
-          <a:scrgbClr r="0" g="0" b="0"/>
-        </a:fillRef>
-        <a:effectRef idx="0">
-          <a:scrgbClr r="0" g="0" b="0"/>
-        </a:effectRef>
-        <a:fontRef idx="minor"/>
-      </dsp:style>
-      <dsp:txBody>
-        <a:bodyPr spcFirstLastPara="0" vert="horz" wrap="square" lIns="54863" tIns="54863" rIns="54863" bIns="54863" numCol="1" spcCol="1270" anchor="ctr" anchorCtr="0">
-          <a:noAutofit/>
-        </a:bodyPr>
-        <a:lstStyle/>
-        <a:p>
-          <a:pPr marL="0" lvl="0" indent="0" algn="l" defTabSz="844550">
-            <a:lnSpc>
-              <a:spcPct val="100000"/>
-            </a:lnSpc>
-            <a:spcBef>
-              <a:spcPct val="0"/>
-            </a:spcBef>
-            <a:spcAft>
-              <a:spcPct val="35000"/>
-            </a:spcAft>
-            <a:buNone/>
-          </a:pPr>
-          <a:r>
-            <a:rPr lang="en-US" sz="1900" kern="1200" dirty="0"/>
-            <a:t>Number of Hospitals</a:t>
-          </a:r>
-        </a:p>
-      </dsp:txBody>
-      <dsp:txXfrm>
-        <a:off x="598744" y="1297201"/>
-        <a:ext cx="4526280" cy="518393"/>
-      </dsp:txXfrm>
-    </dsp:sp>
-    <dsp:sp modelId="{B0779C41-24E5-4E0F-8152-72A55BB35CBE}">
-      <dsp:nvSpPr>
-        <dsp:cNvPr id="0" name=""/>
-        <dsp:cNvSpPr/>
-      </dsp:nvSpPr>
-      <dsp:spPr>
-        <a:xfrm>
-          <a:off x="5125024" y="1297201"/>
-          <a:ext cx="4933375" cy="518393"/>
-        </a:xfrm>
-        <a:prstGeom prst="rect">
-          <a:avLst/>
-        </a:prstGeom>
-        <a:noFill/>
-        <a:ln>
-          <a:noFill/>
-        </a:ln>
-        <a:effectLst/>
-      </dsp:spPr>
-      <dsp:style>
-        <a:lnRef idx="0">
-          <a:scrgbClr r="0" g="0" b="0"/>
-        </a:lnRef>
-        <a:fillRef idx="0">
-          <a:scrgbClr r="0" g="0" b="0"/>
-        </a:fillRef>
-        <a:effectRef idx="0">
-          <a:scrgbClr r="0" g="0" b="0"/>
-        </a:effectRef>
-        <a:fontRef idx="minor"/>
-      </dsp:style>
-      <dsp:txBody>
-        <a:bodyPr spcFirstLastPara="0" vert="horz" wrap="square" lIns="54863" tIns="54863" rIns="54863" bIns="54863" numCol="1" spcCol="1270" anchor="ctr" anchorCtr="0">
-          <a:noAutofit/>
-        </a:bodyPr>
-        <a:lstStyle/>
-        <a:p>
-          <a:pPr marL="0" lvl="0" indent="0" algn="l" defTabSz="533400">
-            <a:lnSpc>
-              <a:spcPct val="100000"/>
-            </a:lnSpc>
-            <a:spcBef>
-              <a:spcPct val="0"/>
-            </a:spcBef>
-            <a:spcAft>
-              <a:spcPct val="35000"/>
-            </a:spcAft>
-            <a:buNone/>
-          </a:pPr>
-          <a:r>
-            <a:rPr lang="en-US" sz="1200" kern="1200" dirty="0"/>
-            <a:t>Positive correlation</a:t>
-          </a:r>
-        </a:p>
-        <a:p>
-          <a:pPr marL="0" lvl="0" indent="0" algn="l" defTabSz="533400">
-            <a:lnSpc>
-              <a:spcPct val="100000"/>
-            </a:lnSpc>
-            <a:spcBef>
-              <a:spcPct val="0"/>
-            </a:spcBef>
-            <a:spcAft>
-              <a:spcPct val="35000"/>
-            </a:spcAft>
-            <a:buNone/>
-          </a:pPr>
-          <a:r>
-            <a:rPr lang="en-US" sz="1200" kern="1200" dirty="0"/>
-            <a:t>No correlation</a:t>
-          </a:r>
-        </a:p>
-      </dsp:txBody>
-      <dsp:txXfrm>
-        <a:off x="5125024" y="1297201"/>
-        <a:ext cx="4933375" cy="518393"/>
-      </dsp:txXfrm>
-    </dsp:sp>
-    <dsp:sp modelId="{A7945F13-0DCA-4644-BC60-E63FD09A8279}">
-      <dsp:nvSpPr>
-        <dsp:cNvPr id="0" name=""/>
-        <dsp:cNvSpPr/>
-      </dsp:nvSpPr>
-      <dsp:spPr>
-        <a:xfrm>
-          <a:off x="0" y="1945193"/>
-          <a:ext cx="10058399" cy="518393"/>
-        </a:xfrm>
-        <a:prstGeom prst="roundRect">
-          <a:avLst>
-            <a:gd name="adj" fmla="val 10000"/>
-          </a:avLst>
-        </a:prstGeom>
-        <a:solidFill>
-          <a:schemeClr val="accent2">
-            <a:tint val="40000"/>
-            <a:hueOff val="0"/>
-            <a:satOff val="0"/>
-            <a:lumOff val="0"/>
-            <a:alphaOff val="0"/>
-          </a:schemeClr>
-        </a:solidFill>
-        <a:ln>
-          <a:noFill/>
-        </a:ln>
-        <a:effectLst/>
-      </dsp:spPr>
-      <dsp:style>
-        <a:lnRef idx="0">
-          <a:scrgbClr r="0" g="0" b="0"/>
-        </a:lnRef>
-        <a:fillRef idx="1">
-          <a:scrgbClr r="0" g="0" b="0"/>
-        </a:fillRef>
-        <a:effectRef idx="0">
-          <a:scrgbClr r="0" g="0" b="0"/>
-        </a:effectRef>
-        <a:fontRef idx="minor"/>
-      </dsp:style>
-    </dsp:sp>
-    <dsp:sp modelId="{17A54687-E27A-41D6-9369-1A62CF68F5EC}">
-      <dsp:nvSpPr>
-        <dsp:cNvPr id="0" name=""/>
-        <dsp:cNvSpPr/>
-      </dsp:nvSpPr>
-      <dsp:spPr>
-        <a:xfrm>
-          <a:off x="156814" y="2061831"/>
-          <a:ext cx="285116" cy="285116"/>
-        </a:xfrm>
-        <a:prstGeom prst="rect">
-          <a:avLst/>
-        </a:prstGeom>
-        <a:blipFill>
-          <a:blip xmlns:r="http://schemas.openxmlformats.org/officeDocument/2006/relationships" r:embed="rId7">
-            <a:extLst>
-              <a:ext uri="{28A0092B-C50C-407E-A947-70E740481C1C}">
-                <a14:useLocalDpi xmlns:a14="http://schemas.microsoft.com/office/drawing/2010/main" val="0"/>
-              </a:ext>
-              <a:ext uri="{96DAC541-7B7A-43D3-8B79-37D633B846F1}">
-                <asvg:svgBlip xmlns:asvg="http://schemas.microsoft.com/office/drawing/2016/SVG/main" r:embed="rId8"/>
-              </a:ext>
-            </a:extLst>
-          </a:blip>
-          <a:stretch>
-            <a:fillRect/>
-          </a:stretch>
-        </a:blipFill>
-        <a:ln w="15875" cap="flat" cmpd="sng" algn="ctr">
-          <a:noFill/>
-          <a:prstDash val="solid"/>
-        </a:ln>
-        <a:effectLst/>
-      </dsp:spPr>
-      <dsp:style>
-        <a:lnRef idx="2">
-          <a:scrgbClr r="0" g="0" b="0"/>
-        </a:lnRef>
-        <a:fillRef idx="1">
-          <a:scrgbClr r="0" g="0" b="0"/>
-        </a:fillRef>
-        <a:effectRef idx="0">
-          <a:scrgbClr r="0" g="0" b="0"/>
-        </a:effectRef>
-        <a:fontRef idx="minor">
-          <a:schemeClr val="lt1"/>
-        </a:fontRef>
-      </dsp:style>
-    </dsp:sp>
-    <dsp:sp modelId="{0102C000-9C7A-41C3-A0FB-A3872D69AAA8}">
-      <dsp:nvSpPr>
-        <dsp:cNvPr id="0" name=""/>
-        <dsp:cNvSpPr/>
-      </dsp:nvSpPr>
-      <dsp:spPr>
-        <a:xfrm>
-          <a:off x="598744" y="1945193"/>
-          <a:ext cx="4526280" cy="518393"/>
-        </a:xfrm>
-        <a:prstGeom prst="rect">
-          <a:avLst/>
-        </a:prstGeom>
-        <a:noFill/>
-        <a:ln>
-          <a:noFill/>
-        </a:ln>
-        <a:effectLst/>
-      </dsp:spPr>
-      <dsp:style>
-        <a:lnRef idx="0">
-          <a:scrgbClr r="0" g="0" b="0"/>
-        </a:lnRef>
-        <a:fillRef idx="0">
-          <a:scrgbClr r="0" g="0" b="0"/>
-        </a:fillRef>
-        <a:effectRef idx="0">
-          <a:scrgbClr r="0" g="0" b="0"/>
-        </a:effectRef>
-        <a:fontRef idx="minor"/>
-      </dsp:style>
-      <dsp:txBody>
-        <a:bodyPr spcFirstLastPara="0" vert="horz" wrap="square" lIns="54863" tIns="54863" rIns="54863" bIns="54863" numCol="1" spcCol="1270" anchor="ctr" anchorCtr="0">
-          <a:noAutofit/>
-        </a:bodyPr>
-        <a:lstStyle/>
-        <a:p>
-          <a:pPr marL="0" lvl="0" indent="0" algn="l" defTabSz="844550">
-            <a:lnSpc>
-              <a:spcPct val="100000"/>
-            </a:lnSpc>
-            <a:spcBef>
-              <a:spcPct val="0"/>
-            </a:spcBef>
-            <a:spcAft>
-              <a:spcPct val="35000"/>
-            </a:spcAft>
-            <a:buNone/>
-          </a:pPr>
-          <a:r>
-            <a:rPr lang="en-US" sz="1900" kern="1200"/>
-            <a:t>Emissions</a:t>
-          </a:r>
-        </a:p>
-      </dsp:txBody>
-      <dsp:txXfrm>
-        <a:off x="598744" y="1945193"/>
-        <a:ext cx="4526280" cy="518393"/>
-      </dsp:txXfrm>
-    </dsp:sp>
-    <dsp:sp modelId="{5C5FE59F-92A1-4935-89F9-16FC907CB63A}">
-      <dsp:nvSpPr>
-        <dsp:cNvPr id="0" name=""/>
-        <dsp:cNvSpPr/>
-      </dsp:nvSpPr>
-      <dsp:spPr>
-        <a:xfrm>
-          <a:off x="5125024" y="1945193"/>
-          <a:ext cx="4933375" cy="518393"/>
-        </a:xfrm>
-        <a:prstGeom prst="rect">
-          <a:avLst/>
-        </a:prstGeom>
-        <a:noFill/>
-        <a:ln>
-          <a:noFill/>
-        </a:ln>
-        <a:effectLst/>
-      </dsp:spPr>
-      <dsp:style>
-        <a:lnRef idx="0">
-          <a:scrgbClr r="0" g="0" b="0"/>
-        </a:lnRef>
-        <a:fillRef idx="0">
-          <a:scrgbClr r="0" g="0" b="0"/>
-        </a:fillRef>
-        <a:effectRef idx="0">
-          <a:scrgbClr r="0" g="0" b="0"/>
-        </a:effectRef>
-        <a:fontRef idx="minor"/>
-      </dsp:style>
-      <dsp:txBody>
-        <a:bodyPr spcFirstLastPara="0" vert="horz" wrap="square" lIns="54863" tIns="54863" rIns="54863" bIns="54863" numCol="1" spcCol="1270" anchor="ctr" anchorCtr="0">
-          <a:noAutofit/>
-        </a:bodyPr>
-        <a:lstStyle/>
-        <a:p>
-          <a:pPr marL="0" lvl="0" indent="0" algn="l" defTabSz="533400">
-            <a:lnSpc>
-              <a:spcPct val="100000"/>
-            </a:lnSpc>
-            <a:spcBef>
-              <a:spcPct val="0"/>
-            </a:spcBef>
-            <a:spcAft>
-              <a:spcPct val="35000"/>
-            </a:spcAft>
-            <a:buNone/>
-          </a:pPr>
-          <a:r>
-            <a:rPr lang="en-US" sz="1200" kern="1200" dirty="0"/>
-            <a:t>Negative correlation</a:t>
-          </a:r>
-        </a:p>
-        <a:p>
-          <a:pPr marL="0" lvl="0" indent="0" algn="l" defTabSz="533400">
-            <a:lnSpc>
-              <a:spcPct val="100000"/>
-            </a:lnSpc>
-            <a:spcBef>
-              <a:spcPct val="0"/>
-            </a:spcBef>
-            <a:spcAft>
-              <a:spcPct val="35000"/>
-            </a:spcAft>
-            <a:buNone/>
-          </a:pPr>
-          <a:r>
-            <a:rPr lang="en-US" sz="1200" kern="1200" dirty="0"/>
-            <a:t>No correlation</a:t>
-          </a:r>
-        </a:p>
-      </dsp:txBody>
-      <dsp:txXfrm>
-        <a:off x="5125024" y="1945193"/>
-        <a:ext cx="4933375" cy="518393"/>
-      </dsp:txXfrm>
-    </dsp:sp>
-    <dsp:sp modelId="{BD60EF17-82E9-465B-B11C-FE2BA2F17C5A}">
-      <dsp:nvSpPr>
-        <dsp:cNvPr id="0" name=""/>
-        <dsp:cNvSpPr/>
-      </dsp:nvSpPr>
-      <dsp:spPr>
-        <a:xfrm>
-          <a:off x="0" y="2593185"/>
-          <a:ext cx="10058399" cy="518393"/>
-        </a:xfrm>
-        <a:prstGeom prst="roundRect">
-          <a:avLst>
-            <a:gd name="adj" fmla="val 10000"/>
-          </a:avLst>
-        </a:prstGeom>
-        <a:solidFill>
-          <a:schemeClr val="accent2">
-            <a:tint val="40000"/>
-            <a:hueOff val="0"/>
-            <a:satOff val="0"/>
-            <a:lumOff val="0"/>
-            <a:alphaOff val="0"/>
-          </a:schemeClr>
-        </a:solidFill>
-        <a:ln>
-          <a:noFill/>
-        </a:ln>
-        <a:effectLst/>
-      </dsp:spPr>
-      <dsp:style>
-        <a:lnRef idx="0">
-          <a:scrgbClr r="0" g="0" b="0"/>
-        </a:lnRef>
-        <a:fillRef idx="1">
-          <a:scrgbClr r="0" g="0" b="0"/>
-        </a:fillRef>
-        <a:effectRef idx="0">
-          <a:scrgbClr r="0" g="0" b="0"/>
-        </a:effectRef>
-        <a:fontRef idx="minor"/>
-      </dsp:style>
-    </dsp:sp>
-    <dsp:sp modelId="{E4F6D5A7-31C2-4724-91D8-E51D492A5A4D}">
-      <dsp:nvSpPr>
-        <dsp:cNvPr id="0" name=""/>
-        <dsp:cNvSpPr/>
-      </dsp:nvSpPr>
-      <dsp:spPr>
-        <a:xfrm>
-          <a:off x="156814" y="2709824"/>
-          <a:ext cx="285116" cy="285116"/>
-        </a:xfrm>
-        <a:prstGeom prst="rect">
-          <a:avLst/>
-        </a:prstGeom>
-        <a:blipFill>
-          <a:blip xmlns:r="http://schemas.openxmlformats.org/officeDocument/2006/relationships" r:embed="rId9">
-            <a:extLst>
-              <a:ext uri="{96DAC541-7B7A-43D3-8B79-37D633B846F1}">
-                <asvg:svgBlip xmlns:asvg="http://schemas.microsoft.com/office/drawing/2016/SVG/main" r:embed="rId10"/>
-              </a:ext>
-            </a:extLst>
-          </a:blip>
-          <a:srcRect/>
-          <a:stretch>
-            <a:fillRect/>
-          </a:stretch>
-        </a:blipFill>
-        <a:ln w="15875" cap="flat" cmpd="sng" algn="ctr">
-          <a:noFill/>
-          <a:prstDash val="solid"/>
-        </a:ln>
-        <a:effectLst/>
-      </dsp:spPr>
-      <dsp:style>
-        <a:lnRef idx="2">
-          <a:scrgbClr r="0" g="0" b="0"/>
-        </a:lnRef>
-        <a:fillRef idx="1">
-          <a:scrgbClr r="0" g="0" b="0"/>
-        </a:fillRef>
-        <a:effectRef idx="0">
-          <a:scrgbClr r="0" g="0" b="0"/>
-        </a:effectRef>
-        <a:fontRef idx="minor">
-          <a:schemeClr val="lt1"/>
-        </a:fontRef>
-      </dsp:style>
-    </dsp:sp>
-    <dsp:sp modelId="{71E1E56B-A287-4DE4-9EC4-9729B6FF9A8D}">
-      <dsp:nvSpPr>
-        <dsp:cNvPr id="0" name=""/>
-        <dsp:cNvSpPr/>
-      </dsp:nvSpPr>
-      <dsp:spPr>
-        <a:xfrm>
-          <a:off x="598744" y="2593185"/>
-          <a:ext cx="4526280" cy="518393"/>
-        </a:xfrm>
-        <a:prstGeom prst="rect">
-          <a:avLst/>
-        </a:prstGeom>
-        <a:noFill/>
-        <a:ln>
-          <a:noFill/>
-        </a:ln>
-        <a:effectLst/>
-      </dsp:spPr>
-      <dsp:style>
-        <a:lnRef idx="0">
-          <a:scrgbClr r="0" g="0" b="0"/>
-        </a:lnRef>
-        <a:fillRef idx="0">
-          <a:scrgbClr r="0" g="0" b="0"/>
-        </a:fillRef>
-        <a:effectRef idx="0">
-          <a:scrgbClr r="0" g="0" b="0"/>
-        </a:effectRef>
-        <a:fontRef idx="minor"/>
-      </dsp:style>
-      <dsp:txBody>
-        <a:bodyPr spcFirstLastPara="0" vert="horz" wrap="square" lIns="54863" tIns="54863" rIns="54863" bIns="54863" numCol="1" spcCol="1270" anchor="ctr" anchorCtr="0">
-          <a:noAutofit/>
-        </a:bodyPr>
-        <a:lstStyle/>
-        <a:p>
-          <a:pPr marL="0" lvl="0" indent="0" algn="l" defTabSz="844550">
-            <a:lnSpc>
-              <a:spcPct val="100000"/>
-            </a:lnSpc>
-            <a:spcBef>
-              <a:spcPct val="0"/>
-            </a:spcBef>
-            <a:spcAft>
-              <a:spcPct val="35000"/>
-            </a:spcAft>
-            <a:buNone/>
-          </a:pPr>
-          <a:r>
-            <a:rPr lang="en-US" sz="1900" kern="1200"/>
-            <a:t>Unemployment</a:t>
-          </a:r>
-        </a:p>
-      </dsp:txBody>
-      <dsp:txXfrm>
-        <a:off x="598744" y="2593185"/>
-        <a:ext cx="4526280" cy="518393"/>
-      </dsp:txXfrm>
-    </dsp:sp>
-    <dsp:sp modelId="{B33D5DF6-743D-4FFF-950B-8F78F71FA939}">
-      <dsp:nvSpPr>
-        <dsp:cNvPr id="0" name=""/>
-        <dsp:cNvSpPr/>
-      </dsp:nvSpPr>
-      <dsp:spPr>
-        <a:xfrm>
-          <a:off x="5125024" y="2593185"/>
-          <a:ext cx="4933375" cy="518393"/>
-        </a:xfrm>
-        <a:prstGeom prst="rect">
-          <a:avLst/>
-        </a:prstGeom>
-        <a:noFill/>
-        <a:ln>
-          <a:noFill/>
-        </a:ln>
-        <a:effectLst/>
-      </dsp:spPr>
-      <dsp:style>
-        <a:lnRef idx="0">
-          <a:scrgbClr r="0" g="0" b="0"/>
-        </a:lnRef>
-        <a:fillRef idx="0">
-          <a:scrgbClr r="0" g="0" b="0"/>
-        </a:fillRef>
-        <a:effectRef idx="0">
-          <a:scrgbClr r="0" g="0" b="0"/>
-        </a:effectRef>
-        <a:fontRef idx="minor"/>
-      </dsp:style>
-      <dsp:txBody>
-        <a:bodyPr spcFirstLastPara="0" vert="horz" wrap="square" lIns="54863" tIns="54863" rIns="54863" bIns="54863" numCol="1" spcCol="1270" anchor="ctr" anchorCtr="0">
-          <a:noAutofit/>
-        </a:bodyPr>
-        <a:lstStyle/>
-        <a:p>
-          <a:pPr marL="0" lvl="0" indent="0" algn="l" defTabSz="533400">
-            <a:lnSpc>
-              <a:spcPct val="100000"/>
-            </a:lnSpc>
-            <a:spcBef>
-              <a:spcPct val="0"/>
-            </a:spcBef>
-            <a:spcAft>
-              <a:spcPct val="35000"/>
-            </a:spcAft>
-            <a:buNone/>
-          </a:pPr>
-          <a:r>
-            <a:rPr lang="en-US" sz="1200" kern="1200" dirty="0"/>
-            <a:t>Negative correlation</a:t>
-          </a:r>
-        </a:p>
-        <a:p>
-          <a:pPr marL="0" lvl="0" indent="0" algn="l" defTabSz="533400">
-            <a:lnSpc>
-              <a:spcPct val="100000"/>
-            </a:lnSpc>
-            <a:spcBef>
-              <a:spcPct val="0"/>
-            </a:spcBef>
-            <a:spcAft>
-              <a:spcPct val="35000"/>
-            </a:spcAft>
-            <a:buNone/>
-          </a:pPr>
-          <a:r>
-            <a:rPr lang="en-US" sz="1200" kern="1200" dirty="0"/>
-            <a:t>Negative correlation</a:t>
-          </a:r>
-        </a:p>
-      </dsp:txBody>
-      <dsp:txXfrm>
-        <a:off x="5125024" y="2593185"/>
-        <a:ext cx="4933375" cy="518393"/>
-      </dsp:txXfrm>
-    </dsp:sp>
-    <dsp:sp modelId="{40D68D60-78A9-4BE0-9705-07B726BB68B0}">
-      <dsp:nvSpPr>
-        <dsp:cNvPr id="0" name=""/>
-        <dsp:cNvSpPr/>
-      </dsp:nvSpPr>
-      <dsp:spPr>
-        <a:xfrm>
-          <a:off x="0" y="3241177"/>
-          <a:ext cx="10058399" cy="518393"/>
-        </a:xfrm>
-        <a:prstGeom prst="roundRect">
-          <a:avLst>
-            <a:gd name="adj" fmla="val 10000"/>
-          </a:avLst>
-        </a:prstGeom>
-        <a:solidFill>
-          <a:schemeClr val="accent2">
-            <a:tint val="40000"/>
-            <a:hueOff val="0"/>
-            <a:satOff val="0"/>
-            <a:lumOff val="0"/>
-            <a:alphaOff val="0"/>
-          </a:schemeClr>
-        </a:solidFill>
-        <a:ln>
-          <a:noFill/>
-        </a:ln>
-        <a:effectLst/>
-      </dsp:spPr>
-      <dsp:style>
-        <a:lnRef idx="0">
-          <a:scrgbClr r="0" g="0" b="0"/>
-        </a:lnRef>
-        <a:fillRef idx="1">
-          <a:scrgbClr r="0" g="0" b="0"/>
-        </a:fillRef>
-        <a:effectRef idx="0">
-          <a:scrgbClr r="0" g="0" b="0"/>
-        </a:effectRef>
-        <a:fontRef idx="minor"/>
-      </dsp:style>
-    </dsp:sp>
-    <dsp:sp modelId="{FD312580-A5B8-44CE-9545-6EC7FB4B5972}">
-      <dsp:nvSpPr>
-        <dsp:cNvPr id="0" name=""/>
-        <dsp:cNvSpPr/>
-      </dsp:nvSpPr>
-      <dsp:spPr>
-        <a:xfrm>
-          <a:off x="156814" y="3357816"/>
-          <a:ext cx="285116" cy="285116"/>
-        </a:xfrm>
-        <a:prstGeom prst="rect">
-          <a:avLst/>
-        </a:prstGeom>
-        <a:blipFill>
-          <a:blip xmlns:r="http://schemas.openxmlformats.org/officeDocument/2006/relationships" r:embed="rId11">
-            <a:extLst>
-              <a:ext uri="{28A0092B-C50C-407E-A947-70E740481C1C}">
-                <a14:useLocalDpi xmlns:a14="http://schemas.microsoft.com/office/drawing/2010/main" val="0"/>
-              </a:ext>
-              <a:ext uri="{96DAC541-7B7A-43D3-8B79-37D633B846F1}">
-                <asvg:svgBlip xmlns:asvg="http://schemas.microsoft.com/office/drawing/2016/SVG/main" r:embed="rId12"/>
-              </a:ext>
-            </a:extLst>
-          </a:blip>
-          <a:stretch>
-            <a:fillRect/>
-          </a:stretch>
-        </a:blipFill>
-        <a:ln w="15875" cap="flat" cmpd="sng" algn="ctr">
-          <a:noFill/>
-          <a:prstDash val="solid"/>
-        </a:ln>
-        <a:effectLst/>
-      </dsp:spPr>
-      <dsp:style>
-        <a:lnRef idx="2">
-          <a:scrgbClr r="0" g="0" b="0"/>
-        </a:lnRef>
-        <a:fillRef idx="1">
-          <a:scrgbClr r="0" g="0" b="0"/>
-        </a:fillRef>
-        <a:effectRef idx="0">
-          <a:scrgbClr r="0" g="0" b="0"/>
-        </a:effectRef>
-        <a:fontRef idx="minor">
-          <a:schemeClr val="lt1"/>
-        </a:fontRef>
-      </dsp:style>
-    </dsp:sp>
-    <dsp:sp modelId="{B984CF20-68B7-4121-BF09-C24325D8E96D}">
-      <dsp:nvSpPr>
-        <dsp:cNvPr id="0" name=""/>
-        <dsp:cNvSpPr/>
-      </dsp:nvSpPr>
-      <dsp:spPr>
-        <a:xfrm>
-          <a:off x="598744" y="3241177"/>
-          <a:ext cx="4526280" cy="518393"/>
-        </a:xfrm>
-        <a:prstGeom prst="rect">
-          <a:avLst/>
-        </a:prstGeom>
-        <a:noFill/>
-        <a:ln>
-          <a:noFill/>
-        </a:ln>
-        <a:effectLst/>
-      </dsp:spPr>
-      <dsp:style>
-        <a:lnRef idx="0">
-          <a:scrgbClr r="0" g="0" b="0"/>
-        </a:lnRef>
-        <a:fillRef idx="0">
-          <a:scrgbClr r="0" g="0" b="0"/>
-        </a:fillRef>
-        <a:effectRef idx="0">
-          <a:scrgbClr r="0" g="0" b="0"/>
-        </a:effectRef>
-        <a:fontRef idx="minor"/>
-      </dsp:style>
-      <dsp:txBody>
-        <a:bodyPr spcFirstLastPara="0" vert="horz" wrap="square" lIns="54863" tIns="54863" rIns="54863" bIns="54863" numCol="1" spcCol="1270" anchor="ctr" anchorCtr="0">
-          <a:noAutofit/>
-        </a:bodyPr>
-        <a:lstStyle/>
-        <a:p>
-          <a:pPr marL="0" lvl="0" indent="0" algn="l" defTabSz="844550">
-            <a:lnSpc>
-              <a:spcPct val="100000"/>
-            </a:lnSpc>
-            <a:spcBef>
-              <a:spcPct val="0"/>
-            </a:spcBef>
-            <a:spcAft>
-              <a:spcPct val="35000"/>
-            </a:spcAft>
-            <a:buNone/>
-          </a:pPr>
-          <a:r>
-            <a:rPr lang="en-US" sz="1900" kern="1200"/>
-            <a:t>Education Level</a:t>
-          </a:r>
-        </a:p>
-      </dsp:txBody>
-      <dsp:txXfrm>
-        <a:off x="598744" y="3241177"/>
-        <a:ext cx="4526280" cy="518393"/>
-      </dsp:txXfrm>
-    </dsp:sp>
-    <dsp:sp modelId="{2BFEC139-5925-424C-A1D7-0C1806988DF1}">
-      <dsp:nvSpPr>
-        <dsp:cNvPr id="0" name=""/>
-        <dsp:cNvSpPr/>
-      </dsp:nvSpPr>
-      <dsp:spPr>
-        <a:xfrm>
-          <a:off x="5125024" y="3241177"/>
-          <a:ext cx="4933375" cy="518393"/>
-        </a:xfrm>
-        <a:prstGeom prst="rect">
-          <a:avLst/>
-        </a:prstGeom>
-        <a:noFill/>
-        <a:ln>
-          <a:noFill/>
-        </a:ln>
-        <a:effectLst/>
-      </dsp:spPr>
-      <dsp:style>
-        <a:lnRef idx="0">
-          <a:scrgbClr r="0" g="0" b="0"/>
-        </a:lnRef>
-        <a:fillRef idx="0">
-          <a:scrgbClr r="0" g="0" b="0"/>
-        </a:fillRef>
-        <a:effectRef idx="0">
-          <a:scrgbClr r="0" g="0" b="0"/>
-        </a:effectRef>
-        <a:fontRef idx="minor"/>
-      </dsp:style>
-      <dsp:txBody>
-        <a:bodyPr spcFirstLastPara="0" vert="horz" wrap="square" lIns="54863" tIns="54863" rIns="54863" bIns="54863" numCol="1" spcCol="1270" anchor="ctr" anchorCtr="0">
-          <a:noAutofit/>
-        </a:bodyPr>
-        <a:lstStyle/>
-        <a:p>
-          <a:pPr marL="0" lvl="0" indent="0" algn="l" defTabSz="533400">
-            <a:lnSpc>
-              <a:spcPct val="100000"/>
-            </a:lnSpc>
-            <a:spcBef>
-              <a:spcPct val="0"/>
-            </a:spcBef>
-            <a:spcAft>
-              <a:spcPct val="35000"/>
-            </a:spcAft>
-            <a:buNone/>
-          </a:pPr>
-          <a:r>
-            <a:rPr lang="en-US" sz="1200" kern="1200" dirty="0"/>
-            <a:t>Positive correlation</a:t>
-          </a:r>
-        </a:p>
-        <a:p>
-          <a:pPr marL="0" lvl="0" indent="0" algn="l" defTabSz="533400">
-            <a:lnSpc>
-              <a:spcPct val="100000"/>
-            </a:lnSpc>
-            <a:spcBef>
-              <a:spcPct val="0"/>
-            </a:spcBef>
-            <a:spcAft>
-              <a:spcPct val="35000"/>
-            </a:spcAft>
-            <a:buNone/>
-          </a:pPr>
-          <a:r>
-            <a:rPr lang="en-US" sz="1200" kern="1200" dirty="0"/>
-            <a:t>No correlation</a:t>
-          </a:r>
-        </a:p>
-      </dsp:txBody>
-      <dsp:txXfrm>
-        <a:off x="5125024" y="3241177"/>
-        <a:ext cx="4933375" cy="518393"/>
-      </dsp:txXfrm>
-    </dsp:sp>
-  </dsp:spTree>
-</dsp:drawing>
-</file>
-
-<file path=ppt/diagrams/layout1.xml><?xml version="1.0" encoding="utf-8"?>
-<dgm:layoutDef xmlns:dgm="http://schemas.openxmlformats.org/drawingml/2006/diagram" xmlns:a="http://schemas.openxmlformats.org/drawingml/2006/main" uniqueId="urn:microsoft.com/office/officeart/2018/2/layout/IconVerticalSolidList">
-  <dgm:title val="Icon Vertical Solid List"/>
-  <dgm:desc val="Use to show a series of visuals from top to bottom with Level 1 or Level 1 and Level 2 text grouped in a shape. Works best with icons or small pictures with lengthier descriptions."/>
-  <dgm:catLst>
-    <dgm:cat type="icon" pri="500"/>
-  </dgm:catLst>
-  <dgm:sampData useDef="1">
-    <dgm:dataModel>
-      <dgm:ptLst/>
-      <dgm:bg/>
-      <dgm:whole/>
-    </dgm:dataModel>
-  </dgm:sampData>
-  <dgm:styleData useDef="1">
-    <dgm:dataModel>
-      <dgm:ptLst/>
-      <dgm:bg/>
-      <dgm:whole/>
-    </dgm:dataModel>
-  </dgm:styleData>
-  <dgm:clrData useDef="1">
-    <dgm:dataModel>
-      <dgm:ptLst/>
-      <dgm:bg/>
-      <dgm:whole/>
-    </dgm:dataModel>
-  </dgm:clrData>
-  <dgm:layoutNode name="root">
-    <dgm:varLst>
-      <dgm:dir/>
-      <dgm:resizeHandles val="exact"/>
-    </dgm:varLst>
-    <dgm:choose name="Name0">
-      <dgm:if name="Name1" axis="self" func="var" arg="dir" op="equ" val="norm">
-        <dgm:alg type="lin">
-          <dgm:param type="linDir" val="fromT"/>
-          <dgm:param type="nodeHorzAlign" val="l"/>
-        </dgm:alg>
-      </dgm:if>
-      <dgm:else name="Name2">
-        <dgm:alg type="lin">
-          <dgm:param type="linDir" val="fromT"/>
-          <dgm:param type="nodeHorzAlign" val="r"/>
-        </dgm:alg>
-      </dgm:else>
-    </dgm:choose>
-    <dgm:shape xmlns:r="http://schemas.openxmlformats.org/officeDocument/2006/relationships" r:blip="">
-      <dgm:adjLst/>
-    </dgm:shape>
-    <dgm:presOf/>
-    <dgm:choose name="Name3">
-      <dgm:if name="Name4" axis="ch" ptType="node" func="cnt" op="lte" val="3">
-        <dgm:constrLst>
-          <dgm:constr type="h" for="ch" forName="compNode" refType="h" fact="0.3"/>
-          <dgm:constr type="w" for="ch" forName="compNode" refType="w"/>
-          <dgm:constr type="h" for="ch" forName="sibTrans" refType="h" refFor="ch" refForName="compNode" fact="0.25"/>
-          <dgm:constr type="primFontSz" for="des" forName="parTx" val="25"/>
-          <dgm:constr type="primFontSz" for="des" forName="desTx" refType="primFontSz" refFor="des" refForName="parTx" op="lte" fact="0.75"/>
-          <dgm:constr type="h" for="des" forName="compNode" op="equ"/>
-          <dgm:constr type="h" for="des" forName="bgRect" op="equ"/>
-          <dgm:constr type="h" for="des" forName="iconRect" op="equ"/>
-          <dgm:constr type="w" for="des" forName="iconRect" op="equ"/>
-          <dgm:constr type="h" for="des" forName="spaceRect" op="equ"/>
-          <dgm:constr type="h" for="des" forName="parTx" op="equ"/>
-          <dgm:constr type="h" for="des" forName="desTx" op="equ"/>
-        </dgm:constrLst>
-      </dgm:if>
-      <dgm:if name="Name5" axis="ch" ptType="node" func="cnt" op="lte" val="4">
-        <dgm:constrLst>
-          <dgm:constr type="h" for="ch" forName="compNode" refType="h" fact="0.3"/>
-          <dgm:constr type="w" for="ch" forName="compNode" refType="w"/>
-          <dgm:constr type="h" for="ch" forName="sibTrans" refType="h" refFor="ch" refForName="compNode" fact="0.25"/>
-          <dgm:constr type="primFontSz" for="des" forName="parTx" val="22"/>
-          <dgm:constr type="primFontSz" for="des" forName="desTx" refType="primFontSz" refFor="des" refForName="parTx" op="lte" fact="0.75"/>
-          <dgm:constr type="h" for="des" forName="compNode" op="equ"/>
-          <dgm:constr type="h" for="des" forName="bgRect" op="equ"/>
-          <dgm:constr type="h" for="des" forName="iconRect" op="equ"/>
-          <dgm:constr type="w" for="des" forName="iconRect" op="equ"/>
-          <dgm:constr type="h" for="des" forName="spaceRect" op="equ"/>
-          <dgm:constr type="h" for="des" forName="parTx" op="equ"/>
-          <dgm:constr type="h" for="des" forName="desTx" op="equ"/>
-        </dgm:constrLst>
-      </dgm:if>
-      <dgm:if name="Name6" axis="ch" ptType="node" func="cnt" op="lte" val="6">
-        <dgm:constrLst>
-          <dgm:constr type="h" for="ch" forName="compNode" refType="h" fact="0.3"/>
-          <dgm:constr type="w" for="ch" forName="compNode" refType="w"/>
-          <dgm:constr type="h" for="ch" forName="sibTrans" refType="h" refFor="ch" refForName="compNode" fact="0.25"/>
-          <dgm:constr type="primFontSz" for="des" forName="parTx" val="19"/>
-          <dgm:constr type="primFontSz" for="des" forName="desTx" refType="primFontSz" refFor="des" refForName="parTx" op="lte" fact="0.75"/>
-          <dgm:constr type="h" for="des" forName="compNode" op="equ"/>
-          <dgm:constr type="h" for="des" forName="bgRect" op="equ"/>
-          <dgm:constr type="h" for="des" forName="iconRect" op="equ"/>
-          <dgm:constr type="w" for="des" forName="iconRect" op="equ"/>
-          <dgm:constr type="h" for="des" forName="spaceRect" op="equ"/>
-          <dgm:constr type="h" for="des" forName="parTx" op="equ"/>
-          <dgm:constr type="h" for="des" forName="desTx" op="equ"/>
-        </dgm:constrLst>
-      </dgm:if>
-      <dgm:else name="Name7">
-        <dgm:constrLst>
-          <dgm:constr type="h" for="ch" forName="compNode" refType="h" fact="0.3"/>
-          <dgm:constr type="w" for="ch" forName="compNode" refType="w"/>
-          <dgm:constr type="h" for="ch" forName="sibTrans" refType="h" refFor="ch" refForName="compNode" fact="0.25"/>
-          <dgm:constr type="primFontSz" for="des" forName="parTx" val="16"/>
-          <dgm:constr type="primFontSz" for="des" forName="desTx" refType="primFontSz" refFor="des" refForName="parTx" op="lte" fact="0.75"/>
-          <dgm:constr type="h" for="des" forName="compNode" op="equ"/>
-          <dgm:constr type="h" for="des" forName="bgRect" op="equ"/>
-          <dgm:constr type="h" for="des" forName="iconRect" op="equ"/>
-          <dgm:constr type="w" for="des" forName="iconRect" op="equ"/>
-          <dgm:constr type="h" for="des" forName="spaceRect" op="equ"/>
-          <dgm:constr type="h" for="des" forName="parTx" op="equ"/>
-          <dgm:constr type="h" for="des" forName="desTx" op="equ"/>
-        </dgm:constrLst>
-      </dgm:else>
-    </dgm:choose>
-    <dgm:ruleLst>
-      <dgm:rule type="h" for="ch" forName="compNode" val="0" fact="NaN" max="NaN"/>
-    </dgm:ruleLst>
-    <dgm:forEach name="Name8" axis="ch" ptType="node">
-      <dgm:layoutNode name="compNode">
-        <dgm:alg type="composite"/>
-        <dgm:shape xmlns:r="http://schemas.openxmlformats.org/officeDocument/2006/relationships" r:blip="">
-          <dgm:adjLst/>
-        </dgm:shape>
-        <dgm:presOf axis="self"/>
-        <dgm:choose name="Name9">
-          <dgm:if name="Name10" axis="ch" ptType="node" func="cnt" op="gte" val="1">
-            <dgm:constrLst>
-              <dgm:constr type="w" for="ch" forName="bgRect" refType="w"/>
-              <dgm:constr type="h" for="ch" forName="bgRect" refType="h"/>
-              <dgm:constr type="l" for="ch" forName="bgRect"/>
-              <dgm:constr type="t" for="ch" forName="bgRect"/>
-              <dgm:constr type="h" for="ch" forName="iconRect" refType="h" fact="0.55"/>
-              <dgm:constr type="w" for="ch" forName="iconRect" refType="h" refFor="ch" refForName="iconRect"/>
-              <dgm:constr type="l" for="ch" forName="iconRect" refType="h" refFor="ch" refForName="iconRect" fact="0.55"/>
-              <dgm:constr type="ctrY" for="ch" forName="iconRect" refType="ctrY" refFor="ch" refForName="bgRect"/>
-              <dgm:constr type="w" for="ch" forName="spaceRect" refType="l" refFor="ch" refForName="iconRect"/>
-              <dgm:constr type="h" for="ch" forName="spaceRect" refType="h"/>
-              <dgm:constr type="l" for="ch" forName="spaceRect" refType="r" refFor="ch" refForName="iconRect"/>
-              <dgm:constr type="t" for="ch" forName="spaceRect"/>
-              <dgm:constr type="w" for="ch" forName="parTx" refType="w" fact="0.45"/>
-              <dgm:constr type="h" for="ch" forName="parTx" refType="h"/>
-              <dgm:constr type="l" for="ch" forName="parTx" refType="r" refFor="ch" refForName="spaceRect"/>
-              <dgm:constr type="t" for="ch" forName="parTx"/>
-              <dgm:constr type="h" for="ch" forName="desTx" refType="h"/>
-              <dgm:constr type="l" for="ch" forName="desTx" refType="r" refFor="ch" refForName="parTx"/>
-              <dgm:constr type="t" for="ch" forName="desTx"/>
-            </dgm:constrLst>
-          </dgm:if>
-          <dgm:else name="Name11">
-            <dgm:constrLst>
-              <dgm:constr type="w" for="ch" forName="bgRect" refType="w"/>
-              <dgm:constr type="h" for="ch" forName="bgRect" refType="h"/>
-              <dgm:constr type="l" for="ch" forName="bgRect"/>
-              <dgm:constr type="t" for="ch" forName="bgRect"/>
-              <dgm:constr type="h" for="ch" forName="iconRect" refType="h" fact="0.55"/>
-              <dgm:constr type="w" for="ch" forName="iconRect" refType="h" refFor="ch" refForName="iconRect"/>
-              <dgm:constr type="l" for="ch" forName="iconRect" refType="h" refFor="ch" refForName="iconRect" fact="0.55"/>
-              <dgm:constr type="ctrY" for="ch" forName="iconRect" refType="ctrY" refFor="ch" refForName="bgRect"/>
-              <dgm:constr type="w" for="ch" forName="spaceRect" refType="l" refFor="ch" refForName="iconRect"/>
-              <dgm:constr type="h" for="ch" forName="spaceRect" refType="h"/>
-              <dgm:constr type="l" for="ch" forName="spaceRect" refType="r" refFor="ch" refForName="iconRect"/>
-              <dgm:constr type="t" for="ch" forName="spaceRect"/>
-              <dgm:constr type="h" for="ch" forName="parTx" refType="h"/>
-              <dgm:constr type="l" for="ch" forName="parTx" refType="r" refFor="ch" refForName="spaceRect"/>
-              <dgm:constr type="t" for="ch" forName="parTx"/>
-            </dgm:constrLst>
-          </dgm:else>
-        </dgm:choose>
-        <dgm:ruleLst>
-          <dgm:rule type="h" val="INF" fact="NaN" max="NaN"/>
-        </dgm:ruleLst>
-        <dgm:layoutNode name="bgRect" styleLbl="bgShp">
-          <dgm:alg type="sp"/>
-          <dgm:shape xmlns:r="http://schemas.openxmlformats.org/officeDocument/2006/relationships" type="roundRect" r:blip="">
-            <dgm:adjLst>
-              <dgm:adj idx="1" val="0.1"/>
-            </dgm:adjLst>
-          </dgm:shape>
-          <dgm:presOf/>
-          <dgm:constrLst/>
-          <dgm:ruleLst/>
-        </dgm:layoutNode>
-        <dgm:layoutNode name="iconRect" styleLbl="node1">
-          <dgm:alg type="sp"/>
-          <dgm:shape xmlns:r="http://schemas.openxmlformats.org/officeDocument/2006/relationships" type="rect" r:blip="" blipPhldr="1">
-            <dgm:adjLst/>
-          </dgm:shape>
-          <dgm:presOf/>
-          <dgm:constrLst/>
-          <dgm:ruleLst/>
-        </dgm:layoutNode>
-        <dgm:layoutNode name="spaceRect">
-          <dgm:alg type="sp"/>
-          <dgm:shape xmlns:r="http://schemas.openxmlformats.org/officeDocument/2006/relationships" r:blip="">
-            <dgm:adjLst/>
-          </dgm:shape>
-          <dgm:presOf/>
-          <dgm:constrLst/>
-          <dgm:ruleLst/>
-        </dgm:layoutNode>
-        <dgm:layoutNode name="parTx" styleLbl="revTx">
-          <dgm:varLst>
-            <dgm:chMax val="0"/>
-            <dgm:chPref val="0"/>
-          </dgm:varLst>
-          <dgm:alg type="tx">
-            <dgm:param type="txAnchorVert" val="mid"/>
-            <dgm:param type="parTxLTRAlign" val="l"/>
-            <dgm:param type="shpTxLTRAlignCh" val="l"/>
-            <dgm:param type="parTxRTLAlign" val="r"/>
-            <dgm:param type="shpTxRTLAlignCh" val="r"/>
-          </dgm:alg>
-          <dgm:shape xmlns:r="http://schemas.openxmlformats.org/officeDocument/2006/relationships" type="rect" r:blip="">
-            <dgm:adjLst/>
-          </dgm:shape>
-          <dgm:presOf axis="self" ptType="node"/>
-          <dgm:constrLst>
-            <dgm:constr type="lMarg" refType="h" fact="0.3"/>
-            <dgm:constr type="rMarg" refType="h" fact="0.3"/>
-            <dgm:constr type="tMarg" refType="h" fact="0.3"/>
-            <dgm:constr type="bMarg" refType="h" fact="0.3"/>
-          </dgm:constrLst>
-          <dgm:ruleLst>
-            <dgm:rule type="primFontSz" val="14" fact="NaN" max="NaN"/>
-            <dgm:rule type="h" val="INF" fact="NaN" max="NaN"/>
-          </dgm:ruleLst>
-        </dgm:layoutNode>
-        <dgm:choose name="Name12">
-          <dgm:if name="Name13" axis="ch" ptType="node" func="cnt" op="gte" val="1">
-            <dgm:layoutNode name="desTx" styleLbl="revTx">
-              <dgm:varLst/>
-              <dgm:alg type="tx">
-                <dgm:param type="txAnchorVertCh" val="mid"/>
-                <dgm:param type="parTxLTRAlign" val="l"/>
-                <dgm:param type="shpTxLTRAlignCh" val="l"/>
-                <dgm:param type="parTxRTLAlign" val="r"/>
-                <dgm:param type="shpTxRTLAlignCh" val="r"/>
-                <dgm:param type="stBulletLvl" val="0"/>
-              </dgm:alg>
-              <dgm:shape xmlns:r="http://schemas.openxmlformats.org/officeDocument/2006/relationships" type="rect" r:blip="">
-                <dgm:adjLst/>
-              </dgm:shape>
-              <dgm:presOf axis="des" ptType="node"/>
-              <dgm:constrLst>
-                <dgm:constr type="primFontSz" val="18"/>
-                <dgm:constr type="secFontSz" refType="primFontSz"/>
-                <dgm:constr type="lMarg" refType="h" fact="0.3"/>
-                <dgm:constr type="rMarg" refType="h" fact="0.3"/>
-                <dgm:constr type="tMarg" refType="h" fact="0.3"/>
-                <dgm:constr type="bMarg" refType="h" fact="0.3"/>
-              </dgm:constrLst>
-              <dgm:ruleLst>
-                <dgm:rule type="primFontSz" val="11" fact="NaN" max="NaN"/>
-              </dgm:ruleLst>
-            </dgm:layoutNode>
-          </dgm:if>
-          <dgm:else name="Name14"/>
-        </dgm:choose>
-      </dgm:layoutNode>
-      <dgm:forEach name="Name15" axis="followSib" ptType="sibTrans" cnt="1">
-        <dgm:layoutNode name="sibTrans">
-          <dgm:alg type="sp"/>
-          <dgm:shape xmlns:r="http://schemas.openxmlformats.org/officeDocument/2006/relationships" r:blip="">
-            <dgm:adjLst/>
-          </dgm:shape>
-          <dgm:presOf axis="self"/>
-          <dgm:constrLst/>
-          <dgm:ruleLst/>
-        </dgm:layoutNode>
-      </dgm:forEach>
-    </dgm:forEach>
-  </dgm:layoutNode>
-  <dgm:extLst>
-    <a:ext uri="{68A01E43-0DF5-4B5B-8FA6-DAF915123BFB}">
-      <dgm1612:lstStyle xmlns:dgm1612="http://schemas.microsoft.com/office/drawing/2016/12/diagram">
-        <a:lvl1pPr>
-          <a:lnSpc>
-            <a:spcPct val="100000"/>
-          </a:lnSpc>
-        </a:lvl1pPr>
-        <a:lvl2pPr>
-          <a:lnSpc>
-            <a:spcPct val="100000"/>
-          </a:lnSpc>
-        </a:lvl2pPr>
-      </dgm1612:lstStyle>
-    </a:ext>
-  </dgm:extLst>
-</dgm:layoutDef>
-</file>
-
-<file path=ppt/diagrams/quickStyle1.xml><?xml version="1.0" encoding="utf-8"?>
-<dgm:styleDef xmlns:dgm="http://schemas.openxmlformats.org/drawingml/2006/diagram" xmlns:a="http://schemas.openxmlformats.org/drawingml/2006/main" uniqueId="urn:microsoft.com/office/officeart/2005/8/quickstyle/simple1">
-  <dgm:title val=""/>
-  <dgm:desc val=""/>
-  <dgm:catLst>
-    <dgm:cat type="simple" pri="10100"/>
-  </dgm:catLst>
-  <dgm:scene3d>
-    <a:camera prst="orthographicFront"/>
-    <a:lightRig rig="threePt" dir="t"/>
-  </dgm:scene3d>
-  <dgm:styleLbl name="node0">
-    <dgm:scene3d>
-      <a:camera prst="orthographicFront"/>
-      <a:lightRig rig="threePt" dir="t"/>
-    </dgm:scene3d>
-    <dgm:sp3d/>
-    <dgm:txPr/>
-    <dgm:style>
-      <a:lnRef idx="2">
-        <a:scrgbClr r="0" g="0" b="0"/>
-      </a:lnRef>
-      <a:fillRef idx="1">
-        <a:scrgbClr r="0" g="0" b="0"/>
-      </a:fillRef>
-      <a:effectRef idx="0">
-        <a:scrgbClr r="0" g="0" b="0"/>
-      </a:effectRef>
-      <a:fontRef idx="minor">
-        <a:schemeClr val="lt1"/>
-      </a:fontRef>
-    </dgm:style>
-  </dgm:styleLbl>
-  <dgm:styleLbl name="lnNode1">
-    <dgm:scene3d>
-      <a:camera prst="orthographicFront"/>
-      <a:lightRig rig="threePt" dir="t"/>
-    </dgm:scene3d>
-    <dgm:sp3d/>
-    <dgm:txPr/>
-    <dgm:style>
-      <a:lnRef idx="2">
-        <a:scrgbClr r="0" g="0" b="0"/>
-      </a:lnRef>
-      <a:fillRef idx="1">
-        <a:scrgbClr r="0" g="0" b="0"/>
-      </a:fillRef>
-      <a:effectRef idx="0">
-        <a:scrgbClr r="0" g="0" b="0"/>
-      </a:effectRef>
-      <a:fontRef idx="minor">
-        <a:schemeClr val="lt1"/>
-      </a:fontRef>
-    </dgm:style>
-  </dgm:styleLbl>
-  <dgm:styleLbl name="vennNode1">
-    <dgm:scene3d>
-      <a:camera prst="orthographicFront"/>
-      <a:lightRig rig="threePt" dir="t"/>
-    </dgm:scene3d>
-    <dgm:sp3d/>
-    <dgm:txPr/>
-    <dgm:style>
-      <a:lnRef idx="2">
-        <a:scrgbClr r="0" g="0" b="0"/>
-      </a:lnRef>
-      <a:fillRef idx="1">
-        <a:scrgbClr r="0" g="0" b="0"/>
-      </a:fillRef>
-      <a:effectRef idx="0">
-        <a:scrgbClr r="0" g="0" b="0"/>
-      </a:effectRef>
-      <a:fontRef idx="minor">
-        <a:schemeClr val="tx1"/>
-      </a:fontRef>
-    </dgm:style>
-  </dgm:styleLbl>
-  <dgm:styleLbl name="alignNode1">
-    <dgm:scene3d>
-      <a:camera prst="orthographicFront"/>
-      <a:lightRig rig="threePt" dir="t"/>
-    </dgm:scene3d>
-    <dgm:sp3d/>
-    <dgm:txPr/>
-    <dgm:style>
-      <a:lnRef idx="2">
-        <a:scrgbClr r="0" g="0" b="0"/>
-      </a:lnRef>
-      <a:fillRef idx="1">
-        <a:scrgbClr r="0" g="0" b="0"/>
-      </a:fillRef>
-      <a:effectRef idx="0">
-        <a:scrgbClr r="0" g="0" b="0"/>
-      </a:effectRef>
-      <a:fontRef idx="minor">
-        <a:schemeClr val="lt1"/>
-      </a:fontRef>
-    </dgm:style>
-  </dgm:styleLbl>
-  <dgm:styleLbl name="node1">
-    <dgm:scene3d>
-      <a:camera prst="orthographicFront"/>
-      <a:lightRig rig="threePt" dir="t"/>
-    </dgm:scene3d>
-    <dgm:sp3d/>
-    <dgm:txPr/>
-    <dgm:style>
-      <a:lnRef idx="2">
-        <a:scrgbClr r="0" g="0" b="0"/>
-      </a:lnRef>
-      <a:fillRef idx="1">
-        <a:scrgbClr r="0" g="0" b="0"/>
-      </a:fillRef>
-      <a:effectRef idx="0">
-        <a:scrgbClr r="0" g="0" b="0"/>
-      </a:effectRef>
-      <a:fontRef idx="minor">
-        <a:schemeClr val="lt1"/>
-      </a:fontRef>
-    </dgm:style>
-  </dgm:styleLbl>
-  <dgm:styleLbl name="node2">
-    <dgm:scene3d>
-      <a:camera prst="orthographicFront"/>
-      <a:lightRig rig="threePt" dir="t"/>
-    </dgm:scene3d>
-    <dgm:sp3d/>
-    <dgm:txPr/>
-    <dgm:style>
-      <a:lnRef idx="2">
-        <a:scrgbClr r="0" g="0" b="0"/>
-      </a:lnRef>
-      <a:fillRef idx="1">
-        <a:scrgbClr r="0" g="0" b="0"/>
-      </a:fillRef>
-      <a:effectRef idx="0">
-        <a:scrgbClr r="0" g="0" b="0"/>
-      </a:effectRef>
-      <a:fontRef idx="minor">
-        <a:schemeClr val="lt1"/>
-      </a:fontRef>
-    </dgm:style>
-  </dgm:styleLbl>
-  <dgm:styleLbl name="node3">
-    <dgm:scene3d>
-      <a:camera prst="orthographicFront"/>
-      <a:lightRig rig="threePt" dir="t"/>
-    </dgm:scene3d>
-    <dgm:sp3d/>
-    <dgm:txPr/>
-    <dgm:style>
-      <a:lnRef idx="2">
-        <a:scrgbClr r="0" g="0" b="0"/>
-      </a:lnRef>
-      <a:fillRef idx="1">
-        <a:scrgbClr r="0" g="0" b="0"/>
-      </a:fillRef>
-      <a:effectRef idx="0">
-        <a:scrgbClr r="0" g="0" b="0"/>
-      </a:effectRef>
-      <a:fontRef idx="minor">
-        <a:schemeClr val="lt1"/>
-      </a:fontRef>
-    </dgm:style>
-  </dgm:styleLbl>
-  <dgm:styleLbl name="node4">
-    <dgm:scene3d>
-      <a:camera prst="orthographicFront"/>
-      <a:lightRig rig="threePt" dir="t"/>
-    </dgm:scene3d>
-    <dgm:sp3d/>
-    <dgm:txPr/>
-    <dgm:style>
-      <a:lnRef idx="2">
-        <a:scrgbClr r="0" g="0" b="0"/>
-      </a:lnRef>
-      <a:fillRef idx="1">
-        <a:scrgbClr r="0" g="0" b="0"/>
-      </a:fillRef>
-      <a:effectRef idx="0">
-        <a:scrgbClr r="0" g="0" b="0"/>
-      </a:effectRef>
-      <a:fontRef idx="minor">
-        <a:schemeClr val="lt1"/>
-      </a:fontRef>
-    </dgm:style>
-  </dgm:styleLbl>
-  <dgm:styleLbl name="fgImgPlace1">
-    <dgm:scene3d>
-      <a:camera prst="orthographicFront"/>
-      <a:lightRig rig="threePt" dir="t"/>
-    </dgm:scene3d>
-    <dgm:sp3d/>
-    <dgm:txPr/>
-    <dgm:style>
-      <a:lnRef idx="2">
-        <a:scrgbClr r="0" g="0" b="0"/>
-      </a:lnRef>
-      <a:fillRef idx="1">
-        <a:scrgbClr r="0" g="0" b="0"/>
-      </a:fillRef>
-      <a:effectRef idx="0">
-        <a:scrgbClr r="0" g="0" b="0"/>
-      </a:effectRef>
-      <a:fontRef idx="minor"/>
-    </dgm:style>
-  </dgm:styleLbl>
-  <dgm:styleLbl name="alignImgPlace1">
-    <dgm:scene3d>
-      <a:camera prst="orthographicFront"/>
-      <a:lightRig rig="threePt" dir="t"/>
-    </dgm:scene3d>
-    <dgm:sp3d/>
-    <dgm:txPr/>
-    <dgm:style>
-      <a:lnRef idx="2">
-        <a:scrgbClr r="0" g="0" b="0"/>
-      </a:lnRef>
-      <a:fillRef idx="1">
-        <a:scrgbClr r="0" g="0" b="0"/>
-      </a:fillRef>
-      <a:effectRef idx="0">
-        <a:scrgbClr r="0" g="0" b="0"/>
-      </a:effectRef>
-      <a:fontRef idx="minor"/>
-    </dgm:style>
-  </dgm:styleLbl>
-  <dgm:styleLbl name="bgImgPlace1">
-    <dgm:scene3d>
-      <a:camera prst="orthographicFront"/>
-      <a:lightRig rig="threePt" dir="t"/>
-    </dgm:scene3d>
-    <dgm:sp3d/>
-    <dgm:txPr/>
-    <dgm:style>
-      <a:lnRef idx="2">
-        <a:scrgbClr r="0" g="0" b="0"/>
-      </a:lnRef>
-      <a:fillRef idx="1">
-        <a:scrgbClr r="0" g="0" b="0"/>
-      </a:fillRef>
-      <a:effectRef idx="0">
-        <a:scrgbClr r="0" g="0" b="0"/>
-      </a:effectRef>
-      <a:fontRef idx="minor"/>
-    </dgm:style>
-  </dgm:styleLbl>
-  <dgm:styleLbl name="sibTrans2D1">
-    <dgm:scene3d>
-      <a:camera prst="orthographicFront"/>
-      <a:lightRig rig="threePt" dir="t"/>
-    </dgm:scene3d>
-    <dgm:sp3d/>
-    <dgm:txPr/>
-    <dgm:style>
-      <a:lnRef idx="0">
-        <a:scrgbClr r="0" g="0" b="0"/>
-      </a:lnRef>
-      <a:fillRef idx="1">
-        <a:scrgbClr r="0" g="0" b="0"/>
-      </a:fillRef>
-      <a:effectRef idx="0">
-        <a:scrgbClr r="0" g="0" b="0"/>
-      </a:effectRef>
-      <a:fontRef idx="minor">
-        <a:schemeClr val="lt1"/>
-      </a:fontRef>
-    </dgm:style>
-  </dgm:styleLbl>
-  <dgm:styleLbl name="fgSibTrans2D1">
-    <dgm:scene3d>
-      <a:camera prst="orthographicFront"/>
-      <a:lightRig rig="threePt" dir="t"/>
-    </dgm:scene3d>
-    <dgm:sp3d/>
-    <dgm:txPr/>
-    <dgm:style>
-      <a:lnRef idx="0">
-        <a:scrgbClr r="0" g="0" b="0"/>
-      </a:lnRef>
-      <a:fillRef idx="1">
-        <a:scrgbClr r="0" g="0" b="0"/>
-      </a:fillRef>
-      <a:effectRef idx="0">
-        <a:scrgbClr r="0" g="0" b="0"/>
-      </a:effectRef>
-      <a:fontRef idx="minor">
-        <a:schemeClr val="lt1"/>
-      </a:fontRef>
-    </dgm:style>
-  </dgm:styleLbl>
-  <dgm:styleLbl name="bgSibTrans2D1">
-    <dgm:scene3d>
-      <a:camera prst="orthographicFront"/>
-      <a:lightRig rig="threePt" dir="t"/>
-    </dgm:scene3d>
-    <dgm:sp3d/>
-    <dgm:txPr/>
-    <dgm:style>
-      <a:lnRef idx="0">
-        <a:scrgbClr r="0" g="0" b="0"/>
-      </a:lnRef>
-      <a:fillRef idx="1">
-        <a:scrgbClr r="0" g="0" b="0"/>
-      </a:fillRef>
-      <a:effectRef idx="0">
-        <a:scrgbClr r="0" g="0" b="0"/>
-      </a:effectRef>
-      <a:fontRef idx="minor">
-        <a:schemeClr val="lt1"/>
-      </a:fontRef>
-    </dgm:style>
-  </dgm:styleLbl>
-  <dgm:styleLbl name="sibTrans1D1">
-    <dgm:scene3d>
-      <a:camera prst="orthographicFront"/>
-      <a:lightRig rig="threePt" dir="t"/>
-    </dgm:scene3d>
-    <dgm:sp3d/>
-    <dgm:txPr/>
-    <dgm:style>
-      <a:lnRef idx="1">
-        <a:scrgbClr r="0" g="0" b="0"/>
-      </a:lnRef>
-      <a:fillRef idx="0">
-        <a:scrgbClr r="0" g="0" b="0"/>
-      </a:fillRef>
-      <a:effectRef idx="0">
-        <a:scrgbClr r="0" g="0" b="0"/>
-      </a:effectRef>
-      <a:fontRef idx="minor"/>
-    </dgm:style>
-  </dgm:styleLbl>
-  <dgm:styleLbl name="callout">
-    <dgm:scene3d>
-      <a:camera prst="orthographicFront"/>
-      <a:lightRig rig="threePt" dir="t"/>
-    </dgm:scene3d>
-    <dgm:sp3d/>
-    <dgm:txPr/>
-    <dgm:style>
-      <a:lnRef idx="2">
-        <a:scrgbClr r="0" g="0" b="0"/>
-      </a:lnRef>
-      <a:fillRef idx="1">
-        <a:scrgbClr r="0" g="0" b="0"/>
-      </a:fillRef>
-      <a:effectRef idx="0">
-        <a:scrgbClr r="0" g="0" b="0"/>
-      </a:effectRef>
-      <a:fontRef idx="minor"/>
-    </dgm:style>
-  </dgm:styleLbl>
-  <dgm:styleLbl name="asst0">
-    <dgm:scene3d>
-      <a:camera prst="orthographicFront"/>
-      <a:lightRig rig="threePt" dir="t"/>
-    </dgm:scene3d>
-    <dgm:sp3d/>
-    <dgm:txPr/>
-    <dgm:style>
-      <a:lnRef idx="2">
-        <a:scrgbClr r="0" g="0" b="0"/>
-      </a:lnRef>
-      <a:fillRef idx="1">
-        <a:scrgbClr r="0" g="0" b="0"/>
-      </a:fillRef>
-      <a:effectRef idx="0">
-        <a:scrgbClr r="0" g="0" b="0"/>
-      </a:effectRef>
-      <a:fontRef idx="minor">
-        <a:schemeClr val="lt1"/>
-      </a:fontRef>
-    </dgm:style>
-  </dgm:styleLbl>
-  <dgm:styleLbl name="asst1">
-    <dgm:scene3d>
-      <a:camera prst="orthographicFront"/>
-      <a:lightRig rig="threePt" dir="t"/>
-    </dgm:scene3d>
-    <dgm:sp3d/>
-    <dgm:txPr/>
-    <dgm:style>
-      <a:lnRef idx="2">
-        <a:scrgbClr r="0" g="0" b="0"/>
-      </a:lnRef>
-      <a:fillRef idx="1">
-        <a:scrgbClr r="0" g="0" b="0"/>
-      </a:fillRef>
-      <a:effectRef idx="0">
-        <a:scrgbClr r="0" g="0" b="0"/>
-      </a:effectRef>
-      <a:fontRef idx="minor">
-        <a:schemeClr val="lt1"/>
-      </a:fontRef>
-    </dgm:style>
-  </dgm:styleLbl>
-  <dgm:styleLbl name="asst2">
-    <dgm:scene3d>
-      <a:camera prst="orthographicFront"/>
-      <a:lightRig rig="threePt" dir="t"/>
-    </dgm:scene3d>
-    <dgm:sp3d/>
-    <dgm:txPr/>
-    <dgm:style>
-      <a:lnRef idx="2">
-        <a:scrgbClr r="0" g="0" b="0"/>
-      </a:lnRef>
-      <a:fillRef idx="1">
-        <a:scrgbClr r="0" g="0" b="0"/>
-      </a:fillRef>
-      <a:effectRef idx="0">
-        <a:scrgbClr r="0" g="0" b="0"/>
-      </a:effectRef>
-      <a:fontRef idx="minor">
-        <a:schemeClr val="lt1"/>
-      </a:fontRef>
-    </dgm:style>
-  </dgm:styleLbl>
-  <dgm:styleLbl name="asst3">
-    <dgm:scene3d>
-      <a:camera prst="orthographicFront"/>
-      <a:lightRig rig="threePt" dir="t"/>
-    </dgm:scene3d>
-    <dgm:sp3d/>
-    <dgm:txPr/>
-    <dgm:style>
-      <a:lnRef idx="2">
-        <a:scrgbClr r="0" g="0" b="0"/>
-      </a:lnRef>
-      <a:fillRef idx="1">
-        <a:scrgbClr r="0" g="0" b="0"/>
-      </a:fillRef>
-      <a:effectRef idx="0">
-        <a:scrgbClr r="0" g="0" b="0"/>
-      </a:effectRef>
-      <a:fontRef idx="minor">
-        <a:schemeClr val="lt1"/>
-      </a:fontRef>
-    </dgm:style>
-  </dgm:styleLbl>
-  <dgm:styleLbl name="asst4">
-    <dgm:scene3d>
-      <a:camera prst="orthographicFront"/>
-      <a:lightRig rig="threePt" dir="t"/>
-    </dgm:scene3d>
-    <dgm:sp3d/>
-    <dgm:txPr/>
-    <dgm:style>
-      <a:lnRef idx="2">
-        <a:scrgbClr r="0" g="0" b="0"/>
-      </a:lnRef>
-      <a:fillRef idx="1">
-        <a:scrgbClr r="0" g="0" b="0"/>
-      </a:fillRef>
-      <a:effectRef idx="0">
-        <a:scrgbClr r="0" g="0" b="0"/>
-      </a:effectRef>
-      <a:fontRef idx="minor">
-        <a:schemeClr val="lt1"/>
-      </a:fontRef>
-    </dgm:style>
-  </dgm:styleLbl>
-  <dgm:styleLbl name="parChTrans2D1">
-    <dgm:scene3d>
-      <a:camera prst="orthographicFront"/>
-      <a:lightRig rig="threePt" dir="t"/>
-    </dgm:scene3d>
-    <dgm:sp3d/>
-    <dgm:txPr/>
-    <dgm:style>
-      <a:lnRef idx="2">
-        <a:scrgbClr r="0" g="0" b="0"/>
-      </a:lnRef>
-      <a:fillRef idx="1">
-        <a:scrgbClr r="0" g="0" b="0"/>
-      </a:fillRef>
-      <a:effectRef idx="0">
-        <a:scrgbClr r="0" g="0" b="0"/>
-      </a:effectRef>
-      <a:fontRef idx="minor">
-        <a:schemeClr val="lt1"/>
-      </a:fontRef>
-    </dgm:style>
-  </dgm:styleLbl>
-  <dgm:styleLbl name="parChTrans2D2">
-    <dgm:scene3d>
-      <a:camera prst="orthographicFront"/>
-      <a:lightRig rig="threePt" dir="t"/>
-    </dgm:scene3d>
-    <dgm:sp3d/>
-    <dgm:txPr/>
-    <dgm:style>
-      <a:lnRef idx="2">
-        <a:scrgbClr r="0" g="0" b="0"/>
-      </a:lnRef>
-      <a:fillRef idx="1">
-        <a:scrgbClr r="0" g="0" b="0"/>
-      </a:fillRef>
-      <a:effectRef idx="0">
-        <a:scrgbClr r="0" g="0" b="0"/>
-      </a:effectRef>
-      <a:fontRef idx="minor">
-        <a:schemeClr val="lt1"/>
-      </a:fontRef>
-    </dgm:style>
-  </dgm:styleLbl>
-  <dgm:styleLbl name="parChTrans2D3">
-    <dgm:scene3d>
-      <a:camera prst="orthographicFront"/>
-      <a:lightRig rig="threePt" dir="t"/>
-    </dgm:scene3d>
-    <dgm:sp3d/>
-    <dgm:txPr/>
-    <dgm:style>
-      <a:lnRef idx="2">
-        <a:scrgbClr r="0" g="0" b="0"/>
-      </a:lnRef>
-      <a:fillRef idx="1">
-        <a:scrgbClr r="0" g="0" b="0"/>
-      </a:fillRef>
-      <a:effectRef idx="0">
-        <a:scrgbClr r="0" g="0" b="0"/>
-      </a:effectRef>
-      <a:fontRef idx="minor">
-        <a:schemeClr val="lt1"/>
-      </a:fontRef>
-    </dgm:style>
-  </dgm:styleLbl>
-  <dgm:styleLbl name="parChTrans2D4">
-    <dgm:scene3d>
-      <a:camera prst="orthographicFront"/>
-      <a:lightRig rig="threePt" dir="t"/>
-    </dgm:scene3d>
-    <dgm:sp3d/>
-    <dgm:txPr/>
-    <dgm:style>
-      <a:lnRef idx="2">
-        <a:scrgbClr r="0" g="0" b="0"/>
-      </a:lnRef>
-      <a:fillRef idx="1">
-        <a:scrgbClr r="0" g="0" b="0"/>
-      </a:fillRef>
-      <a:effectRef idx="0">
-        <a:scrgbClr r="0" g="0" b="0"/>
-      </a:effectRef>
-      <a:fontRef idx="minor">
-        <a:schemeClr val="lt1"/>
-      </a:fontRef>
-    </dgm:style>
-  </dgm:styleLbl>
-  <dgm:styleLbl name="parChTrans1D1">
-    <dgm:scene3d>
-      <a:camera prst="orthographicFront"/>
-      <a:lightRig rig="threePt" dir="t"/>
-    </dgm:scene3d>
-    <dgm:sp3d/>
-    <dgm:txPr/>
-    <dgm:style>
-      <a:lnRef idx="2">
-        <a:scrgbClr r="0" g="0" b="0"/>
-      </a:lnRef>
-      <a:fillRef idx="0">
-        <a:scrgbClr r="0" g="0" b="0"/>
-      </a:fillRef>
-      <a:effectRef idx="0">
-        <a:scrgbClr r="0" g="0" b="0"/>
-      </a:effectRef>
-      <a:fontRef idx="minor"/>
-    </dgm:style>
-  </dgm:styleLbl>
-  <dgm:styleLbl name="parChTrans1D2">
-    <dgm:scene3d>
-      <a:camera prst="orthographicFront"/>
-      <a:lightRig rig="threePt" dir="t"/>
-    </dgm:scene3d>
-    <dgm:sp3d/>
-    <dgm:txPr/>
-    <dgm:style>
-      <a:lnRef idx="2">
-        <a:scrgbClr r="0" g="0" b="0"/>
-      </a:lnRef>
-      <a:fillRef idx="0">
-        <a:scrgbClr r="0" g="0" b="0"/>
-      </a:fillRef>
-      <a:effectRef idx="0">
-        <a:scrgbClr r="0" g="0" b="0"/>
-      </a:effectRef>
-      <a:fontRef idx="minor"/>
-    </dgm:style>
-  </dgm:styleLbl>
-  <dgm:styleLbl name="parChTrans1D3">
-    <dgm:scene3d>
-      <a:camera prst="orthographicFront"/>
-      <a:lightRig rig="threePt" dir="t"/>
-    </dgm:scene3d>
-    <dgm:sp3d/>
-    <dgm:txPr/>
-    <dgm:style>
-      <a:lnRef idx="2">
-        <a:scrgbClr r="0" g="0" b="0"/>
-      </a:lnRef>
-      <a:fillRef idx="0">
-        <a:scrgbClr r="0" g="0" b="0"/>
-      </a:fillRef>
-      <a:effectRef idx="0">
-        <a:scrgbClr r="0" g="0" b="0"/>
-      </a:effectRef>
-      <a:fontRef idx="minor"/>
-    </dgm:style>
-  </dgm:styleLbl>
-  <dgm:styleLbl name="parChTrans1D4">
-    <dgm:scene3d>
-      <a:camera prst="orthographicFront"/>
-      <a:lightRig rig="threePt" dir="t"/>
-    </dgm:scene3d>
-    <dgm:sp3d/>
-    <dgm:txPr/>
-    <dgm:style>
-      <a:lnRef idx="2">
-        <a:scrgbClr r="0" g="0" b="0"/>
-      </a:lnRef>
-      <a:fillRef idx="0">
-        <a:scrgbClr r="0" g="0" b="0"/>
-      </a:fillRef>
-      <a:effectRef idx="0">
-        <a:scrgbClr r="0" g="0" b="0"/>
-      </a:effectRef>
-      <a:fontRef idx="minor"/>
-    </dgm:style>
-  </dgm:styleLbl>
-  <dgm:styleLbl name="fgAcc1">
-    <dgm:scene3d>
-      <a:camera prst="orthographicFront"/>
-      <a:lightRig rig="threePt" dir="t"/>
-    </dgm:scene3d>
-    <dgm:sp3d/>
-    <dgm:txPr/>
-    <dgm:style>
-      <a:lnRef idx="2">
-        <a:scrgbClr r="0" g="0" b="0"/>
-      </a:lnRef>
-      <a:fillRef idx="1">
-        <a:scrgbClr r="0" g="0" b="0"/>
-      </a:fillRef>
-      <a:effectRef idx="0">
-        <a:scrgbClr r="0" g="0" b="0"/>
-      </a:effectRef>
-      <a:fontRef idx="minor"/>
-    </dgm:style>
-  </dgm:styleLbl>
-  <dgm:styleLbl name="conFgAcc1">
-    <dgm:scene3d>
-      <a:camera prst="orthographicFront"/>
-      <a:lightRig rig="threePt" dir="t"/>
-    </dgm:scene3d>
-    <dgm:sp3d/>
-    <dgm:txPr/>
-    <dgm:style>
-      <a:lnRef idx="2">
-        <a:scrgbClr r="0" g="0" b="0"/>
-      </a:lnRef>
-      <a:fillRef idx="1">
-        <a:scrgbClr r="0" g="0" b="0"/>
-      </a:fillRef>
-      <a:effectRef idx="0">
-        <a:scrgbClr r="0" g="0" b="0"/>
-      </a:effectRef>
-      <a:fontRef idx="minor"/>
-    </dgm:style>
-  </dgm:styleLbl>
-  <dgm:styleLbl name="alignAcc1">
-    <dgm:scene3d>
-      <a:camera prst="orthographicFront"/>
-      <a:lightRig rig="threePt" dir="t"/>
-    </dgm:scene3d>
-    <dgm:sp3d/>
-    <dgm:txPr/>
-    <dgm:style>
-      <a:lnRef idx="2">
-        <a:scrgbClr r="0" g="0" b="0"/>
-      </a:lnRef>
-      <a:fillRef idx="1">
-        <a:scrgbClr r="0" g="0" b="0"/>
-      </a:fillRef>
-      <a:effectRef idx="0">
-        <a:scrgbClr r="0" g="0" b="0"/>
-      </a:effectRef>
-      <a:fontRef idx="minor"/>
-    </dgm:style>
-  </dgm:styleLbl>
-  <dgm:styleLbl name="trAlignAcc1">
-    <dgm:scene3d>
-      <a:camera prst="orthographicFront"/>
-      <a:lightRig rig="threePt" dir="t"/>
-    </dgm:scene3d>
-    <dgm:sp3d/>
-    <dgm:txPr/>
-    <dgm:style>
-      <a:lnRef idx="1">
-        <a:scrgbClr r="0" g="0" b="0"/>
-      </a:lnRef>
-      <a:fillRef idx="1">
-        <a:scrgbClr r="0" g="0" b="0"/>
-      </a:fillRef>
-      <a:effectRef idx="0">
-        <a:scrgbClr r="0" g="0" b="0"/>
-      </a:effectRef>
-      <a:fontRef idx="minor"/>
-    </dgm:style>
-  </dgm:styleLbl>
-  <dgm:styleLbl name="bgAcc1">
-    <dgm:scene3d>
-      <a:camera prst="orthographicFront"/>
-      <a:lightRig rig="threePt" dir="t"/>
-    </dgm:scene3d>
-    <dgm:sp3d/>
-    <dgm:txPr/>
-    <dgm:style>
-      <a:lnRef idx="2">
-        <a:scrgbClr r="0" g="0" b="0"/>
-      </a:lnRef>
-      <a:fillRef idx="1">
-        <a:scrgbClr r="0" g="0" b="0"/>
-      </a:fillRef>
-      <a:effectRef idx="0">
-        <a:scrgbClr r="0" g="0" b="0"/>
-      </a:effectRef>
-      <a:fontRef idx="minor"/>
-    </dgm:style>
-  </dgm:styleLbl>
-  <dgm:styleLbl name="solidFgAcc1">
-    <dgm:scene3d>
-      <a:camera prst="orthographicFront"/>
-      <a:lightRig rig="threePt" dir="t"/>
-    </dgm:scene3d>
-    <dgm:sp3d/>
-    <dgm:txPr/>
-    <dgm:style>
-      <a:lnRef idx="2">
-        <a:scrgbClr r="0" g="0" b="0"/>
-      </a:lnRef>
-      <a:fillRef idx="1">
-        <a:scrgbClr r="0" g="0" b="0"/>
-      </a:fillRef>
-      <a:effectRef idx="0">
-        <a:scrgbClr r="0" g="0" b="0"/>
-      </a:effectRef>
-      <a:fontRef idx="minor"/>
-    </dgm:style>
-  </dgm:styleLbl>
-  <dgm:styleLbl name="solidAlignAcc1">
-    <dgm:scene3d>
-      <a:camera prst="orthographicFront"/>
-      <a:lightRig rig="threePt" dir="t"/>
-    </dgm:scene3d>
-    <dgm:sp3d/>
-    <dgm:txPr/>
-    <dgm:style>
-      <a:lnRef idx="2">
-        <a:scrgbClr r="0" g="0" b="0"/>
-      </a:lnRef>
-      <a:fillRef idx="1">
-        <a:scrgbClr r="0" g="0" b="0"/>
-      </a:fillRef>
-      <a:effectRef idx="0">
-        <a:scrgbClr r="0" g="0" b="0"/>
-      </a:effectRef>
-      <a:fontRef idx="minor"/>
-    </dgm:style>
-  </dgm:styleLbl>
-  <dgm:styleLbl name="solidBgAcc1">
-    <dgm:scene3d>
-      <a:camera prst="orthographicFront"/>
-      <a:lightRig rig="threePt" dir="t"/>
-    </dgm:scene3d>
-    <dgm:sp3d/>
-    <dgm:txPr/>
-    <dgm:style>
-      <a:lnRef idx="2">
-        <a:scrgbClr r="0" g="0" b="0"/>
-      </a:lnRef>
-      <a:fillRef idx="1">
-        <a:scrgbClr r="0" g="0" b="0"/>
-      </a:fillRef>
-      <a:effectRef idx="0">
-        <a:scrgbClr r="0" g="0" b="0"/>
-      </a:effectRef>
-      <a:fontRef idx="minor"/>
-    </dgm:style>
-  </dgm:styleLbl>
-  <dgm:styleLbl name="fgAccFollowNode1">
-    <dgm:scene3d>
-      <a:camera prst="orthographicFront"/>
-      <a:lightRig rig="threePt" dir="t"/>
-    </dgm:scene3d>
-    <dgm:sp3d/>
-    <dgm:txPr/>
-    <dgm:style>
-      <a:lnRef idx="2">
-        <a:scrgbClr r="0" g="0" b="0"/>
-      </a:lnRef>
-      <a:fillRef idx="1">
-        <a:scrgbClr r="0" g="0" b="0"/>
-      </a:fillRef>
-      <a:effectRef idx="0">
-        <a:scrgbClr r="0" g="0" b="0"/>
-      </a:effectRef>
-      <a:fontRef idx="minor"/>
-    </dgm:style>
-  </dgm:styleLbl>
-  <dgm:styleLbl name="alignAccFollowNode1">
-    <dgm:scene3d>
-      <a:camera prst="orthographicFront"/>
-      <a:lightRig rig="threePt" dir="t"/>
-    </dgm:scene3d>
-    <dgm:sp3d/>
-    <dgm:txPr/>
-    <dgm:style>
-      <a:lnRef idx="2">
-        <a:scrgbClr r="0" g="0" b="0"/>
-      </a:lnRef>
-      <a:fillRef idx="1">
-        <a:scrgbClr r="0" g="0" b="0"/>
-      </a:fillRef>
-      <a:effectRef idx="0">
-        <a:scrgbClr r="0" g="0" b="0"/>
-      </a:effectRef>
-      <a:fontRef idx="minor"/>
-    </dgm:style>
-  </dgm:styleLbl>
-  <dgm:styleLbl name="bgAccFollowNode1">
-    <dgm:scene3d>
-      <a:camera prst="orthographicFront"/>
-      <a:lightRig rig="threePt" dir="t"/>
-    </dgm:scene3d>
-    <dgm:sp3d/>
-    <dgm:txPr/>
-    <dgm:style>
-      <a:lnRef idx="2">
-        <a:scrgbClr r="0" g="0" b="0"/>
-      </a:lnRef>
-      <a:fillRef idx="1">
-        <a:scrgbClr r="0" g="0" b="0"/>
-      </a:fillRef>
-      <a:effectRef idx="0">
-        <a:scrgbClr r="0" g="0" b="0"/>
-      </a:effectRef>
-      <a:fontRef idx="minor"/>
-    </dgm:style>
-  </dgm:styleLbl>
-  <dgm:styleLbl name="fgAcc0">
-    <dgm:scene3d>
-      <a:camera prst="orthographicFront"/>
-      <a:lightRig rig="threePt" dir="t"/>
-    </dgm:scene3d>
-    <dgm:sp3d/>
-    <dgm:txPr/>
-    <dgm:style>
-      <a:lnRef idx="2">
-        <a:scrgbClr r="0" g="0" b="0"/>
-      </a:lnRef>
-      <a:fillRef idx="1">
-        <a:scrgbClr r="0" g="0" b="0"/>
-      </a:fillRef>
-      <a:effectRef idx="0">
-        <a:scrgbClr r="0" g="0" b="0"/>
-      </a:effectRef>
-      <a:fontRef idx="minor"/>
-    </dgm:style>
-  </dgm:styleLbl>
-  <dgm:styleLbl name="fgAcc2">
-    <dgm:scene3d>
-      <a:camera prst="orthographicFront"/>
-      <a:lightRig rig="threePt" dir="t"/>
-    </dgm:scene3d>
-    <dgm:sp3d/>
-    <dgm:txPr/>
-    <dgm:style>
-      <a:lnRef idx="2">
-        <a:scrgbClr r="0" g="0" b="0"/>
-      </a:lnRef>
-      <a:fillRef idx="1">
-        <a:scrgbClr r="0" g="0" b="0"/>
-      </a:fillRef>
-      <a:effectRef idx="0">
-        <a:scrgbClr r="0" g="0" b="0"/>
-      </a:effectRef>
-      <a:fontRef idx="minor"/>
-    </dgm:style>
-  </dgm:styleLbl>
-  <dgm:styleLbl name="fgAcc3">
-    <dgm:scene3d>
-      <a:camera prst="orthographicFront"/>
-      <a:lightRig rig="threePt" dir="t"/>
-    </dgm:scene3d>
-    <dgm:sp3d/>
-    <dgm:txPr/>
-    <dgm:style>
-      <a:lnRef idx="2">
-        <a:scrgbClr r="0" g="0" b="0"/>
-      </a:lnRef>
-      <a:fillRef idx="1">
-        <a:scrgbClr r="0" g="0" b="0"/>
-      </a:fillRef>
-      <a:effectRef idx="0">
-        <a:scrgbClr r="0" g="0" b="0"/>
-      </a:effectRef>
-      <a:fontRef idx="minor"/>
-    </dgm:style>
-  </dgm:styleLbl>
-  <dgm:styleLbl name="fgAcc4">
-    <dgm:scene3d>
-      <a:camera prst="orthographicFront"/>
-      <a:lightRig rig="threePt" dir="t"/>
-    </dgm:scene3d>
-    <dgm:sp3d/>
-    <dgm:txPr/>
-    <dgm:style>
-      <a:lnRef idx="2">
-        <a:scrgbClr r="0" g="0" b="0"/>
-      </a:lnRef>
-      <a:fillRef idx="1">
-        <a:scrgbClr r="0" g="0" b="0"/>
-      </a:fillRef>
-      <a:effectRef idx="0">
-        <a:scrgbClr r="0" g="0" b="0"/>
-      </a:effectRef>
-      <a:fontRef idx="minor"/>
-    </dgm:style>
-  </dgm:styleLbl>
-  <dgm:styleLbl name="bgShp">
-    <dgm:scene3d>
-      <a:camera prst="orthographicFront"/>
-      <a:lightRig rig="threePt" dir="t"/>
-    </dgm:scene3d>
-    <dgm:sp3d/>
-    <dgm:txPr/>
-    <dgm:style>
-      <a:lnRef idx="0">
-        <a:scrgbClr r="0" g="0" b="0"/>
-      </a:lnRef>
-      <a:fillRef idx="1">
-        <a:scrgbClr r="0" g="0" b="0"/>
-      </a:fillRef>
-      <a:effectRef idx="0">
-        <a:scrgbClr r="0" g="0" b="0"/>
-      </a:effectRef>
-      <a:fontRef idx="minor"/>
-    </dgm:style>
-  </dgm:styleLbl>
-  <dgm:styleLbl name="dkBgShp">
-    <dgm:scene3d>
-      <a:camera prst="orthographicFront"/>
-      <a:lightRig rig="threePt" dir="t"/>
-    </dgm:scene3d>
-    <dgm:sp3d/>
-    <dgm:txPr/>
-    <dgm:style>
-      <a:lnRef idx="0">
-        <a:scrgbClr r="0" g="0" b="0"/>
-      </a:lnRef>
-      <a:fillRef idx="1">
-        <a:scrgbClr r="0" g="0" b="0"/>
-      </a:fillRef>
-      <a:effectRef idx="0">
-        <a:scrgbClr r="0" g="0" b="0"/>
-      </a:effectRef>
-      <a:fontRef idx="minor"/>
-    </dgm:style>
-  </dgm:styleLbl>
-  <dgm:styleLbl name="trBgShp">
-    <dgm:scene3d>
-      <a:camera prst="orthographicFront"/>
-      <a:lightRig rig="threePt" dir="t"/>
-    </dgm:scene3d>
-    <dgm:sp3d/>
-    <dgm:txPr/>
-    <dgm:style>
-      <a:lnRef idx="0">
-        <a:scrgbClr r="0" g="0" b="0"/>
-      </a:lnRef>
-      <a:fillRef idx="1">
-        <a:scrgbClr r="0" g="0" b="0"/>
-      </a:fillRef>
-      <a:effectRef idx="0">
-        <a:scrgbClr r="0" g="0" b="0"/>
-      </a:effectRef>
-      <a:fontRef idx="minor"/>
-    </dgm:style>
-  </dgm:styleLbl>
-  <dgm:styleLbl name="fgShp">
-    <dgm:scene3d>
-      <a:camera prst="orthographicFront"/>
-      <a:lightRig rig="threePt" dir="t"/>
-    </dgm:scene3d>
-    <dgm:sp3d/>
-    <dgm:txPr/>
-    <dgm:style>
-      <a:lnRef idx="2">
-        <a:scrgbClr r="0" g="0" b="0"/>
-      </a:lnRef>
-      <a:fillRef idx="1">
-        <a:scrgbClr r="0" g="0" b="0"/>
-      </a:fillRef>
-      <a:effectRef idx="0">
-        <a:scrgbClr r="0" g="0" b="0"/>
-      </a:effectRef>
-      <a:fontRef idx="minor"/>
-    </dgm:style>
-  </dgm:styleLbl>
-  <dgm:styleLbl name="revTx">
-    <dgm:scene3d>
-      <a:camera prst="orthographicFront"/>
-      <a:lightRig rig="threePt" dir="t"/>
-    </dgm:scene3d>
-    <dgm:sp3d/>
-    <dgm:txPr/>
-    <dgm:style>
-      <a:lnRef idx="0">
-        <a:scrgbClr r="0" g="0" b="0"/>
-      </a:lnRef>
-      <a:fillRef idx="0">
-        <a:scrgbClr r="0" g="0" b="0"/>
-      </a:fillRef>
-      <a:effectRef idx="0">
-        <a:scrgbClr r="0" g="0" b="0"/>
-      </a:effectRef>
-      <a:fontRef idx="minor"/>
-    </dgm:style>
-  </dgm:styleLbl>
-</dgm:styleDef>
-</file>
-
 <file path=ppt/slideLayouts/slideLayout1.xml><?xml version="1.0" encoding="utf-8"?>
 <p:sldLayout xmlns:a="http://schemas.openxmlformats.org/drawingml/2006/main" xmlns:r="http://schemas.openxmlformats.org/officeDocument/2006/relationships" xmlns:p="http://schemas.openxmlformats.org/presentationml/2006/main" showMasterSp="0" type="title" preserve="1">
   <p:cSld name="Title Slide">
@@ -5028,7 +368,7 @@
           <a:p>
             <a:fld id="{9184DA70-C731-4C70-880D-CCD4705E623C}" type="datetime1">
               <a:rPr lang="en-US" smtClean="0"/>
-              <a:t>4/20/2020</a:t>
+              <a:t>4/25/2020</a:t>
             </a:fld>
             <a:endParaRPr lang="en-US" dirty="0"/>
           </a:p>
@@ -5216,7 +556,7 @@
           <a:p>
             <a:fld id="{B612A279-0833-481D-8C56-F67FD0AC6C50}" type="datetime1">
               <a:rPr lang="en-US" smtClean="0"/>
-              <a:t>4/20/2020</a:t>
+              <a:t>4/25/2020</a:t>
             </a:fld>
             <a:endParaRPr lang="en-US" dirty="0"/>
           </a:p>
@@ -5458,7 +798,7 @@
           <a:p>
             <a:fld id="{6587DA83-5663-4C9C-B9AA-0B40A3DAFF81}" type="datetime1">
               <a:rPr lang="en-US" smtClean="0"/>
-              <a:t>4/20/2020</a:t>
+              <a:t>4/25/2020</a:t>
             </a:fld>
             <a:endParaRPr lang="en-US" dirty="0"/>
           </a:p>
@@ -5646,7 +986,7 @@
           <a:p>
             <a:fld id="{4BE1D723-8F53-4F53-90B0-1982A396982E}" type="datetime1">
               <a:rPr lang="en-US" smtClean="0"/>
-              <a:t>4/20/2020</a:t>
+              <a:t>4/25/2020</a:t>
             </a:fld>
             <a:endParaRPr lang="en-US" dirty="0"/>
           </a:p>
@@ -6019,7 +1359,7 @@
           <a:p>
             <a:fld id="{97669AF7-7BEB-44E4-9852-375E34362B5B}" type="datetime1">
               <a:rPr lang="en-US" smtClean="0"/>
-              <a:t>4/20/2020</a:t>
+              <a:t>4/25/2020</a:t>
             </a:fld>
             <a:endParaRPr lang="en-US" dirty="0"/>
           </a:p>
@@ -6274,7 +1614,7 @@
           <a:p>
             <a:fld id="{BAAAC38D-0552-4C82-B593-E6124DFADBE2}" type="datetime1">
               <a:rPr lang="en-US" smtClean="0"/>
-              <a:t>4/20/2020</a:t>
+              <a:t>4/25/2020</a:t>
             </a:fld>
             <a:endParaRPr lang="en-US" dirty="0"/>
           </a:p>
@@ -6671,7 +2011,7 @@
           <a:p>
             <a:fld id="{D9DF0F1C-5577-4ACB-BB62-DF8F3C494C7E}" type="datetime1">
               <a:rPr lang="en-US" smtClean="0"/>
-              <a:t>4/20/2020</a:t>
+              <a:t>4/25/2020</a:t>
             </a:fld>
             <a:endParaRPr lang="en-US" dirty="0"/>
           </a:p>
@@ -6807,7 +2147,7 @@
           <a:p>
             <a:fld id="{1775B394-D9F9-4F0C-B15D-605F45CB9E9F}" type="datetime1">
               <a:rPr lang="en-US" smtClean="0"/>
-              <a:t>4/20/2020</a:t>
+              <a:t>4/25/2020</a:t>
             </a:fld>
             <a:endParaRPr lang="en-US" dirty="0"/>
           </a:p>
@@ -6964,7 +2304,7 @@
           <a:p>
             <a:fld id="{39667345-2558-425A-8533-9BFDBCE15005}" type="datetime1">
               <a:rPr lang="en-US" smtClean="0"/>
-              <a:t>4/20/2020</a:t>
+              <a:t>4/25/2020</a:t>
             </a:fld>
             <a:endParaRPr lang="en-US" dirty="0"/>
           </a:p>
@@ -7293,7 +2633,7 @@
           <a:p>
             <a:fld id="{92BEA474-078D-4E9B-9B14-09A87B19DC46}" type="datetime1">
               <a:rPr lang="en-US" smtClean="0"/>
-              <a:t>4/20/2020</a:t>
+              <a:t>4/25/2020</a:t>
             </a:fld>
             <a:endParaRPr lang="en-US" dirty="0"/>
           </a:p>
@@ -7643,7 +2983,7 @@
           <a:p>
             <a:fld id="{4907D986-8816-4272-A432-0437A28A9828}" type="datetime1">
               <a:rPr lang="en-US" smtClean="0"/>
-              <a:t>4/20/2020</a:t>
+              <a:t>4/25/2020</a:t>
             </a:fld>
             <a:endParaRPr lang="en-US" dirty="0"/>
           </a:p>
@@ -7904,7 +3244,7 @@
           <a:p>
             <a:fld id="{62D6E202-B606-4609-B914-27C9371A1F6D}" type="datetime1">
               <a:rPr lang="en-US" smtClean="0"/>
-              <a:t>4/20/2020</a:t>
+              <a:t>4/25/2020</a:t>
             </a:fld>
             <a:endParaRPr lang="en-US" dirty="0"/>
           </a:p>
@@ -8562,17 +3902,6 @@
           <a:lstStyle/>
           <a:p>
             <a:r>
-              <a:rPr lang="en-US" dirty="0" err="1">
-                <a:solidFill>
-                  <a:schemeClr val="tx1">
-                    <a:lumMod val="85000"/>
-                    <a:lumOff val="15000"/>
-                  </a:schemeClr>
-                </a:solidFill>
-              </a:rPr>
-              <a:t>Alynda</a:t>
-            </a:r>
-            <a:r>
               <a:rPr lang="en-US" dirty="0">
                 <a:solidFill>
                   <a:schemeClr val="tx1">
@@ -8581,7 +3910,7 @@
                   </a:schemeClr>
                 </a:solidFill>
               </a:rPr>
-              <a:t> Her</a:t>
+              <a:t>Alynda Her</a:t>
             </a:r>
           </a:p>
           <a:p>
@@ -8745,58 +4074,70 @@
           <p:cNvPr id="2" name="Title 1">
             <a:extLst>
               <a:ext uri="{FF2B5EF4-FFF2-40B4-BE49-F238E27FC236}">
-                <a16:creationId xmlns:a16="http://schemas.microsoft.com/office/drawing/2014/main" id="{55B541C8-B477-454B-AFAF-70449F2A07CD}"/>
-              </a:ext>
-            </a:extLst>
-          </p:cNvPr>
-          <p:cNvSpPr>
-            <a:spLocks noGrp="1"/>
-          </p:cNvSpPr>
-          <p:nvPr>
-            <p:ph type="title"/>
-          </p:nvPr>
-        </p:nvSpPr>
-        <p:spPr/>
-        <p:txBody>
-          <a:bodyPr/>
+                <a16:creationId xmlns:a16="http://schemas.microsoft.com/office/drawing/2014/main" id="{C9BED4E7-5829-4ED1-B0D4-F3D4C5A6F8F9}"/>
+              </a:ext>
+            </a:extLst>
+          </p:cNvPr>
+          <p:cNvSpPr>
+            <a:spLocks noGrp="1"/>
+          </p:cNvSpPr>
+          <p:nvPr>
+            <p:ph type="title" idx="4294967295"/>
+          </p:nvPr>
+        </p:nvSpPr>
+        <p:spPr>
+          <a:xfrm>
+            <a:off x="1039019" y="156675"/>
+            <a:ext cx="10113962" cy="744537"/>
+          </a:xfrm>
+        </p:spPr>
+        <p:txBody>
+          <a:bodyPr anchor="b">
+            <a:normAutofit/>
+          </a:bodyPr>
           <a:lstStyle/>
           <a:p>
             <a:r>
               <a:rPr lang="en-US" dirty="0"/>
-              <a:t>Links between links?</a:t>
-            </a:r>
-          </a:p>
-        </p:txBody>
-      </p:sp>
-      <p:sp>
-        <p:nvSpPr>
-          <p:cNvPr id="3" name="Content Placeholder 2">
-            <a:extLst>
-              <a:ext uri="{FF2B5EF4-FFF2-40B4-BE49-F238E27FC236}">
-                <a16:creationId xmlns:a16="http://schemas.microsoft.com/office/drawing/2014/main" id="{05229BC5-5D4B-4E20-A139-9B2CF143C6DC}"/>
-              </a:ext>
-            </a:extLst>
-          </p:cNvPr>
-          <p:cNvSpPr>
-            <a:spLocks noGrp="1"/>
-          </p:cNvSpPr>
-          <p:nvPr>
-            <p:ph idx="1"/>
-          </p:nvPr>
-        </p:nvSpPr>
-        <p:spPr/>
-        <p:txBody>
-          <a:bodyPr/>
-          <a:lstStyle/>
-          <a:p>
-            <a:endParaRPr lang="en-US" dirty="0"/>
-          </a:p>
-        </p:txBody>
-      </p:sp>
+              <a:t>Ranking by County</a:t>
+            </a:r>
+          </a:p>
+        </p:txBody>
+      </p:sp>
+      <p:pic>
+        <p:nvPicPr>
+          <p:cNvPr id="3" name="Picture 2">
+            <a:extLst>
+              <a:ext uri="{FF2B5EF4-FFF2-40B4-BE49-F238E27FC236}">
+                <a16:creationId xmlns:a16="http://schemas.microsoft.com/office/drawing/2014/main" id="{FEEF9643-FD08-4BB6-91EC-6D08E14D1EAE}"/>
+              </a:ext>
+            </a:extLst>
+          </p:cNvPr>
+          <p:cNvPicPr>
+            <a:picLocks noChangeAspect="1"/>
+          </p:cNvPicPr>
+          <p:nvPr/>
+        </p:nvPicPr>
+        <p:blipFill>
+          <a:blip r:embed="rId2"/>
+          <a:stretch>
+            <a:fillRect/>
+          </a:stretch>
+        </p:blipFill>
+        <p:spPr>
+          <a:xfrm>
+            <a:off x="2753809" y="901213"/>
+            <a:ext cx="6684382" cy="5486336"/>
+          </a:xfrm>
+          <a:prstGeom prst="rect">
+            <a:avLst/>
+          </a:prstGeom>
+        </p:spPr>
+      </p:pic>
     </p:spTree>
     <p:extLst>
       <p:ext uri="{BB962C8B-B14F-4D97-AF65-F5344CB8AC3E}">
-        <p14:creationId xmlns:p14="http://schemas.microsoft.com/office/powerpoint/2010/main" val="1355301510"/>
+        <p14:creationId xmlns:p14="http://schemas.microsoft.com/office/powerpoint/2010/main" val="3500338182"/>
       </p:ext>
     </p:extLst>
   </p:cSld>
@@ -8823,71 +4164,40 @@
           <a:chExt cx="0" cy="0"/>
         </a:xfrm>
       </p:grpSpPr>
-      <p:sp>
-        <p:nvSpPr>
-          <p:cNvPr id="15" name="Title 1">
-            <a:extLst>
-              <a:ext uri="{FF2B5EF4-FFF2-40B4-BE49-F238E27FC236}">
-                <a16:creationId xmlns:a16="http://schemas.microsoft.com/office/drawing/2014/main" id="{D367EDDA-D49C-4FCA-A64F-16468288E513}"/>
-              </a:ext>
-            </a:extLst>
-          </p:cNvPr>
-          <p:cNvSpPr>
-            <a:spLocks noGrp="1"/>
-          </p:cNvSpPr>
-          <p:nvPr>
-            <p:ph type="title"/>
-          </p:nvPr>
-        </p:nvSpPr>
-        <p:spPr/>
-        <p:txBody>
-          <a:bodyPr anchor="b">
-            <a:normAutofit/>
-          </a:bodyPr>
-          <a:lstStyle/>
-          <a:p>
-            <a:r>
-              <a:rPr lang="en-US" dirty="0"/>
-              <a:t>Factors and Hypotheses</a:t>
-            </a:r>
-          </a:p>
-        </p:txBody>
-      </p:sp>
-      <p:graphicFrame>
-        <p:nvGraphicFramePr>
-          <p:cNvPr id="21" name="Content Placeholder 9">
-            <a:extLst>
-              <a:ext uri="{FF2B5EF4-FFF2-40B4-BE49-F238E27FC236}">
-                <a16:creationId xmlns:a16="http://schemas.microsoft.com/office/drawing/2014/main" id="{6F2884C3-F1EB-4E0F-A809-B9F06D35C3A7}"/>
-              </a:ext>
-            </a:extLst>
-          </p:cNvPr>
-          <p:cNvGraphicFramePr>
-            <a:graphicFrameLocks noGrp="1"/>
-          </p:cNvGraphicFramePr>
-          <p:nvPr>
-            <p:ph idx="1"/>
-            <p:extLst>
-              <p:ext uri="{D42A27DB-BD31-4B8C-83A1-F6EECF244321}">
-                <p14:modId xmlns:p14="http://schemas.microsoft.com/office/powerpoint/2010/main" val="3479774251"/>
-              </p:ext>
-            </p:extLst>
-          </p:nvPr>
-        </p:nvGraphicFramePr>
-        <p:xfrm>
-          <a:off x="1096963" y="2108200"/>
-          <a:ext cx="10058400" cy="3760788"/>
-        </p:xfrm>
-        <a:graphic>
-          <a:graphicData uri="http://schemas.openxmlformats.org/drawingml/2006/diagram">
-            <dgm:relIds xmlns:dgm="http://schemas.openxmlformats.org/drawingml/2006/diagram" xmlns:r="http://schemas.openxmlformats.org/officeDocument/2006/relationships" r:dm="rId2" r:lo="rId3" r:qs="rId4" r:cs="rId5"/>
-          </a:graphicData>
-        </a:graphic>
-      </p:graphicFrame>
+      <p:pic>
+        <p:nvPicPr>
+          <p:cNvPr id="6" name="Picture 5">
+            <a:extLst>
+              <a:ext uri="{FF2B5EF4-FFF2-40B4-BE49-F238E27FC236}">
+                <a16:creationId xmlns:a16="http://schemas.microsoft.com/office/drawing/2014/main" id="{E718BE88-6B7C-4B1D-BD14-020FFCD32D27}"/>
+              </a:ext>
+            </a:extLst>
+          </p:cNvPr>
+          <p:cNvPicPr>
+            <a:picLocks noChangeAspect="1"/>
+          </p:cNvPicPr>
+          <p:nvPr/>
+        </p:nvPicPr>
+        <p:blipFill>
+          <a:blip r:embed="rId2"/>
+          <a:stretch>
+            <a:fillRect/>
+          </a:stretch>
+        </p:blipFill>
+        <p:spPr>
+          <a:xfrm>
+            <a:off x="1625918" y="0"/>
+            <a:ext cx="8940164" cy="6372665"/>
+          </a:xfrm>
+          <a:prstGeom prst="rect">
+            <a:avLst/>
+          </a:prstGeom>
+        </p:spPr>
+      </p:pic>
     </p:spTree>
     <p:extLst>
       <p:ext uri="{BB962C8B-B14F-4D97-AF65-F5344CB8AC3E}">
-        <p14:creationId xmlns:p14="http://schemas.microsoft.com/office/powerpoint/2010/main" val="942443912"/>
+        <p14:creationId xmlns:p14="http://schemas.microsoft.com/office/powerpoint/2010/main" val="1355301510"/>
       </p:ext>
     </p:extLst>
   </p:cSld>
@@ -9001,14 +4311,14 @@
           <p:nvPr>
             <p:extLst>
               <p:ext uri="{D42A27DB-BD31-4B8C-83A1-F6EECF244321}">
-                <p14:modId xmlns:p14="http://schemas.microsoft.com/office/powerpoint/2010/main" val="2927388784"/>
+                <p14:modId xmlns:p14="http://schemas.microsoft.com/office/powerpoint/2010/main" val="801917423"/>
               </p:ext>
             </p:extLst>
           </p:nvPr>
         </p:nvGraphicFramePr>
         <p:xfrm>
-          <a:off x="2032000" y="2108201"/>
-          <a:ext cx="8128000" cy="2595880"/>
+          <a:off x="357810" y="2131060"/>
+          <a:ext cx="10865679" cy="2595880"/>
         </p:xfrm>
         <a:graphic>
           <a:graphicData uri="http://schemas.openxmlformats.org/drawingml/2006/table">
@@ -9017,31 +4327,45 @@
                 <a:tableStyleId>{5C22544A-7EE6-4342-B048-85BDC9FD1C3A}</a:tableStyleId>
               </a:tblPr>
               <a:tblGrid>
-                <a:gridCol w="2248452">
+                <a:gridCol w="2862468">
                   <a:extLst>
                     <a:ext uri="{9D8B030D-6E8A-4147-A177-3AD203B41FA5}">
                       <a16:colId xmlns:a16="http://schemas.microsoft.com/office/drawing/2014/main" val="1772244749"/>
                     </a:ext>
                   </a:extLst>
                 </a:gridCol>
-                <a:gridCol w="1815548">
+                <a:gridCol w="1311965">
+                  <a:extLst>
+                    <a:ext uri="{9D8B030D-6E8A-4147-A177-3AD203B41FA5}">
+                      <a16:colId xmlns:a16="http://schemas.microsoft.com/office/drawing/2014/main" val="1756313240"/>
+                    </a:ext>
+                  </a:extLst>
+                </a:gridCol>
+                <a:gridCol w="1139687">
                   <a:extLst>
                     <a:ext uri="{9D8B030D-6E8A-4147-A177-3AD203B41FA5}">
                       <a16:colId xmlns:a16="http://schemas.microsoft.com/office/drawing/2014/main" val="1707999496"/>
                     </a:ext>
                   </a:extLst>
                 </a:gridCol>
-                <a:gridCol w="2032000">
+                <a:gridCol w="1007166">
                   <a:extLst>
                     <a:ext uri="{9D8B030D-6E8A-4147-A177-3AD203B41FA5}">
                       <a16:colId xmlns:a16="http://schemas.microsoft.com/office/drawing/2014/main" val="3228859665"/>
                     </a:ext>
                   </a:extLst>
                 </a:gridCol>
-                <a:gridCol w="2032000">
+                <a:gridCol w="1567624">
                   <a:extLst>
                     <a:ext uri="{9D8B030D-6E8A-4147-A177-3AD203B41FA5}">
                       <a16:colId xmlns:a16="http://schemas.microsoft.com/office/drawing/2014/main" val="314511310"/>
+                    </a:ext>
+                  </a:extLst>
+                </a:gridCol>
+                <a:gridCol w="2976769">
+                  <a:extLst>
+                    <a:ext uri="{9D8B030D-6E8A-4147-A177-3AD203B41FA5}">
+                      <a16:colId xmlns:a16="http://schemas.microsoft.com/office/drawing/2014/main" val="2911842421"/>
                     </a:ext>
                   </a:extLst>
                 </a:gridCol>
@@ -9054,14 +4378,34 @@
                     <a:p>
                       <a:pPr algn="l" rtl="0" fontAlgn="ctr"/>
                       <a:r>
-                        <a:rPr lang="en-US" sz="1800" b="1" i="0" u="none" strike="noStrike">
+                        <a:rPr lang="en-US" sz="1800" b="1" i="0" u="none" strike="noStrike" dirty="0">
                           <a:solidFill>
                             <a:srgbClr val="FFFFFF"/>
                           </a:solidFill>
                           <a:effectLst/>
                           <a:latin typeface="Franklin Gothic Book" panose="020B0503020102020204" pitchFamily="34" charset="0"/>
                         </a:rPr>
-                        <a:t>Link</a:t>
+                        <a:t>Data</a:t>
+                      </a:r>
+                    </a:p>
+                  </a:txBody>
+                  <a:tcPr marL="9525" marR="9525" marT="9525" marB="0" anchor="ctr"/>
+                </a:tc>
+                <a:tc>
+                  <a:txBody>
+                    <a:bodyPr/>
+                    <a:lstStyle/>
+                    <a:p>
+                      <a:pPr algn="l" rtl="0" fontAlgn="ctr"/>
+                      <a:r>
+                        <a:rPr lang="en-US" sz="1800" b="1" i="0" u="none" strike="noStrike" dirty="0">
+                          <a:solidFill>
+                            <a:srgbClr val="FFFFFF"/>
+                          </a:solidFill>
+                          <a:effectLst/>
+                          <a:latin typeface="Franklin Gothic Book" panose="020B0503020102020204" pitchFamily="34" charset="0"/>
+                        </a:rPr>
+                        <a:t>Hypothesis</a:t>
                       </a:r>
                     </a:p>
                   </a:txBody>
@@ -9094,7 +4438,7 @@
                     <a:p>
                       <a:pPr algn="l" rtl="0" fontAlgn="ctr"/>
                       <a:r>
-                        <a:rPr lang="en-US" sz="1800" b="1" i="0" u="none" strike="noStrike">
+                        <a:rPr lang="en-US" sz="1800" b="1" i="0" u="none" strike="noStrike" dirty="0">
                           <a:solidFill>
                             <a:srgbClr val="FFFFFF"/>
                           </a:solidFill>
@@ -9114,7 +4458,7 @@
                     <a:p>
                       <a:pPr algn="l" rtl="0" fontAlgn="ctr"/>
                       <a:r>
-                        <a:rPr lang="en-US" sz="1800" b="1" i="0" u="none" strike="noStrike">
+                        <a:rPr lang="en-US" sz="1800" b="1" i="0" u="none" strike="noStrike" dirty="0">
                           <a:solidFill>
                             <a:srgbClr val="FFFFFF"/>
                           </a:solidFill>
@@ -9122,6 +4466,26 @@
                           <a:latin typeface="Franklin Gothic Book" panose="020B0503020102020204" pitchFamily="34" charset="0"/>
                         </a:rPr>
                         <a:t>Standard Error</a:t>
+                      </a:r>
+                    </a:p>
+                  </a:txBody>
+                  <a:tcPr marL="9525" marR="9525" marT="9525" marB="0" anchor="ctr"/>
+                </a:tc>
+                <a:tc>
+                  <a:txBody>
+                    <a:bodyPr/>
+                    <a:lstStyle/>
+                    <a:p>
+                      <a:pPr algn="l" rtl="0" fontAlgn="ctr"/>
+                      <a:r>
+                        <a:rPr lang="en-US" sz="1800" b="1" i="0" u="none" strike="noStrike" dirty="0">
+                          <a:solidFill>
+                            <a:srgbClr val="FFFFFF"/>
+                          </a:solidFill>
+                          <a:effectLst/>
+                          <a:latin typeface="Franklin Gothic Book" panose="020B0503020102020204" pitchFamily="34" charset="0"/>
+                        </a:rPr>
+                        <a:t>Conclusion</a:t>
                       </a:r>
                     </a:p>
                   </a:txBody>
@@ -9141,14 +4505,34 @@
                     <a:p>
                       <a:pPr algn="l" rtl="0" fontAlgn="ctr"/>
                       <a:r>
-                        <a:rPr lang="en-US" sz="1800" b="0" i="0" u="none" strike="noStrike">
+                        <a:rPr lang="en-US" sz="1800" b="0" i="0" u="none" strike="noStrike" dirty="0">
                           <a:solidFill>
                             <a:srgbClr val="000000"/>
                           </a:solidFill>
                           <a:effectLst/>
                           <a:latin typeface="Franklin Gothic Book" panose="020B0503020102020204" pitchFamily="34" charset="0"/>
                         </a:rPr>
-                        <a:t>Average Income</a:t>
+                        <a:t>Median Household Income</a:t>
+                      </a:r>
+                    </a:p>
+                  </a:txBody>
+                  <a:tcPr marL="9525" marR="9525" marT="9525" marB="0" anchor="ctr"/>
+                </a:tc>
+                <a:tc>
+                  <a:txBody>
+                    <a:bodyPr/>
+                    <a:lstStyle/>
+                    <a:p>
+                      <a:pPr algn="l" rtl="0" fontAlgn="ctr"/>
+                      <a:r>
+                        <a:rPr lang="en-US" sz="1800" b="0" i="0" u="none" strike="noStrike" dirty="0">
+                          <a:solidFill>
+                            <a:srgbClr val="000000"/>
+                          </a:solidFill>
+                          <a:effectLst/>
+                          <a:latin typeface="Franklin Gothic Book" panose="020B0503020102020204" pitchFamily="34" charset="0"/>
+                        </a:rPr>
+                        <a:t>Positive</a:t>
                       </a:r>
                     </a:p>
                   </a:txBody>
@@ -9214,6 +4598,26 @@
                   </a:txBody>
                   <a:tcPr marL="9525" marR="9525" marT="9525" marB="0" anchor="ctr"/>
                 </a:tc>
+                <a:tc>
+                  <a:txBody>
+                    <a:bodyPr/>
+                    <a:lstStyle/>
+                    <a:p>
+                      <a:pPr algn="l" rtl="0" fontAlgn="ctr"/>
+                      <a:r>
+                        <a:rPr lang="en-US" sz="1800" b="0" i="0" u="none" strike="noStrike" dirty="0">
+                          <a:solidFill>
+                            <a:srgbClr val="000000"/>
+                          </a:solidFill>
+                          <a:effectLst/>
+                          <a:latin typeface="Franklin Gothic Book" panose="020B0503020102020204" pitchFamily="34" charset="0"/>
+                        </a:rPr>
+                        <a:t>Strong positive correlation</a:t>
+                      </a:r>
+                    </a:p>
+                  </a:txBody>
+                  <a:tcPr marL="9525" marR="9525" marT="9525" marB="0" anchor="ctr"/>
+                </a:tc>
                 <a:extLst>
                   <a:ext uri="{0D108BD9-81ED-4DB2-BD59-A6C34878D82A}">
                     <a16:rowId xmlns:a16="http://schemas.microsoft.com/office/drawing/2014/main" val="627872705"/>
@@ -9236,6 +4640,26 @@
                           <a:latin typeface="Franklin Gothic Book" panose="020B0503020102020204" pitchFamily="34" charset="0"/>
                         </a:rPr>
                         <a:t>Education</a:t>
+                      </a:r>
+                    </a:p>
+                  </a:txBody>
+                  <a:tcPr marL="9525" marR="9525" marT="9525" marB="0" anchor="ctr"/>
+                </a:tc>
+                <a:tc>
+                  <a:txBody>
+                    <a:bodyPr/>
+                    <a:lstStyle/>
+                    <a:p>
+                      <a:pPr algn="l" rtl="0" fontAlgn="ctr"/>
+                      <a:r>
+                        <a:rPr lang="en-US" sz="1800" b="0" i="0" u="none" strike="noStrike" dirty="0">
+                          <a:solidFill>
+                            <a:srgbClr val="000000"/>
+                          </a:solidFill>
+                          <a:effectLst/>
+                          <a:latin typeface="Franklin Gothic Book" panose="020B0503020102020204" pitchFamily="34" charset="0"/>
+                        </a:rPr>
+                        <a:t>Positive</a:t>
                       </a:r>
                     </a:p>
                   </a:txBody>
@@ -9301,6 +4725,26 @@
                   </a:txBody>
                   <a:tcPr marL="9525" marR="9525" marT="9525" marB="0" anchor="ctr"/>
                 </a:tc>
+                <a:tc>
+                  <a:txBody>
+                    <a:bodyPr/>
+                    <a:lstStyle/>
+                    <a:p>
+                      <a:pPr algn="l" rtl="0" fontAlgn="ctr"/>
+                      <a:r>
+                        <a:rPr lang="en-US" sz="1800" b="0" i="0" u="none" strike="noStrike" dirty="0">
+                          <a:solidFill>
+                            <a:srgbClr val="000000"/>
+                          </a:solidFill>
+                          <a:effectLst/>
+                          <a:latin typeface="Franklin Gothic Book" panose="020B0503020102020204" pitchFamily="34" charset="0"/>
+                        </a:rPr>
+                        <a:t>No correlation</a:t>
+                      </a:r>
+                    </a:p>
+                  </a:txBody>
+                  <a:tcPr marL="9525" marR="9525" marT="9525" marB="0" anchor="ctr"/>
+                </a:tc>
                 <a:extLst>
                   <a:ext uri="{0D108BD9-81ED-4DB2-BD59-A6C34878D82A}">
                     <a16:rowId xmlns:a16="http://schemas.microsoft.com/office/drawing/2014/main" val="3853271917"/>
@@ -9323,6 +4767,26 @@
                           <a:latin typeface="Franklin Gothic Book" panose="020B0503020102020204" pitchFamily="34" charset="0"/>
                         </a:rPr>
                         <a:t>Number of Hospitals</a:t>
+                      </a:r>
+                    </a:p>
+                  </a:txBody>
+                  <a:tcPr marL="9525" marR="9525" marT="9525" marB="0" anchor="ctr"/>
+                </a:tc>
+                <a:tc>
+                  <a:txBody>
+                    <a:bodyPr/>
+                    <a:lstStyle/>
+                    <a:p>
+                      <a:pPr algn="l" rtl="0" fontAlgn="ctr"/>
+                      <a:r>
+                        <a:rPr lang="en-US" sz="1800" b="0" i="0" u="none" strike="noStrike" dirty="0">
+                          <a:solidFill>
+                            <a:srgbClr val="000000"/>
+                          </a:solidFill>
+                          <a:effectLst/>
+                          <a:latin typeface="Franklin Gothic Book" panose="020B0503020102020204" pitchFamily="34" charset="0"/>
+                        </a:rPr>
+                        <a:t>Positive</a:t>
                       </a:r>
                     </a:p>
                   </a:txBody>
@@ -9388,6 +4852,26 @@
                   </a:txBody>
                   <a:tcPr marL="9525" marR="9525" marT="9525" marB="0" anchor="ctr"/>
                 </a:tc>
+                <a:tc>
+                  <a:txBody>
+                    <a:bodyPr/>
+                    <a:lstStyle/>
+                    <a:p>
+                      <a:pPr algn="l" rtl="0" fontAlgn="ctr"/>
+                      <a:r>
+                        <a:rPr lang="en-US" sz="1800" b="0" i="0" u="none" strike="noStrike" dirty="0">
+                          <a:solidFill>
+                            <a:srgbClr val="000000"/>
+                          </a:solidFill>
+                          <a:effectLst/>
+                          <a:latin typeface="Franklin Gothic Book" panose="020B0503020102020204" pitchFamily="34" charset="0"/>
+                        </a:rPr>
+                        <a:t>No correlation</a:t>
+                      </a:r>
+                    </a:p>
+                  </a:txBody>
+                  <a:tcPr marL="9525" marR="9525" marT="9525" marB="0" anchor="ctr"/>
+                </a:tc>
                 <a:extLst>
                   <a:ext uri="{0D108BD9-81ED-4DB2-BD59-A6C34878D82A}">
                     <a16:rowId xmlns:a16="http://schemas.microsoft.com/office/drawing/2014/main" val="1615432924"/>
@@ -9410,6 +4894,26 @@
                           <a:latin typeface="Franklin Gothic Book" panose="020B0503020102020204" pitchFamily="34" charset="0"/>
                         </a:rPr>
                         <a:t>Emissions</a:t>
+                      </a:r>
+                    </a:p>
+                  </a:txBody>
+                  <a:tcPr marL="9525" marR="9525" marT="9525" marB="0" anchor="ctr"/>
+                </a:tc>
+                <a:tc>
+                  <a:txBody>
+                    <a:bodyPr/>
+                    <a:lstStyle/>
+                    <a:p>
+                      <a:pPr algn="l" rtl="0" fontAlgn="ctr"/>
+                      <a:r>
+                        <a:rPr lang="en-US" sz="1800" b="0" i="0" u="none" strike="noStrike" dirty="0">
+                          <a:solidFill>
+                            <a:srgbClr val="000000"/>
+                          </a:solidFill>
+                          <a:effectLst/>
+                          <a:latin typeface="Franklin Gothic Book" panose="020B0503020102020204" pitchFamily="34" charset="0"/>
+                        </a:rPr>
+                        <a:t>Negative</a:t>
                       </a:r>
                     </a:p>
                   </a:txBody>
@@ -9475,6 +4979,26 @@
                   </a:txBody>
                   <a:tcPr marL="9525" marR="9525" marT="9525" marB="0" anchor="ctr"/>
                 </a:tc>
+                <a:tc>
+                  <a:txBody>
+                    <a:bodyPr/>
+                    <a:lstStyle/>
+                    <a:p>
+                      <a:pPr algn="l" rtl="0" fontAlgn="ctr"/>
+                      <a:r>
+                        <a:rPr lang="en-US" sz="1800" b="0" i="0" u="none" strike="noStrike" dirty="0">
+                          <a:solidFill>
+                            <a:srgbClr val="000000"/>
+                          </a:solidFill>
+                          <a:effectLst/>
+                          <a:latin typeface="Franklin Gothic Book" panose="020B0503020102020204" pitchFamily="34" charset="0"/>
+                        </a:rPr>
+                        <a:t>No correlation</a:t>
+                      </a:r>
+                    </a:p>
+                  </a:txBody>
+                  <a:tcPr marL="9525" marR="9525" marT="9525" marB="0" anchor="ctr"/>
+                </a:tc>
                 <a:extLst>
                   <a:ext uri="{0D108BD9-81ED-4DB2-BD59-A6C34878D82A}">
                     <a16:rowId xmlns:a16="http://schemas.microsoft.com/office/drawing/2014/main" val="2787684518"/>
@@ -9497,6 +5021,26 @@
                           <a:latin typeface="Franklin Gothic Book" panose="020B0503020102020204" pitchFamily="34" charset="0"/>
                         </a:rPr>
                         <a:t>Population Density</a:t>
+                      </a:r>
+                    </a:p>
+                  </a:txBody>
+                  <a:tcPr marL="9525" marR="9525" marT="9525" marB="0" anchor="ctr"/>
+                </a:tc>
+                <a:tc>
+                  <a:txBody>
+                    <a:bodyPr/>
+                    <a:lstStyle/>
+                    <a:p>
+                      <a:pPr algn="l" rtl="0" fontAlgn="ctr"/>
+                      <a:r>
+                        <a:rPr lang="en-US" sz="1800" b="0" i="0" u="none" strike="noStrike" dirty="0">
+                          <a:solidFill>
+                            <a:srgbClr val="000000"/>
+                          </a:solidFill>
+                          <a:effectLst/>
+                          <a:latin typeface="Franklin Gothic Book" panose="020B0503020102020204" pitchFamily="34" charset="0"/>
+                        </a:rPr>
+                        <a:t>Negative</a:t>
                       </a:r>
                     </a:p>
                   </a:txBody>
@@ -9562,6 +5106,26 @@
                   </a:txBody>
                   <a:tcPr marL="9525" marR="9525" marT="9525" marB="0" anchor="ctr"/>
                 </a:tc>
+                <a:tc>
+                  <a:txBody>
+                    <a:bodyPr/>
+                    <a:lstStyle/>
+                    <a:p>
+                      <a:pPr algn="l" rtl="0" fontAlgn="ctr"/>
+                      <a:r>
+                        <a:rPr lang="en-US" sz="1800" b="0" i="0" u="none" strike="noStrike" dirty="0">
+                          <a:solidFill>
+                            <a:srgbClr val="000000"/>
+                          </a:solidFill>
+                          <a:effectLst/>
+                          <a:latin typeface="Franklin Gothic Book" panose="020B0503020102020204" pitchFamily="34" charset="0"/>
+                        </a:rPr>
+                        <a:t>No correlation</a:t>
+                      </a:r>
+                    </a:p>
+                  </a:txBody>
+                  <a:tcPr marL="9525" marR="9525" marT="9525" marB="0" anchor="ctr"/>
+                </a:tc>
                 <a:extLst>
                   <a:ext uri="{0D108BD9-81ED-4DB2-BD59-A6C34878D82A}">
                     <a16:rowId xmlns:a16="http://schemas.microsoft.com/office/drawing/2014/main" val="2129174624"/>
@@ -9576,7 +5140,7 @@
                     <a:p>
                       <a:pPr algn="l" rtl="0" fontAlgn="ctr"/>
                       <a:r>
-                        <a:rPr lang="en-US" sz="1800" b="0" i="0" u="none" strike="noStrike">
+                        <a:rPr lang="en-US" sz="1800" b="0" i="0" u="none" strike="noStrike" dirty="0">
                           <a:solidFill>
                             <a:srgbClr val="000000"/>
                           </a:solidFill>
@@ -9584,6 +5148,26 @@
                           <a:latin typeface="Franklin Gothic Book" panose="020B0503020102020204" pitchFamily="34" charset="0"/>
                         </a:rPr>
                         <a:t>Unemployment</a:t>
+                      </a:r>
+                    </a:p>
+                  </a:txBody>
+                  <a:tcPr marL="9525" marR="9525" marT="9525" marB="0" anchor="ctr"/>
+                </a:tc>
+                <a:tc>
+                  <a:txBody>
+                    <a:bodyPr/>
+                    <a:lstStyle/>
+                    <a:p>
+                      <a:pPr algn="l" rtl="0" fontAlgn="ctr"/>
+                      <a:r>
+                        <a:rPr lang="en-US" sz="1800" b="0" i="0" u="none" strike="noStrike" dirty="0">
+                          <a:solidFill>
+                            <a:srgbClr val="000000"/>
+                          </a:solidFill>
+                          <a:effectLst/>
+                          <a:latin typeface="Franklin Gothic Book" panose="020B0503020102020204" pitchFamily="34" charset="0"/>
+                        </a:rPr>
+                        <a:t>Negative</a:t>
                       </a:r>
                     </a:p>
                   </a:txBody>
@@ -9649,6 +5233,26 @@
                   </a:txBody>
                   <a:tcPr marL="9525" marR="9525" marT="9525" marB="0" anchor="ctr"/>
                 </a:tc>
+                <a:tc>
+                  <a:txBody>
+                    <a:bodyPr/>
+                    <a:lstStyle/>
+                    <a:p>
+                      <a:pPr algn="l" rtl="0" fontAlgn="ctr"/>
+                      <a:r>
+                        <a:rPr lang="en-US" sz="1800" b="0" i="0" u="none" strike="noStrike" dirty="0">
+                          <a:solidFill>
+                            <a:srgbClr val="000000"/>
+                          </a:solidFill>
+                          <a:effectLst/>
+                          <a:latin typeface="Franklin Gothic Book" panose="020B0503020102020204" pitchFamily="34" charset="0"/>
+                        </a:rPr>
+                        <a:t>Strong negative correlation</a:t>
+                      </a:r>
+                    </a:p>
+                  </a:txBody>
+                  <a:tcPr marL="9525" marR="9525" marT="9525" marB="0" anchor="ctr"/>
+                </a:tc>
                 <a:extLst>
                   <a:ext uri="{0D108BD9-81ED-4DB2-BD59-A6C34878D82A}">
                     <a16:rowId xmlns:a16="http://schemas.microsoft.com/office/drawing/2014/main" val="2411745217"/>
@@ -9691,104 +5295,6 @@
       </p:grpSpPr>
       <p:sp>
         <p:nvSpPr>
-          <p:cNvPr id="2" name="Title 1">
-            <a:extLst>
-              <a:ext uri="{FF2B5EF4-FFF2-40B4-BE49-F238E27FC236}">
-                <a16:creationId xmlns:a16="http://schemas.microsoft.com/office/drawing/2014/main" id="{AC12E3C4-AD2D-4872-AC3E-F1183BF1F318}"/>
-              </a:ext>
-            </a:extLst>
-          </p:cNvPr>
-          <p:cNvSpPr>
-            <a:spLocks noGrp="1"/>
-          </p:cNvSpPr>
-          <p:nvPr>
-            <p:ph type="title"/>
-          </p:nvPr>
-        </p:nvSpPr>
-        <p:spPr/>
-        <p:txBody>
-          <a:bodyPr/>
-          <a:lstStyle/>
-          <a:p>
-            <a:r>
-              <a:rPr lang="en-US" dirty="0"/>
-              <a:t>Questions to further research</a:t>
-            </a:r>
-          </a:p>
-        </p:txBody>
-      </p:sp>
-      <p:sp>
-        <p:nvSpPr>
-          <p:cNvPr id="3" name="Content Placeholder 2">
-            <a:extLst>
-              <a:ext uri="{FF2B5EF4-FFF2-40B4-BE49-F238E27FC236}">
-                <a16:creationId xmlns:a16="http://schemas.microsoft.com/office/drawing/2014/main" id="{047CA42F-D029-42FF-8193-00F2CD4B10ED}"/>
-              </a:ext>
-            </a:extLst>
-          </p:cNvPr>
-          <p:cNvSpPr>
-            <a:spLocks noGrp="1"/>
-          </p:cNvSpPr>
-          <p:nvPr>
-            <p:ph idx="1"/>
-          </p:nvPr>
-        </p:nvSpPr>
-        <p:spPr/>
-        <p:txBody>
-          <a:bodyPr/>
-          <a:lstStyle/>
-          <a:p>
-            <a:r>
-              <a:rPr lang="en-US" dirty="0"/>
-              <a:t>Would we find more varying data in counties outside the metro area?</a:t>
-            </a:r>
-          </a:p>
-          <a:p>
-            <a:r>
-              <a:rPr lang="en-US" dirty="0"/>
-              <a:t>What if we chose randomized samples of counties in Minnesota?</a:t>
-            </a:r>
-          </a:p>
-          <a:p>
-            <a:endParaRPr lang="en-US" dirty="0"/>
-          </a:p>
-          <a:p>
-            <a:endParaRPr lang="en-US" dirty="0"/>
-          </a:p>
-        </p:txBody>
-      </p:sp>
-    </p:spTree>
-    <p:extLst>
-      <p:ext uri="{BB962C8B-B14F-4D97-AF65-F5344CB8AC3E}">
-        <p14:creationId xmlns:p14="http://schemas.microsoft.com/office/powerpoint/2010/main" val="1981019730"/>
-      </p:ext>
-    </p:extLst>
-  </p:cSld>
-  <p:clrMapOvr>
-    <a:masterClrMapping/>
-  </p:clrMapOvr>
-</p:sld>
-</file>
-
-<file path=ppt/slides/slide14.xml><?xml version="1.0" encoding="utf-8"?>
-<p:sld xmlns:a="http://schemas.openxmlformats.org/drawingml/2006/main" xmlns:r="http://schemas.openxmlformats.org/officeDocument/2006/relationships" xmlns:p="http://schemas.openxmlformats.org/presentationml/2006/main">
-  <p:cSld>
-    <p:spTree>
-      <p:nvGrpSpPr>
-        <p:cNvPr id="1" name=""/>
-        <p:cNvGrpSpPr/>
-        <p:nvPr/>
-      </p:nvGrpSpPr>
-      <p:grpSpPr>
-        <a:xfrm>
-          <a:off x="0" y="0"/>
-          <a:ext cx="0" cy="0"/>
-          <a:chOff x="0" y="0"/>
-          <a:chExt cx="0" cy="0"/>
-        </a:xfrm>
-      </p:grpSpPr>
-      <p:sp>
-        <p:nvSpPr>
           <p:cNvPr id="4" name="Title 3">
             <a:extLst>
               <a:ext uri="{FF2B5EF4-FFF2-40B4-BE49-F238E27FC236}">
@@ -10002,12 +5508,90 @@
           </a:p>
         </p:txBody>
       </p:sp>
+      <p:sp>
+        <p:nvSpPr>
+          <p:cNvPr id="3" name="Content Placeholder 2">
+            <a:extLst>
+              <a:ext uri="{FF2B5EF4-FFF2-40B4-BE49-F238E27FC236}">
+                <a16:creationId xmlns:a16="http://schemas.microsoft.com/office/drawing/2014/main" id="{E4842B89-4E28-4B75-A1CC-25069EA1C69A}"/>
+              </a:ext>
+            </a:extLst>
+          </p:cNvPr>
+          <p:cNvSpPr>
+            <a:spLocks noGrp="1"/>
+          </p:cNvSpPr>
+          <p:nvPr>
+            <p:ph type="body" sz="half" idx="2"/>
+          </p:nvPr>
+        </p:nvSpPr>
+        <p:spPr>
+          <a:xfrm>
+            <a:off x="447091" y="1797243"/>
+            <a:ext cx="3713942" cy="4656565"/>
+          </a:xfrm>
+        </p:spPr>
+        <p:txBody>
+          <a:bodyPr>
+            <a:normAutofit/>
+          </a:bodyPr>
+          <a:lstStyle/>
+          <a:p>
+            <a:pPr marL="0" indent="0">
+              <a:lnSpc>
+                <a:spcPct val="100000"/>
+              </a:lnSpc>
+              <a:buNone/>
+            </a:pPr>
+            <a:r>
+              <a:rPr lang="en-US" sz="1600" dirty="0"/>
+              <a:t>The CDC defines ‘Life Expectancy at Birth’ as “the average number of years that a hypothetical group of infants would live at each attained age if the group was subject, throughout its lifetime, to the age-specific death rates prevailing for the actual population in a given year.”</a:t>
+            </a:r>
+            <a:br>
+              <a:rPr lang="en-US" sz="1600" dirty="0"/>
+            </a:br>
+            <a:r>
+              <a:rPr lang="en-US" sz="1600" dirty="0">
+                <a:hlinkClick r:id="rId2"/>
+              </a:rPr>
+              <a:t>https://www.cdc.gov/nchs/products/databriefs/db244.htm#ref1</a:t>
+            </a:r>
+            <a:endParaRPr lang="en-US" sz="1600" dirty="0"/>
+          </a:p>
+          <a:p>
+            <a:pPr marL="0" indent="0">
+              <a:lnSpc>
+                <a:spcPct val="100000"/>
+              </a:lnSpc>
+              <a:buNone/>
+            </a:pPr>
+            <a:r>
+              <a:rPr lang="en-US" sz="1600" dirty="0"/>
+              <a:t>Our data came from National Center for Health Statistics, National Vital Statistics System, US Small-area Life Expectancy Estimates Project (USALEEP)</a:t>
+            </a:r>
+          </a:p>
+          <a:p>
+            <a:pPr marL="0" indent="0">
+              <a:lnSpc>
+                <a:spcPct val="100000"/>
+              </a:lnSpc>
+              <a:buNone/>
+            </a:pPr>
+            <a:r>
+              <a:rPr lang="en-US" sz="1600" u="sng" dirty="0">
+                <a:hlinkClick r:id="rId3"/>
+              </a:rPr>
+              <a:t>https://www.cdc.gov/nchs/nvss/usaleep/usaleep.html</a:t>
+            </a:r>
+            <a:endParaRPr lang="en-US" sz="1600" u="sng" dirty="0"/>
+          </a:p>
+        </p:txBody>
+      </p:sp>
       <p:pic>
         <p:nvPicPr>
-          <p:cNvPr id="4" name="Picture 3">
-            <a:extLst>
-              <a:ext uri="{FF2B5EF4-FFF2-40B4-BE49-F238E27FC236}">
-                <a16:creationId xmlns:a16="http://schemas.microsoft.com/office/drawing/2014/main" id="{93C1B211-96CE-477B-AF91-B2306769895D}"/>
+          <p:cNvPr id="5" name="Picture 4">
+            <a:extLst>
+              <a:ext uri="{FF2B5EF4-FFF2-40B4-BE49-F238E27FC236}">
+                <a16:creationId xmlns:a16="http://schemas.microsoft.com/office/drawing/2014/main" id="{68D65FB5-6A5F-40D2-A0CF-01DF6A9A9E27}"/>
               </a:ext>
             </a:extLst>
           </p:cNvPr>
@@ -10017,100 +5601,21 @@
           <p:nvPr/>
         </p:nvPicPr>
         <p:blipFill>
-          <a:blip r:embed="rId2"/>
+          <a:blip r:embed="rId4"/>
           <a:stretch>
             <a:fillRect/>
           </a:stretch>
         </p:blipFill>
         <p:spPr>
           <a:xfrm>
-            <a:off x="4875888" y="1273844"/>
-            <a:ext cx="6869021" cy="4310311"/>
+            <a:off x="4966271" y="1251185"/>
+            <a:ext cx="7096933" cy="4355629"/>
           </a:xfrm>
           <a:prstGeom prst="rect">
             <a:avLst/>
           </a:prstGeom>
-          <a:noFill/>
         </p:spPr>
       </p:pic>
-      <p:sp>
-        <p:nvSpPr>
-          <p:cNvPr id="3" name="Content Placeholder 2">
-            <a:extLst>
-              <a:ext uri="{FF2B5EF4-FFF2-40B4-BE49-F238E27FC236}">
-                <a16:creationId xmlns:a16="http://schemas.microsoft.com/office/drawing/2014/main" id="{E4842B89-4E28-4B75-A1CC-25069EA1C69A}"/>
-              </a:ext>
-            </a:extLst>
-          </p:cNvPr>
-          <p:cNvSpPr>
-            <a:spLocks noGrp="1"/>
-          </p:cNvSpPr>
-          <p:nvPr>
-            <p:ph type="body" sz="half" idx="2"/>
-          </p:nvPr>
-        </p:nvSpPr>
-        <p:spPr>
-          <a:xfrm>
-            <a:off x="447091" y="1797243"/>
-            <a:ext cx="3713942" cy="4656565"/>
-          </a:xfrm>
-        </p:spPr>
-        <p:txBody>
-          <a:bodyPr>
-            <a:normAutofit/>
-          </a:bodyPr>
-          <a:lstStyle/>
-          <a:p>
-            <a:pPr marL="0" indent="0">
-              <a:lnSpc>
-                <a:spcPct val="100000"/>
-              </a:lnSpc>
-              <a:buNone/>
-            </a:pPr>
-            <a:r>
-              <a:rPr lang="en-US" sz="1600" dirty="0"/>
-              <a:t>The CDC defines ‘Life Expectancy at Birth’ as “the average number of years that a hypothetical group of infants would live at each attained age if the group was subject, throughout its lifetime, to the age-specific death rates prevailing for the actual population in a given year.”</a:t>
-            </a:r>
-            <a:br>
-              <a:rPr lang="en-US" sz="1600" dirty="0"/>
-            </a:br>
-            <a:r>
-              <a:rPr lang="en-US" sz="1600" dirty="0">
-                <a:hlinkClick r:id="rId3"/>
-              </a:rPr>
-              <a:t>https://www.cdc.gov/nchs/products/databriefs/db244.htm#ref1</a:t>
-            </a:r>
-            <a:endParaRPr lang="en-US" sz="1600" dirty="0"/>
-          </a:p>
-          <a:p>
-            <a:pPr marL="0" indent="0">
-              <a:lnSpc>
-                <a:spcPct val="100000"/>
-              </a:lnSpc>
-              <a:buNone/>
-            </a:pPr>
-            <a:r>
-              <a:rPr lang="en-US" sz="1600" dirty="0"/>
-              <a:t>Our data came from National Center for Health Statistics, National Vital Statistics System, US Small-area Life Expectancy Estimates Project (USALEEP)</a:t>
-            </a:r>
-          </a:p>
-          <a:p>
-            <a:pPr marL="0" indent="0">
-              <a:lnSpc>
-                <a:spcPct val="100000"/>
-              </a:lnSpc>
-              <a:buNone/>
-            </a:pPr>
-            <a:r>
-              <a:rPr lang="en-US" sz="1600" u="sng" dirty="0">
-                <a:hlinkClick r:id="rId4"/>
-              </a:rPr>
-              <a:t>https://www.cdc.gov/nchs/nvss/usaleep/usaleep.html</a:t>
-            </a:r>
-            <a:endParaRPr lang="en-US" sz="1600" u="sng" dirty="0"/>
-          </a:p>
-        </p:txBody>
-      </p:sp>
     </p:spTree>
     <p:extLst>
       <p:ext uri="{BB962C8B-B14F-4D97-AF65-F5344CB8AC3E}">
